--- a/slides/4. Graphs/1. Chains and graphs.pptx
+++ b/slides/4. Graphs/1. Chains and graphs.pptx
@@ -15,37 +15,37 @@
     <p:sldId id="1874" r:id="rId6"/>
     <p:sldId id="1876" r:id="rId7"/>
     <p:sldId id="1880" r:id="rId8"/>
-    <p:sldId id="1953" r:id="rId9"/>
-    <p:sldId id="1878" r:id="rId10"/>
-    <p:sldId id="1881" r:id="rId11"/>
-    <p:sldId id="1851" r:id="rId12"/>
-    <p:sldId id="1867" r:id="rId13"/>
-    <p:sldId id="1855" r:id="rId14"/>
-    <p:sldId id="1856" r:id="rId15"/>
-    <p:sldId id="1858" r:id="rId16"/>
-    <p:sldId id="1859" r:id="rId17"/>
-    <p:sldId id="1860" r:id="rId18"/>
-    <p:sldId id="1950" r:id="rId19"/>
-    <p:sldId id="1951" r:id="rId20"/>
-    <p:sldId id="1952" r:id="rId21"/>
-    <p:sldId id="1882" r:id="rId22"/>
-    <p:sldId id="1883" r:id="rId23"/>
-    <p:sldId id="1857" r:id="rId24"/>
-    <p:sldId id="1884" r:id="rId25"/>
-    <p:sldId id="1885" r:id="rId26"/>
-    <p:sldId id="1886" r:id="rId27"/>
-    <p:sldId id="1887" r:id="rId28"/>
-    <p:sldId id="1861" r:id="rId29"/>
-    <p:sldId id="1862" r:id="rId30"/>
-    <p:sldId id="1954" r:id="rId31"/>
-    <p:sldId id="1955" r:id="rId32"/>
-    <p:sldId id="1956" r:id="rId33"/>
-    <p:sldId id="1957" r:id="rId34"/>
-    <p:sldId id="1958" r:id="rId35"/>
-    <p:sldId id="1853" r:id="rId36"/>
-    <p:sldId id="1962" r:id="rId37"/>
-    <p:sldId id="1960" r:id="rId38"/>
-    <p:sldId id="1961" r:id="rId39"/>
+    <p:sldId id="1878" r:id="rId9"/>
+    <p:sldId id="1881" r:id="rId10"/>
+    <p:sldId id="1851" r:id="rId11"/>
+    <p:sldId id="1867" r:id="rId12"/>
+    <p:sldId id="1855" r:id="rId13"/>
+    <p:sldId id="1856" r:id="rId14"/>
+    <p:sldId id="1858" r:id="rId15"/>
+    <p:sldId id="1859" r:id="rId16"/>
+    <p:sldId id="1860" r:id="rId17"/>
+    <p:sldId id="1950" r:id="rId18"/>
+    <p:sldId id="1951" r:id="rId19"/>
+    <p:sldId id="1952" r:id="rId20"/>
+    <p:sldId id="1882" r:id="rId21"/>
+    <p:sldId id="1883" r:id="rId22"/>
+    <p:sldId id="1857" r:id="rId23"/>
+    <p:sldId id="1884" r:id="rId24"/>
+    <p:sldId id="1885" r:id="rId25"/>
+    <p:sldId id="1886" r:id="rId26"/>
+    <p:sldId id="1887" r:id="rId27"/>
+    <p:sldId id="1861" r:id="rId28"/>
+    <p:sldId id="1862" r:id="rId29"/>
+    <p:sldId id="1954" r:id="rId30"/>
+    <p:sldId id="1955" r:id="rId31"/>
+    <p:sldId id="1956" r:id="rId32"/>
+    <p:sldId id="1957" r:id="rId33"/>
+    <p:sldId id="1958" r:id="rId34"/>
+    <p:sldId id="1853" r:id="rId35"/>
+    <p:sldId id="1962" r:id="rId36"/>
+    <p:sldId id="1960" r:id="rId37"/>
+    <p:sldId id="1961" r:id="rId38"/>
+    <p:sldId id="1963" r:id="rId39"/>
   </p:sldIdLst>
   <p:sldSz cx="12192000" cy="6858000"/>
   <p:notesSz cx="6858000" cy="9144000"/>
@@ -233,7 +233,7 @@
           </a:lstStyle>
           <a:p>
             <a:fld id="{A0AD287E-D527-974B-B600-3E9121D74DD6}" type="datetimeFigureOut">
-              <a:t>30.09.2025</a:t>
+              <a:t>5.10.2025</a:t>
             </a:fld>
             <a:endParaRPr lang="pl-PL"/>
           </a:p>
@@ -678,7 +678,7 @@
           <a:p>
             <a:fld id="{C764DE79-268F-4C1A-8933-263129D2AF90}" type="datetimeFigureOut">
               <a:rPr lang="en-US" dirty="0"/>
-              <a:t>9/30/25</a:t>
+              <a:t>10/5/25</a:t>
             </a:fld>
             <a:endParaRPr lang="en-US" dirty="0"/>
           </a:p>
@@ -933,7 +933,7 @@
           <a:p>
             <a:fld id="{C764DE79-268F-4C1A-8933-263129D2AF90}" type="datetimeFigureOut">
               <a:rPr lang="en-US" dirty="0"/>
-              <a:t>9/30/25</a:t>
+              <a:t>10/5/25</a:t>
             </a:fld>
             <a:endParaRPr lang="en-US" dirty="0"/>
           </a:p>
@@ -1101,7 +1101,7 @@
           <a:p>
             <a:fld id="{C764DE79-268F-4C1A-8933-263129D2AF90}" type="datetimeFigureOut">
               <a:rPr lang="en-US" dirty="0"/>
-              <a:t>9/30/25</a:t>
+              <a:t>10/5/25</a:t>
             </a:fld>
             <a:endParaRPr lang="en-US" dirty="0"/>
           </a:p>
@@ -1279,7 +1279,7 @@
           <a:p>
             <a:fld id="{C764DE79-268F-4C1A-8933-263129D2AF90}" type="datetimeFigureOut">
               <a:rPr lang="en-US" dirty="0"/>
-              <a:t>9/30/25</a:t>
+              <a:t>10/5/25</a:t>
             </a:fld>
             <a:endParaRPr lang="en-US" dirty="0"/>
           </a:p>
@@ -1546,7 +1546,7 @@
           <a:p>
             <a:fld id="{C764DE79-268F-4C1A-8933-263129D2AF90}" type="datetimeFigureOut">
               <a:rPr lang="en-US" dirty="0"/>
-              <a:t>9/30/25</a:t>
+              <a:t>10/5/25</a:t>
             </a:fld>
             <a:endParaRPr lang="en-US" dirty="0"/>
           </a:p>
@@ -1791,7 +1791,7 @@
           <a:p>
             <a:fld id="{C764DE79-268F-4C1A-8933-263129D2AF90}" type="datetimeFigureOut">
               <a:rPr lang="en-US" dirty="0"/>
-              <a:t>9/30/25</a:t>
+              <a:t>10/5/25</a:t>
             </a:fld>
             <a:endParaRPr lang="en-US" dirty="0"/>
           </a:p>
@@ -2076,7 +2076,7 @@
           <a:p>
             <a:fld id="{C764DE79-268F-4C1A-8933-263129D2AF90}" type="datetimeFigureOut">
               <a:rPr lang="en-US" dirty="0"/>
-              <a:t>9/30/25</a:t>
+              <a:t>10/5/25</a:t>
             </a:fld>
             <a:endParaRPr lang="en-US" dirty="0"/>
           </a:p>
@@ -2495,7 +2495,7 @@
           <a:p>
             <a:fld id="{C764DE79-268F-4C1A-8933-263129D2AF90}" type="datetimeFigureOut">
               <a:rPr lang="en-US" dirty="0"/>
-              <a:t>9/30/25</a:t>
+              <a:t>10/5/25</a:t>
             </a:fld>
             <a:endParaRPr lang="en-US" dirty="0"/>
           </a:p>
@@ -2612,7 +2612,7 @@
           <a:p>
             <a:fld id="{C764DE79-268F-4C1A-8933-263129D2AF90}" type="datetimeFigureOut">
               <a:rPr lang="en-US" dirty="0"/>
-              <a:t>9/30/25</a:t>
+              <a:t>10/5/25</a:t>
             </a:fld>
             <a:endParaRPr lang="en-US" dirty="0"/>
           </a:p>
@@ -2707,7 +2707,7 @@
           <a:p>
             <a:fld id="{C764DE79-268F-4C1A-8933-263129D2AF90}" type="datetimeFigureOut">
               <a:rPr lang="en-US" dirty="0"/>
-              <a:t>9/30/25</a:t>
+              <a:t>10/5/25</a:t>
             </a:fld>
             <a:endParaRPr lang="en-US" dirty="0"/>
           </a:p>
@@ -2982,7 +2982,7 @@
           <a:p>
             <a:fld id="{C764DE79-268F-4C1A-8933-263129D2AF90}" type="datetimeFigureOut">
               <a:rPr lang="en-US" dirty="0"/>
-              <a:t>9/30/25</a:t>
+              <a:t>10/5/25</a:t>
             </a:fld>
             <a:endParaRPr lang="en-US" dirty="0"/>
           </a:p>
@@ -3292,7 +3292,7 @@
           <a:p>
             <a:fld id="{C764DE79-268F-4C1A-8933-263129D2AF90}" type="datetimeFigureOut">
               <a:rPr lang="en-US" dirty="0"/>
-              <a:t>9/30/25</a:t>
+              <a:t>10/5/25</a:t>
             </a:fld>
             <a:endParaRPr lang="en-US" dirty="0"/>
           </a:p>
@@ -3750,272 +3750,6 @@
         <p:cNvPr id="1" name="">
           <a:extLst>
             <a:ext uri="{FF2B5EF4-FFF2-40B4-BE49-F238E27FC236}">
-              <a16:creationId xmlns:a16="http://schemas.microsoft.com/office/drawing/2014/main" id="{3D8B3C93-C299-D829-837B-49C518154C80}"/>
-            </a:ext>
-          </a:extLst>
-        </p:cNvPr>
-        <p:cNvGrpSpPr/>
-        <p:nvPr/>
-      </p:nvGrpSpPr>
-      <p:grpSpPr>
-        <a:xfrm>
-          <a:off x="0" y="0"/>
-          <a:ext cx="0" cy="0"/>
-          <a:chOff x="0" y="0"/>
-          <a:chExt cx="0" cy="0"/>
-        </a:xfrm>
-      </p:grpSpPr>
-      <p:sp>
-        <p:nvSpPr>
-          <p:cNvPr id="4" name="Symbol zastępczy zawartości 3">
-            <a:extLst>
-              <a:ext uri="{FF2B5EF4-FFF2-40B4-BE49-F238E27FC236}">
-                <a16:creationId xmlns:a16="http://schemas.microsoft.com/office/drawing/2014/main" id="{220936ED-E070-5884-4676-DFE1A7EE54E2}"/>
-              </a:ext>
-            </a:extLst>
-          </p:cNvPr>
-          <p:cNvSpPr>
-            <a:spLocks noGrp="1"/>
-          </p:cNvSpPr>
-          <p:nvPr>
-            <p:ph idx="1"/>
-          </p:nvPr>
-        </p:nvSpPr>
-        <p:spPr>
-          <a:xfrm>
-            <a:off x="421061" y="1785598"/>
-            <a:ext cx="3204308" cy="3286802"/>
-          </a:xfrm>
-        </p:spPr>
-        <p:txBody>
-          <a:bodyPr>
-            <a:normAutofit/>
-          </a:bodyPr>
-          <a:lstStyle/>
-          <a:p>
-            <a:r>
-              <a:rPr lang="pl-PL"/>
-              <a:t>Graphs help maintain credibility when handing over the reins to AI</a:t>
-            </a:r>
-          </a:p>
-        </p:txBody>
-      </p:sp>
-      <p:pic>
-        <p:nvPicPr>
-          <p:cNvPr id="13" name="Obraz 12">
-            <a:extLst>
-              <a:ext uri="{FF2B5EF4-FFF2-40B4-BE49-F238E27FC236}">
-                <a16:creationId xmlns:a16="http://schemas.microsoft.com/office/drawing/2014/main" id="{809E60C4-28B2-BB94-5CF5-E4A7C98ED8CA}"/>
-              </a:ext>
-            </a:extLst>
-          </p:cNvPr>
-          <p:cNvPicPr>
-            <a:picLocks noChangeAspect="1"/>
-          </p:cNvPicPr>
-          <p:nvPr/>
-        </p:nvPicPr>
-        <p:blipFill>
-          <a:blip r:embed="rId2"/>
-          <a:stretch>
-            <a:fillRect/>
-          </a:stretch>
-        </p:blipFill>
-        <p:spPr>
-          <a:xfrm>
-            <a:off x="4327250" y="2620596"/>
-            <a:ext cx="3114949" cy="1616807"/>
-          </a:xfrm>
-          <a:prstGeom prst="rect">
-            <a:avLst/>
-          </a:prstGeom>
-        </p:spPr>
-      </p:pic>
-      <p:sp>
-        <p:nvSpPr>
-          <p:cNvPr id="19" name="pole tekstowe 18">
-            <a:extLst>
-              <a:ext uri="{FF2B5EF4-FFF2-40B4-BE49-F238E27FC236}">
-                <a16:creationId xmlns:a16="http://schemas.microsoft.com/office/drawing/2014/main" id="{4EFF8A50-4EE6-CF49-C3CF-0560D3C583DE}"/>
-              </a:ext>
-            </a:extLst>
-          </p:cNvPr>
-          <p:cNvSpPr txBox="1"/>
-          <p:nvPr/>
-        </p:nvSpPr>
-        <p:spPr>
-          <a:xfrm>
-            <a:off x="5490347" y="1250949"/>
-            <a:ext cx="829394" cy="369332"/>
-          </a:xfrm>
-          <a:prstGeom prst="rect">
-            <a:avLst/>
-          </a:prstGeom>
-          <a:noFill/>
-        </p:spPr>
-        <p:txBody>
-          <a:bodyPr wrap="none" rtlCol="0">
-            <a:spAutoFit/>
-          </a:bodyPr>
-          <a:lstStyle/>
-          <a:p>
-            <a:r>
-              <a:rPr lang="pl-PL"/>
-              <a:t>Router</a:t>
-            </a:r>
-          </a:p>
-        </p:txBody>
-      </p:sp>
-      <p:sp>
-        <p:nvSpPr>
-          <p:cNvPr id="23" name="pole tekstowe 22">
-            <a:extLst>
-              <a:ext uri="{FF2B5EF4-FFF2-40B4-BE49-F238E27FC236}">
-                <a16:creationId xmlns:a16="http://schemas.microsoft.com/office/drawing/2014/main" id="{59931EE7-AD8C-7139-90E4-7E31653D29FF}"/>
-              </a:ext>
-            </a:extLst>
-          </p:cNvPr>
-          <p:cNvSpPr txBox="1"/>
-          <p:nvPr/>
-        </p:nvSpPr>
-        <p:spPr>
-          <a:xfrm>
-            <a:off x="9135131" y="1250949"/>
-            <a:ext cx="1830437" cy="369332"/>
-          </a:xfrm>
-          <a:prstGeom prst="rect">
-            <a:avLst/>
-          </a:prstGeom>
-          <a:noFill/>
-        </p:spPr>
-        <p:txBody>
-          <a:bodyPr wrap="none" rtlCol="0">
-            <a:spAutoFit/>
-          </a:bodyPr>
-          <a:lstStyle/>
-          <a:p>
-            <a:r>
-              <a:rPr lang="pl-PL"/>
-              <a:t>Full autonomy</a:t>
-            </a:r>
-          </a:p>
-        </p:txBody>
-      </p:sp>
-      <p:sp>
-        <p:nvSpPr>
-          <p:cNvPr id="25" name="pole tekstowe 24">
-            <a:extLst>
-              <a:ext uri="{FF2B5EF4-FFF2-40B4-BE49-F238E27FC236}">
-                <a16:creationId xmlns:a16="http://schemas.microsoft.com/office/drawing/2014/main" id="{A448C087-E7FA-2175-3ED6-DE2EE99B1478}"/>
-              </a:ext>
-            </a:extLst>
-          </p:cNvPr>
-          <p:cNvSpPr txBox="1"/>
-          <p:nvPr/>
-        </p:nvSpPr>
-        <p:spPr>
-          <a:xfrm>
-            <a:off x="5051855" y="5529135"/>
-            <a:ext cx="6184450" cy="369332"/>
-          </a:xfrm>
-          <a:prstGeom prst="rect">
-            <a:avLst/>
-          </a:prstGeom>
-          <a:noFill/>
-        </p:spPr>
-        <p:txBody>
-          <a:bodyPr wrap="none" rtlCol="0">
-            <a:spAutoFit/>
-          </a:bodyPr>
-          <a:lstStyle/>
-          <a:p>
-            <a:r>
-              <a:rPr lang="pl-PL"/>
-              <a:t>The greater the autonomy of the LLM, the lower its credibility....</a:t>
-            </a:r>
-          </a:p>
-        </p:txBody>
-      </p:sp>
-      <p:pic>
-        <p:nvPicPr>
-          <p:cNvPr id="2" name="Obraz 1">
-            <a:extLst>
-              <a:ext uri="{FF2B5EF4-FFF2-40B4-BE49-F238E27FC236}">
-                <a16:creationId xmlns:a16="http://schemas.microsoft.com/office/drawing/2014/main" id="{AFE4D483-2A1F-C3E7-2AE8-F61BB89D07A0}"/>
-              </a:ext>
-            </a:extLst>
-          </p:cNvPr>
-          <p:cNvPicPr>
-            <a:picLocks noChangeAspect="1"/>
-          </p:cNvPicPr>
-          <p:nvPr/>
-        </p:nvPicPr>
-        <p:blipFill>
-          <a:blip r:embed="rId3"/>
-          <a:stretch>
-            <a:fillRect/>
-          </a:stretch>
-        </p:blipFill>
-        <p:spPr>
-          <a:xfrm>
-            <a:off x="4265638" y="2478126"/>
-            <a:ext cx="3107772" cy="1789044"/>
-          </a:xfrm>
-          <a:prstGeom prst="rect">
-            <a:avLst/>
-          </a:prstGeom>
-        </p:spPr>
-      </p:pic>
-      <p:pic>
-        <p:nvPicPr>
-          <p:cNvPr id="3" name="Obraz 2">
-            <a:extLst>
-              <a:ext uri="{FF2B5EF4-FFF2-40B4-BE49-F238E27FC236}">
-                <a16:creationId xmlns:a16="http://schemas.microsoft.com/office/drawing/2014/main" id="{FC299B55-9964-6CD6-4F27-E2F6AFCFD7A9}"/>
-              </a:ext>
-            </a:extLst>
-          </p:cNvPr>
-          <p:cNvPicPr>
-            <a:picLocks noChangeAspect="1"/>
-          </p:cNvPicPr>
-          <p:nvPr/>
-        </p:nvPicPr>
-        <p:blipFill>
-          <a:blip r:embed="rId4"/>
-          <a:stretch>
-            <a:fillRect/>
-          </a:stretch>
-        </p:blipFill>
-        <p:spPr>
-          <a:xfrm>
-            <a:off x="8211145" y="2193019"/>
-            <a:ext cx="3259083" cy="2471959"/>
-          </a:xfrm>
-          <a:prstGeom prst="rect">
-            <a:avLst/>
-          </a:prstGeom>
-        </p:spPr>
-      </p:pic>
-    </p:spTree>
-    <p:extLst>
-      <p:ext uri="{BB962C8B-B14F-4D97-AF65-F5344CB8AC3E}">
-        <p14:creationId xmlns:p14="http://schemas.microsoft.com/office/powerpoint/2010/main" val="3040709976"/>
-      </p:ext>
-    </p:extLst>
-  </p:cSld>
-  <p:clrMapOvr>
-    <a:masterClrMapping/>
-  </p:clrMapOvr>
-</p:sld>
-</file>
-
-<file path=ppt/slides/slide11.xml><?xml version="1.0" encoding="utf-8"?>
-<p:sld xmlns:a="http://schemas.openxmlformats.org/drawingml/2006/main" xmlns:r="http://schemas.openxmlformats.org/officeDocument/2006/relationships" xmlns:p="http://schemas.openxmlformats.org/presentationml/2006/main">
-  <p:cSld>
-    <p:spTree>
-      <p:nvGrpSpPr>
-        <p:cNvPr id="1" name="">
-          <a:extLst>
-            <a:ext uri="{FF2B5EF4-FFF2-40B4-BE49-F238E27FC236}">
               <a16:creationId xmlns:a16="http://schemas.microsoft.com/office/drawing/2014/main" id="{9485E388-0515-4982-DE4A-7911B949E4FB}"/>
             </a:ext>
           </a:extLst>
@@ -4079,7 +3813,7 @@
 </p:sld>
 </file>
 
-<file path=ppt/slides/slide12.xml><?xml version="1.0" encoding="utf-8"?>
+<file path=ppt/slides/slide11.xml><?xml version="1.0" encoding="utf-8"?>
 <p:sld xmlns:a="http://schemas.openxmlformats.org/drawingml/2006/main" xmlns:r="http://schemas.openxmlformats.org/officeDocument/2006/relationships" xmlns:p="http://schemas.openxmlformats.org/presentationml/2006/main">
   <p:cSld>
     <p:spTree>
@@ -7545,7 +7279,7 @@
 </p:sld>
 </file>
 
-<file path=ppt/slides/slide13.xml><?xml version="1.0" encoding="utf-8"?>
+<file path=ppt/slides/slide12.xml><?xml version="1.0" encoding="utf-8"?>
 <p:sld xmlns:a="http://schemas.openxmlformats.org/drawingml/2006/main" xmlns:r="http://schemas.openxmlformats.org/officeDocument/2006/relationships" xmlns:p="http://schemas.openxmlformats.org/presentationml/2006/main">
   <p:cSld>
     <p:spTree>
@@ -7646,7 +7380,7 @@
 </p:sld>
 </file>
 
-<file path=ppt/slides/slide14.xml><?xml version="1.0" encoding="utf-8"?>
+<file path=ppt/slides/slide13.xml><?xml version="1.0" encoding="utf-8"?>
 <p:sld xmlns:a="http://schemas.openxmlformats.org/drawingml/2006/main" xmlns:r="http://schemas.openxmlformats.org/officeDocument/2006/relationships" xmlns:p="http://schemas.openxmlformats.org/presentationml/2006/main">
   <p:cSld>
     <p:spTree>
@@ -7747,7 +7481,7 @@
 </p:sld>
 </file>
 
-<file path=ppt/slides/slide15.xml><?xml version="1.0" encoding="utf-8"?>
+<file path=ppt/slides/slide14.xml><?xml version="1.0" encoding="utf-8"?>
 <p:sld xmlns:a="http://schemas.openxmlformats.org/drawingml/2006/main" xmlns:r="http://schemas.openxmlformats.org/officeDocument/2006/relationships" xmlns:p="http://schemas.openxmlformats.org/presentationml/2006/main">
   <p:cSld>
     <p:spTree>
@@ -7848,7 +7582,7 @@
 </p:sld>
 </file>
 
-<file path=ppt/slides/slide16.xml><?xml version="1.0" encoding="utf-8"?>
+<file path=ppt/slides/slide15.xml><?xml version="1.0" encoding="utf-8"?>
 <p:sld xmlns:a="http://schemas.openxmlformats.org/drawingml/2006/main" xmlns:r="http://schemas.openxmlformats.org/officeDocument/2006/relationships" xmlns:p="http://schemas.openxmlformats.org/presentationml/2006/main">
   <p:cSld>
     <p:spTree>
@@ -7949,7 +7683,7 @@
 </p:sld>
 </file>
 
-<file path=ppt/slides/slide17.xml><?xml version="1.0" encoding="utf-8"?>
+<file path=ppt/slides/slide16.xml><?xml version="1.0" encoding="utf-8"?>
 <p:sld xmlns:a="http://schemas.openxmlformats.org/drawingml/2006/main" xmlns:r="http://schemas.openxmlformats.org/officeDocument/2006/relationships" xmlns:p="http://schemas.openxmlformats.org/presentationml/2006/main">
   <p:cSld>
     <p:spTree>
@@ -8050,7 +7784,7 @@
 </p:sld>
 </file>
 
-<file path=ppt/slides/slide18.xml><?xml version="1.0" encoding="utf-8"?>
+<file path=ppt/slides/slide17.xml><?xml version="1.0" encoding="utf-8"?>
 <p:sld xmlns:a="http://schemas.openxmlformats.org/drawingml/2006/main" xmlns:r="http://schemas.openxmlformats.org/officeDocument/2006/relationships" xmlns:p="http://schemas.openxmlformats.org/presentationml/2006/main">
   <p:cSld>
     <p:spTree>
@@ -8251,7 +7985,7 @@
 </p:sld>
 </file>
 
-<file path=ppt/slides/slide19.xml><?xml version="1.0" encoding="utf-8"?>
+<file path=ppt/slides/slide18.xml><?xml version="1.0" encoding="utf-8"?>
 <p:sld xmlns:a="http://schemas.openxmlformats.org/drawingml/2006/main" xmlns:r="http://schemas.openxmlformats.org/officeDocument/2006/relationships" xmlns:p="http://schemas.openxmlformats.org/presentationml/2006/main">
   <p:cSld>
     <p:spTree>
@@ -8449,6 +8183,252 @@
     <p:extLst>
       <p:ext uri="{BB962C8B-B14F-4D97-AF65-F5344CB8AC3E}">
         <p14:creationId xmlns:p14="http://schemas.microsoft.com/office/powerpoint/2010/main" val="1033674299"/>
+      </p:ext>
+    </p:extLst>
+  </p:cSld>
+  <p:clrMapOvr>
+    <a:masterClrMapping/>
+  </p:clrMapOvr>
+</p:sld>
+</file>
+
+<file path=ppt/slides/slide19.xml><?xml version="1.0" encoding="utf-8"?>
+<p:sld xmlns:a="http://schemas.openxmlformats.org/drawingml/2006/main" xmlns:r="http://schemas.openxmlformats.org/officeDocument/2006/relationships" xmlns:p="http://schemas.openxmlformats.org/presentationml/2006/main">
+  <p:cSld>
+    <p:spTree>
+      <p:nvGrpSpPr>
+        <p:cNvPr id="1" name=""/>
+        <p:cNvGrpSpPr/>
+        <p:nvPr/>
+      </p:nvGrpSpPr>
+      <p:grpSpPr>
+        <a:xfrm>
+          <a:off x="0" y="0"/>
+          <a:ext cx="0" cy="0"/>
+          <a:chOff x="0" y="0"/>
+          <a:chExt cx="0" cy="0"/>
+        </a:xfrm>
+      </p:grpSpPr>
+      <p:pic>
+        <p:nvPicPr>
+          <p:cNvPr id="2" name="Obraz 1">
+            <a:extLst>
+              <a:ext uri="{FF2B5EF4-FFF2-40B4-BE49-F238E27FC236}">
+                <a16:creationId xmlns:a16="http://schemas.microsoft.com/office/drawing/2014/main" id="{F61EA654-4775-FA98-5A2A-D3045422F3D4}"/>
+              </a:ext>
+            </a:extLst>
+          </p:cNvPr>
+          <p:cNvPicPr>
+            <a:picLocks noChangeAspect="1"/>
+          </p:cNvPicPr>
+          <p:nvPr/>
+        </p:nvPicPr>
+        <p:blipFill>
+          <a:blip r:embed="rId2"/>
+          <a:stretch>
+            <a:fillRect/>
+          </a:stretch>
+        </p:blipFill>
+        <p:spPr>
+          <a:xfrm>
+            <a:off x="5525337" y="0"/>
+            <a:ext cx="4659587" cy="6858000"/>
+          </a:xfrm>
+          <a:prstGeom prst="rect">
+            <a:avLst/>
+          </a:prstGeom>
+        </p:spPr>
+      </p:pic>
+      <p:pic>
+        <p:nvPicPr>
+          <p:cNvPr id="3" name="Picture 2" descr="Internet icon SVG Vector &amp; PNG Free Download | UXWing">
+            <a:extLst>
+              <a:ext uri="{FF2B5EF4-FFF2-40B4-BE49-F238E27FC236}">
+                <a16:creationId xmlns:a16="http://schemas.microsoft.com/office/drawing/2014/main" id="{3C975F36-3290-F61A-ADDF-DA9EEBECD462}"/>
+              </a:ext>
+            </a:extLst>
+          </p:cNvPr>
+          <p:cNvPicPr>
+            <a:picLocks noChangeAspect="1" noChangeArrowheads="1"/>
+          </p:cNvPicPr>
+          <p:nvPr/>
+        </p:nvPicPr>
+        <p:blipFill>
+          <a:blip r:embed="rId3">
+            <a:extLst>
+              <a:ext uri="{28A0092B-C50C-407E-A947-70E740481C1C}">
+                <a14:useLocalDpi xmlns:a14="http://schemas.microsoft.com/office/drawing/2010/main" val="0"/>
+              </a:ext>
+            </a:extLst>
+          </a:blip>
+          <a:srcRect/>
+          <a:stretch>
+            <a:fillRect/>
+          </a:stretch>
+        </p:blipFill>
+        <p:spPr bwMode="auto">
+          <a:xfrm>
+            <a:off x="484815" y="326508"/>
+            <a:ext cx="509693" cy="472505"/>
+          </a:xfrm>
+          <a:prstGeom prst="rect">
+            <a:avLst/>
+          </a:prstGeom>
+          <a:noFill/>
+          <a:extLst>
+            <a:ext uri="{909E8E84-426E-40DD-AFC4-6F175D3DCCD1}">
+              <a14:hiddenFill xmlns:a14="http://schemas.microsoft.com/office/drawing/2010/main">
+                <a:solidFill>
+                  <a:srgbClr val="FFFFFF"/>
+                </a:solidFill>
+              </a14:hiddenFill>
+            </a:ext>
+          </a:extLst>
+        </p:spPr>
+      </p:pic>
+      <p:pic>
+        <p:nvPicPr>
+          <p:cNvPr id="4" name="Picture 4" descr="Wikipedia logo and symbol, meaning ...">
+            <a:extLst>
+              <a:ext uri="{FF2B5EF4-FFF2-40B4-BE49-F238E27FC236}">
+                <a16:creationId xmlns:a16="http://schemas.microsoft.com/office/drawing/2014/main" id="{DDAE7042-A0C1-40EC-24BB-14895FE893FC}"/>
+              </a:ext>
+            </a:extLst>
+          </p:cNvPr>
+          <p:cNvPicPr>
+            <a:picLocks noChangeAspect="1" noChangeArrowheads="1"/>
+          </p:cNvPicPr>
+          <p:nvPr/>
+        </p:nvPicPr>
+        <p:blipFill>
+          <a:blip r:embed="rId4">
+            <a:extLst>
+              <a:ext uri="{28A0092B-C50C-407E-A947-70E740481C1C}">
+                <a14:useLocalDpi xmlns:a14="http://schemas.microsoft.com/office/drawing/2010/main" val="0"/>
+              </a:ext>
+            </a:extLst>
+          </a:blip>
+          <a:srcRect/>
+          <a:stretch>
+            <a:fillRect/>
+          </a:stretch>
+        </p:blipFill>
+        <p:spPr bwMode="auto">
+          <a:xfrm>
+            <a:off x="157325" y="2547967"/>
+            <a:ext cx="1129839" cy="632709"/>
+          </a:xfrm>
+          <a:prstGeom prst="rect">
+            <a:avLst/>
+          </a:prstGeom>
+          <a:noFill/>
+          <a:extLst>
+            <a:ext uri="{909E8E84-426E-40DD-AFC4-6F175D3DCCD1}">
+              <a14:hiddenFill xmlns:a14="http://schemas.microsoft.com/office/drawing/2010/main">
+                <a:solidFill>
+                  <a:srgbClr val="FFFFFF"/>
+                </a:solidFill>
+              </a14:hiddenFill>
+            </a:ext>
+          </a:extLst>
+        </p:spPr>
+      </p:pic>
+      <p:sp>
+        <p:nvSpPr>
+          <p:cNvPr id="6" name="AutoShape 2" descr="arxiv logo">
+            <a:extLst>
+              <a:ext uri="{FF2B5EF4-FFF2-40B4-BE49-F238E27FC236}">
+                <a16:creationId xmlns:a16="http://schemas.microsoft.com/office/drawing/2014/main" id="{DC128748-FB4F-DC55-1F70-26747B29003E}"/>
+              </a:ext>
+            </a:extLst>
+          </p:cNvPr>
+          <p:cNvSpPr>
+            <a:spLocks noChangeAspect="1" noChangeArrowheads="1"/>
+          </p:cNvSpPr>
+          <p:nvPr/>
+        </p:nvSpPr>
+        <p:spPr bwMode="auto">
+          <a:xfrm>
+            <a:off x="5892800" y="3225800"/>
+            <a:ext cx="406400" cy="406400"/>
+          </a:xfrm>
+          <a:prstGeom prst="rect">
+            <a:avLst/>
+          </a:prstGeom>
+          <a:noFill/>
+          <a:extLst>
+            <a:ext uri="{909E8E84-426E-40DD-AFC4-6F175D3DCCD1}">
+              <a14:hiddenFill xmlns:a14="http://schemas.microsoft.com/office/drawing/2010/main">
+                <a:solidFill>
+                  <a:srgbClr val="FFFFFF"/>
+                </a:solidFill>
+              </a14:hiddenFill>
+            </a:ext>
+          </a:extLst>
+        </p:spPr>
+        <p:txBody>
+          <a:bodyPr vert="horz" wrap="square" lIns="121920" tIns="60960" rIns="121920" bIns="60960" numCol="1" anchor="t" anchorCtr="0" compatLnSpc="1">
+            <a:prstTxWarp prst="textNoShape">
+              <a:avLst/>
+            </a:prstTxWarp>
+          </a:bodyPr>
+          <a:lstStyle/>
+          <a:p>
+            <a:endParaRPr lang="pl-PL" sz="2400"/>
+          </a:p>
+        </p:txBody>
+      </p:sp>
+      <p:pic>
+        <p:nvPicPr>
+          <p:cNvPr id="7" name="Picture 2" descr="Logos - arXiv info">
+            <a:extLst>
+              <a:ext uri="{FF2B5EF4-FFF2-40B4-BE49-F238E27FC236}">
+                <a16:creationId xmlns:a16="http://schemas.microsoft.com/office/drawing/2014/main" id="{7D9A16CC-F1E0-8B64-D9B7-291C42E90093}"/>
+              </a:ext>
+            </a:extLst>
+          </p:cNvPr>
+          <p:cNvPicPr>
+            <a:picLocks noChangeAspect="1" noChangeArrowheads="1"/>
+          </p:cNvPicPr>
+          <p:nvPr/>
+        </p:nvPicPr>
+        <p:blipFill>
+          <a:blip r:embed="rId5">
+            <a:extLst>
+              <a:ext uri="{28A0092B-C50C-407E-A947-70E740481C1C}">
+                <a14:useLocalDpi xmlns:a14="http://schemas.microsoft.com/office/drawing/2010/main" val="0"/>
+              </a:ext>
+            </a:extLst>
+          </a:blip>
+          <a:srcRect/>
+          <a:stretch>
+            <a:fillRect/>
+          </a:stretch>
+        </p:blipFill>
+        <p:spPr bwMode="auto">
+          <a:xfrm>
+            <a:off x="257402" y="1257563"/>
+            <a:ext cx="943500" cy="883911"/>
+          </a:xfrm>
+          <a:prstGeom prst="rect">
+            <a:avLst/>
+          </a:prstGeom>
+          <a:noFill/>
+          <a:extLst>
+            <a:ext uri="{909E8E84-426E-40DD-AFC4-6F175D3DCCD1}">
+              <a14:hiddenFill xmlns:a14="http://schemas.microsoft.com/office/drawing/2010/main">
+                <a:solidFill>
+                  <a:srgbClr val="FFFFFF"/>
+                </a:solidFill>
+              </a14:hiddenFill>
+            </a:ext>
+          </a:extLst>
+        </p:spPr>
+      </p:pic>
+    </p:spTree>
+    <p:extLst>
+      <p:ext uri="{BB962C8B-B14F-4D97-AF65-F5344CB8AC3E}">
+        <p14:creationId xmlns:p14="http://schemas.microsoft.com/office/powerpoint/2010/main" val="3770858803"/>
       </p:ext>
     </p:extLst>
   </p:cSld>
@@ -11156,252 +11136,6 @@
           <a:chExt cx="0" cy="0"/>
         </a:xfrm>
       </p:grpSpPr>
-      <p:pic>
-        <p:nvPicPr>
-          <p:cNvPr id="2" name="Obraz 1">
-            <a:extLst>
-              <a:ext uri="{FF2B5EF4-FFF2-40B4-BE49-F238E27FC236}">
-                <a16:creationId xmlns:a16="http://schemas.microsoft.com/office/drawing/2014/main" id="{F61EA654-4775-FA98-5A2A-D3045422F3D4}"/>
-              </a:ext>
-            </a:extLst>
-          </p:cNvPr>
-          <p:cNvPicPr>
-            <a:picLocks noChangeAspect="1"/>
-          </p:cNvPicPr>
-          <p:nvPr/>
-        </p:nvPicPr>
-        <p:blipFill>
-          <a:blip r:embed="rId2"/>
-          <a:stretch>
-            <a:fillRect/>
-          </a:stretch>
-        </p:blipFill>
-        <p:spPr>
-          <a:xfrm>
-            <a:off x="5525337" y="0"/>
-            <a:ext cx="4659587" cy="6858000"/>
-          </a:xfrm>
-          <a:prstGeom prst="rect">
-            <a:avLst/>
-          </a:prstGeom>
-        </p:spPr>
-      </p:pic>
-      <p:pic>
-        <p:nvPicPr>
-          <p:cNvPr id="3" name="Picture 2" descr="Internet icon SVG Vector &amp; PNG Free Download | UXWing">
-            <a:extLst>
-              <a:ext uri="{FF2B5EF4-FFF2-40B4-BE49-F238E27FC236}">
-                <a16:creationId xmlns:a16="http://schemas.microsoft.com/office/drawing/2014/main" id="{3C975F36-3290-F61A-ADDF-DA9EEBECD462}"/>
-              </a:ext>
-            </a:extLst>
-          </p:cNvPr>
-          <p:cNvPicPr>
-            <a:picLocks noChangeAspect="1" noChangeArrowheads="1"/>
-          </p:cNvPicPr>
-          <p:nvPr/>
-        </p:nvPicPr>
-        <p:blipFill>
-          <a:blip r:embed="rId3">
-            <a:extLst>
-              <a:ext uri="{28A0092B-C50C-407E-A947-70E740481C1C}">
-                <a14:useLocalDpi xmlns:a14="http://schemas.microsoft.com/office/drawing/2010/main" val="0"/>
-              </a:ext>
-            </a:extLst>
-          </a:blip>
-          <a:srcRect/>
-          <a:stretch>
-            <a:fillRect/>
-          </a:stretch>
-        </p:blipFill>
-        <p:spPr bwMode="auto">
-          <a:xfrm>
-            <a:off x="484815" y="326508"/>
-            <a:ext cx="509693" cy="472505"/>
-          </a:xfrm>
-          <a:prstGeom prst="rect">
-            <a:avLst/>
-          </a:prstGeom>
-          <a:noFill/>
-          <a:extLst>
-            <a:ext uri="{909E8E84-426E-40DD-AFC4-6F175D3DCCD1}">
-              <a14:hiddenFill xmlns:a14="http://schemas.microsoft.com/office/drawing/2010/main">
-                <a:solidFill>
-                  <a:srgbClr val="FFFFFF"/>
-                </a:solidFill>
-              </a14:hiddenFill>
-            </a:ext>
-          </a:extLst>
-        </p:spPr>
-      </p:pic>
-      <p:pic>
-        <p:nvPicPr>
-          <p:cNvPr id="4" name="Picture 4" descr="Wikipedia logo and symbol, meaning ...">
-            <a:extLst>
-              <a:ext uri="{FF2B5EF4-FFF2-40B4-BE49-F238E27FC236}">
-                <a16:creationId xmlns:a16="http://schemas.microsoft.com/office/drawing/2014/main" id="{DDAE7042-A0C1-40EC-24BB-14895FE893FC}"/>
-              </a:ext>
-            </a:extLst>
-          </p:cNvPr>
-          <p:cNvPicPr>
-            <a:picLocks noChangeAspect="1" noChangeArrowheads="1"/>
-          </p:cNvPicPr>
-          <p:nvPr/>
-        </p:nvPicPr>
-        <p:blipFill>
-          <a:blip r:embed="rId4">
-            <a:extLst>
-              <a:ext uri="{28A0092B-C50C-407E-A947-70E740481C1C}">
-                <a14:useLocalDpi xmlns:a14="http://schemas.microsoft.com/office/drawing/2010/main" val="0"/>
-              </a:ext>
-            </a:extLst>
-          </a:blip>
-          <a:srcRect/>
-          <a:stretch>
-            <a:fillRect/>
-          </a:stretch>
-        </p:blipFill>
-        <p:spPr bwMode="auto">
-          <a:xfrm>
-            <a:off x="157325" y="2547967"/>
-            <a:ext cx="1129839" cy="632709"/>
-          </a:xfrm>
-          <a:prstGeom prst="rect">
-            <a:avLst/>
-          </a:prstGeom>
-          <a:noFill/>
-          <a:extLst>
-            <a:ext uri="{909E8E84-426E-40DD-AFC4-6F175D3DCCD1}">
-              <a14:hiddenFill xmlns:a14="http://schemas.microsoft.com/office/drawing/2010/main">
-                <a:solidFill>
-                  <a:srgbClr val="FFFFFF"/>
-                </a:solidFill>
-              </a14:hiddenFill>
-            </a:ext>
-          </a:extLst>
-        </p:spPr>
-      </p:pic>
-      <p:sp>
-        <p:nvSpPr>
-          <p:cNvPr id="6" name="AutoShape 2" descr="arxiv logo">
-            <a:extLst>
-              <a:ext uri="{FF2B5EF4-FFF2-40B4-BE49-F238E27FC236}">
-                <a16:creationId xmlns:a16="http://schemas.microsoft.com/office/drawing/2014/main" id="{DC128748-FB4F-DC55-1F70-26747B29003E}"/>
-              </a:ext>
-            </a:extLst>
-          </p:cNvPr>
-          <p:cNvSpPr>
-            <a:spLocks noChangeAspect="1" noChangeArrowheads="1"/>
-          </p:cNvSpPr>
-          <p:nvPr/>
-        </p:nvSpPr>
-        <p:spPr bwMode="auto">
-          <a:xfrm>
-            <a:off x="5892800" y="3225800"/>
-            <a:ext cx="406400" cy="406400"/>
-          </a:xfrm>
-          <a:prstGeom prst="rect">
-            <a:avLst/>
-          </a:prstGeom>
-          <a:noFill/>
-          <a:extLst>
-            <a:ext uri="{909E8E84-426E-40DD-AFC4-6F175D3DCCD1}">
-              <a14:hiddenFill xmlns:a14="http://schemas.microsoft.com/office/drawing/2010/main">
-                <a:solidFill>
-                  <a:srgbClr val="FFFFFF"/>
-                </a:solidFill>
-              </a14:hiddenFill>
-            </a:ext>
-          </a:extLst>
-        </p:spPr>
-        <p:txBody>
-          <a:bodyPr vert="horz" wrap="square" lIns="121920" tIns="60960" rIns="121920" bIns="60960" numCol="1" anchor="t" anchorCtr="0" compatLnSpc="1">
-            <a:prstTxWarp prst="textNoShape">
-              <a:avLst/>
-            </a:prstTxWarp>
-          </a:bodyPr>
-          <a:lstStyle/>
-          <a:p>
-            <a:endParaRPr lang="pl-PL" sz="2400"/>
-          </a:p>
-        </p:txBody>
-      </p:sp>
-      <p:pic>
-        <p:nvPicPr>
-          <p:cNvPr id="7" name="Picture 2" descr="Logos - arXiv info">
-            <a:extLst>
-              <a:ext uri="{FF2B5EF4-FFF2-40B4-BE49-F238E27FC236}">
-                <a16:creationId xmlns:a16="http://schemas.microsoft.com/office/drawing/2014/main" id="{7D9A16CC-F1E0-8B64-D9B7-291C42E90093}"/>
-              </a:ext>
-            </a:extLst>
-          </p:cNvPr>
-          <p:cNvPicPr>
-            <a:picLocks noChangeAspect="1" noChangeArrowheads="1"/>
-          </p:cNvPicPr>
-          <p:nvPr/>
-        </p:nvPicPr>
-        <p:blipFill>
-          <a:blip r:embed="rId5">
-            <a:extLst>
-              <a:ext uri="{28A0092B-C50C-407E-A947-70E740481C1C}">
-                <a14:useLocalDpi xmlns:a14="http://schemas.microsoft.com/office/drawing/2010/main" val="0"/>
-              </a:ext>
-            </a:extLst>
-          </a:blip>
-          <a:srcRect/>
-          <a:stretch>
-            <a:fillRect/>
-          </a:stretch>
-        </p:blipFill>
-        <p:spPr bwMode="auto">
-          <a:xfrm>
-            <a:off x="257402" y="1257563"/>
-            <a:ext cx="943500" cy="883911"/>
-          </a:xfrm>
-          <a:prstGeom prst="rect">
-            <a:avLst/>
-          </a:prstGeom>
-          <a:noFill/>
-          <a:extLst>
-            <a:ext uri="{909E8E84-426E-40DD-AFC4-6F175D3DCCD1}">
-              <a14:hiddenFill xmlns:a14="http://schemas.microsoft.com/office/drawing/2010/main">
-                <a:solidFill>
-                  <a:srgbClr val="FFFFFF"/>
-                </a:solidFill>
-              </a14:hiddenFill>
-            </a:ext>
-          </a:extLst>
-        </p:spPr>
-      </p:pic>
-    </p:spTree>
-    <p:extLst>
-      <p:ext uri="{BB962C8B-B14F-4D97-AF65-F5344CB8AC3E}">
-        <p14:creationId xmlns:p14="http://schemas.microsoft.com/office/powerpoint/2010/main" val="3770858803"/>
-      </p:ext>
-    </p:extLst>
-  </p:cSld>
-  <p:clrMapOvr>
-    <a:masterClrMapping/>
-  </p:clrMapOvr>
-</p:sld>
-</file>
-
-<file path=ppt/slides/slide21.xml><?xml version="1.0" encoding="utf-8"?>
-<p:sld xmlns:a="http://schemas.openxmlformats.org/drawingml/2006/main" xmlns:r="http://schemas.openxmlformats.org/officeDocument/2006/relationships" xmlns:p="http://schemas.openxmlformats.org/presentationml/2006/main">
-  <p:cSld>
-    <p:spTree>
-      <p:nvGrpSpPr>
-        <p:cNvPr id="1" name=""/>
-        <p:cNvGrpSpPr/>
-        <p:nvPr/>
-      </p:nvGrpSpPr>
-      <p:grpSpPr>
-        <a:xfrm>
-          <a:off x="0" y="0"/>
-          <a:ext cx="0" cy="0"/>
-          <a:chOff x="0" y="0"/>
-          <a:chExt cx="0" cy="0"/>
-        </a:xfrm>
-      </p:grpSpPr>
       <p:sp>
         <p:nvSpPr>
           <p:cNvPr id="2" name="Tytuł 1">
@@ -11468,7 +11202,7 @@
 </p:sld>
 </file>
 
-<file path=ppt/slides/slide22.xml><?xml version="1.0" encoding="utf-8"?>
+<file path=ppt/slides/slide21.xml><?xml version="1.0" encoding="utf-8"?>
 <p:sld xmlns:a="http://schemas.openxmlformats.org/drawingml/2006/main" xmlns:r="http://schemas.openxmlformats.org/officeDocument/2006/relationships" xmlns:p="http://schemas.openxmlformats.org/presentationml/2006/main">
   <p:cSld>
     <p:spTree>
@@ -11539,7 +11273,7 @@
 </p:sld>
 </file>
 
-<file path=ppt/slides/slide23.xml><?xml version="1.0" encoding="utf-8"?>
+<file path=ppt/slides/slide22.xml><?xml version="1.0" encoding="utf-8"?>
 <p:sld xmlns:a="http://schemas.openxmlformats.org/drawingml/2006/main" xmlns:r="http://schemas.openxmlformats.org/officeDocument/2006/relationships" xmlns:p="http://schemas.openxmlformats.org/presentationml/2006/main">
   <p:cSld>
     <p:spTree>
@@ -12388,7 +12122,7 @@
 </p:sld>
 </file>
 
-<file path=ppt/slides/slide24.xml><?xml version="1.0" encoding="utf-8"?>
+<file path=ppt/slides/slide23.xml><?xml version="1.0" encoding="utf-8"?>
 <p:sld xmlns:a="http://schemas.openxmlformats.org/drawingml/2006/main" xmlns:r="http://schemas.openxmlformats.org/officeDocument/2006/relationships" xmlns:p="http://schemas.openxmlformats.org/presentationml/2006/main">
   <p:cSld>
     <p:spTree>
@@ -15571,7 +15305,7 @@
 </p:sld>
 </file>
 
-<file path=ppt/slides/slide25.xml><?xml version="1.0" encoding="utf-8"?>
+<file path=ppt/slides/slide24.xml><?xml version="1.0" encoding="utf-8"?>
 <p:sld xmlns:a="http://schemas.openxmlformats.org/drawingml/2006/main" xmlns:r="http://schemas.openxmlformats.org/officeDocument/2006/relationships" xmlns:p="http://schemas.openxmlformats.org/presentationml/2006/main">
   <p:cSld>
     <p:spTree>
@@ -15642,7 +15376,7 @@
 </p:sld>
 </file>
 
-<file path=ppt/slides/slide26.xml><?xml version="1.0" encoding="utf-8"?>
+<file path=ppt/slides/slide25.xml><?xml version="1.0" encoding="utf-8"?>
 <p:sld xmlns:a="http://schemas.openxmlformats.org/drawingml/2006/main" xmlns:r="http://schemas.openxmlformats.org/officeDocument/2006/relationships" xmlns:p="http://schemas.openxmlformats.org/presentationml/2006/main">
   <p:cSld>
     <p:spTree>
@@ -16343,7 +16077,7 @@
 </p:sld>
 </file>
 
-<file path=ppt/slides/slide27.xml><?xml version="1.0" encoding="utf-8"?>
+<file path=ppt/slides/slide26.xml><?xml version="1.0" encoding="utf-8"?>
 <p:sld xmlns:a="http://schemas.openxmlformats.org/drawingml/2006/main" xmlns:r="http://schemas.openxmlformats.org/officeDocument/2006/relationships" xmlns:p="http://schemas.openxmlformats.org/presentationml/2006/main">
   <p:cSld>
     <p:spTree>
@@ -16433,7 +16167,7 @@
 </p:sld>
 </file>
 
-<file path=ppt/slides/slide28.xml><?xml version="1.0" encoding="utf-8"?>
+<file path=ppt/slides/slide27.xml><?xml version="1.0" encoding="utf-8"?>
 <p:sld xmlns:a="http://schemas.openxmlformats.org/drawingml/2006/main" xmlns:r="http://schemas.openxmlformats.org/officeDocument/2006/relationships" xmlns:p="http://schemas.openxmlformats.org/presentationml/2006/main">
   <p:cSld>
     <p:spTree>
@@ -17211,7 +16945,7 @@
 </p:sld>
 </file>
 
-<file path=ppt/slides/slide29.xml><?xml version="1.0" encoding="utf-8"?>
+<file path=ppt/slides/slide28.xml><?xml version="1.0" encoding="utf-8"?>
 <p:sld xmlns:a="http://schemas.openxmlformats.org/drawingml/2006/main" xmlns:r="http://schemas.openxmlformats.org/officeDocument/2006/relationships" xmlns:p="http://schemas.openxmlformats.org/presentationml/2006/main">
   <p:cSld>
     <p:spTree>
@@ -17930,6 +17664,734 @@
     <p:extLst>
       <p:ext uri="{BB962C8B-B14F-4D97-AF65-F5344CB8AC3E}">
         <p14:creationId xmlns:p14="http://schemas.microsoft.com/office/powerpoint/2010/main" val="640579160"/>
+      </p:ext>
+    </p:extLst>
+  </p:cSld>
+  <p:clrMapOvr>
+    <a:masterClrMapping/>
+  </p:clrMapOvr>
+</p:sld>
+</file>
+
+<file path=ppt/slides/slide29.xml><?xml version="1.0" encoding="utf-8"?>
+<p:sld xmlns:a="http://schemas.openxmlformats.org/drawingml/2006/main" xmlns:r="http://schemas.openxmlformats.org/officeDocument/2006/relationships" xmlns:p="http://schemas.openxmlformats.org/presentationml/2006/main">
+  <p:cSld>
+    <p:spTree>
+      <p:nvGrpSpPr>
+        <p:cNvPr id="1" name="">
+          <a:extLst>
+            <a:ext uri="{FF2B5EF4-FFF2-40B4-BE49-F238E27FC236}">
+              <a16:creationId xmlns:a16="http://schemas.microsoft.com/office/drawing/2014/main" id="{88ED7760-C084-3855-8E5B-1809BA50A705}"/>
+            </a:ext>
+          </a:extLst>
+        </p:cNvPr>
+        <p:cNvGrpSpPr/>
+        <p:nvPr/>
+      </p:nvGrpSpPr>
+      <p:grpSpPr>
+        <a:xfrm>
+          <a:off x="0" y="0"/>
+          <a:ext cx="0" cy="0"/>
+          <a:chOff x="0" y="0"/>
+          <a:chExt cx="0" cy="0"/>
+        </a:xfrm>
+      </p:grpSpPr>
+      <p:sp>
+        <p:nvSpPr>
+          <p:cNvPr id="4" name="Symbol zastępczy zawartości 3">
+            <a:extLst>
+              <a:ext uri="{FF2B5EF4-FFF2-40B4-BE49-F238E27FC236}">
+                <a16:creationId xmlns:a16="http://schemas.microsoft.com/office/drawing/2014/main" id="{39A1A421-D3C0-832A-5A58-4B7669BF3B21}"/>
+              </a:ext>
+            </a:extLst>
+          </p:cNvPr>
+          <p:cNvSpPr>
+            <a:spLocks noGrp="1"/>
+          </p:cNvSpPr>
+          <p:nvPr>
+            <p:ph idx="1"/>
+          </p:nvPr>
+        </p:nvSpPr>
+        <p:spPr>
+          <a:xfrm>
+            <a:off x="522132" y="1919139"/>
+            <a:ext cx="3508001" cy="2771394"/>
+          </a:xfrm>
+        </p:spPr>
+        <p:txBody>
+          <a:bodyPr>
+            <a:normAutofit/>
+          </a:bodyPr>
+          <a:lstStyle/>
+          <a:p>
+            <a:r>
+              <a:rPr lang="pl-PL"/>
+              <a:t>… or permanently</a:t>
+            </a:r>
+          </a:p>
+        </p:txBody>
+      </p:sp>
+      <p:sp>
+        <p:nvSpPr>
+          <p:cNvPr id="2" name="pole tekstowe 1">
+            <a:extLst>
+              <a:ext uri="{FF2B5EF4-FFF2-40B4-BE49-F238E27FC236}">
+                <a16:creationId xmlns:a16="http://schemas.microsoft.com/office/drawing/2014/main" id="{43BD9978-8A1A-4362-2AB7-FE670DF53CC6}"/>
+              </a:ext>
+            </a:extLst>
+          </p:cNvPr>
+          <p:cNvSpPr txBox="1"/>
+          <p:nvPr/>
+        </p:nvSpPr>
+        <p:spPr>
+          <a:xfrm>
+            <a:off x="4327050" y="2971591"/>
+            <a:ext cx="949344" cy="369332"/>
+          </a:xfrm>
+          <a:prstGeom prst="rect">
+            <a:avLst/>
+          </a:prstGeom>
+          <a:noFill/>
+        </p:spPr>
+        <p:txBody>
+          <a:bodyPr wrap="square">
+            <a:spAutoFit/>
+          </a:bodyPr>
+          <a:lstStyle/>
+          <a:p>
+            <a:pPr algn="ctr"/>
+            <a:r>
+              <a:rPr lang="pl-PL"/>
+              <a:t>Startup</a:t>
+            </a:r>
+          </a:p>
+        </p:txBody>
+      </p:sp>
+      <p:sp>
+        <p:nvSpPr>
+          <p:cNvPr id="3" name="pole tekstowe 2">
+            <a:extLst>
+              <a:ext uri="{FF2B5EF4-FFF2-40B4-BE49-F238E27FC236}">
+                <a16:creationId xmlns:a16="http://schemas.microsoft.com/office/drawing/2014/main" id="{DDCCD2AC-BE5C-4151-CD27-F0F1528BEF61}"/>
+              </a:ext>
+            </a:extLst>
+          </p:cNvPr>
+          <p:cNvSpPr txBox="1"/>
+          <p:nvPr/>
+        </p:nvSpPr>
+        <p:spPr>
+          <a:xfrm>
+            <a:off x="11008687" y="2971591"/>
+            <a:ext cx="949344" cy="369332"/>
+          </a:xfrm>
+          <a:prstGeom prst="rect">
+            <a:avLst/>
+          </a:prstGeom>
+          <a:noFill/>
+        </p:spPr>
+        <p:txBody>
+          <a:bodyPr wrap="square">
+            <a:spAutoFit/>
+          </a:bodyPr>
+          <a:lstStyle/>
+          <a:p>
+            <a:pPr algn="ctr"/>
+            <a:r>
+              <a:rPr lang="pl-PL"/>
+              <a:t>End of</a:t>
+            </a:r>
+          </a:p>
+        </p:txBody>
+      </p:sp>
+      <p:cxnSp>
+        <p:nvCxnSpPr>
+          <p:cNvPr id="5" name="Łącznik prosty ze strzałką 4">
+            <a:extLst>
+              <a:ext uri="{FF2B5EF4-FFF2-40B4-BE49-F238E27FC236}">
+                <a16:creationId xmlns:a16="http://schemas.microsoft.com/office/drawing/2014/main" id="{9879881A-016B-884F-53C8-7F41646C3B2E}"/>
+              </a:ext>
+            </a:extLst>
+          </p:cNvPr>
+          <p:cNvCxnSpPr>
+            <a:cxnSpLocks/>
+          </p:cNvCxnSpPr>
+          <p:nvPr/>
+        </p:nvCxnSpPr>
+        <p:spPr>
+          <a:xfrm>
+            <a:off x="5359985" y="3177530"/>
+            <a:ext cx="736015" cy="0"/>
+          </a:xfrm>
+          <a:prstGeom prst="straightConnector1">
+            <a:avLst/>
+          </a:prstGeom>
+          <a:ln w="34925">
+            <a:solidFill>
+              <a:schemeClr val="tx1">
+                <a:lumMod val="50000"/>
+                <a:lumOff val="50000"/>
+              </a:schemeClr>
+            </a:solidFill>
+            <a:tailEnd type="triangle"/>
+          </a:ln>
+        </p:spPr>
+        <p:style>
+          <a:lnRef idx="1">
+            <a:schemeClr val="accent1"/>
+          </a:lnRef>
+          <a:fillRef idx="0">
+            <a:schemeClr val="accent1"/>
+          </a:fillRef>
+          <a:effectRef idx="0">
+            <a:schemeClr val="accent1"/>
+          </a:effectRef>
+          <a:fontRef idx="minor">
+            <a:schemeClr val="tx1"/>
+          </a:fontRef>
+        </p:style>
+      </p:cxnSp>
+      <p:cxnSp>
+        <p:nvCxnSpPr>
+          <p:cNvPr id="6" name="Łącznik prosty ze strzałką 5">
+            <a:extLst>
+              <a:ext uri="{FF2B5EF4-FFF2-40B4-BE49-F238E27FC236}">
+                <a16:creationId xmlns:a16="http://schemas.microsoft.com/office/drawing/2014/main" id="{E6432B49-0970-00B0-0DC2-14955F75DED2}"/>
+              </a:ext>
+            </a:extLst>
+          </p:cNvPr>
+          <p:cNvCxnSpPr>
+            <a:cxnSpLocks/>
+          </p:cNvCxnSpPr>
+          <p:nvPr/>
+        </p:nvCxnSpPr>
+        <p:spPr>
+          <a:xfrm>
+            <a:off x="10322560" y="3177530"/>
+            <a:ext cx="553949" cy="0"/>
+          </a:xfrm>
+          <a:prstGeom prst="straightConnector1">
+            <a:avLst/>
+          </a:prstGeom>
+          <a:ln w="34925">
+            <a:solidFill>
+              <a:schemeClr val="tx1">
+                <a:lumMod val="50000"/>
+                <a:lumOff val="50000"/>
+              </a:schemeClr>
+            </a:solidFill>
+            <a:tailEnd type="triangle"/>
+          </a:ln>
+        </p:spPr>
+        <p:style>
+          <a:lnRef idx="1">
+            <a:schemeClr val="accent1"/>
+          </a:lnRef>
+          <a:fillRef idx="0">
+            <a:schemeClr val="accent1"/>
+          </a:fillRef>
+          <a:effectRef idx="0">
+            <a:schemeClr val="accent1"/>
+          </a:effectRef>
+          <a:fontRef idx="minor">
+            <a:schemeClr val="tx1"/>
+          </a:fontRef>
+        </p:style>
+      </p:cxnSp>
+      <p:sp>
+        <p:nvSpPr>
+          <p:cNvPr id="7" name="Owal 6">
+            <a:extLst>
+              <a:ext uri="{FF2B5EF4-FFF2-40B4-BE49-F238E27FC236}">
+                <a16:creationId xmlns:a16="http://schemas.microsoft.com/office/drawing/2014/main" id="{B7F46C03-69DB-7D46-1012-E54E64A4D01D}"/>
+              </a:ext>
+            </a:extLst>
+          </p:cNvPr>
+          <p:cNvSpPr/>
+          <p:nvPr/>
+        </p:nvSpPr>
+        <p:spPr>
+          <a:xfrm>
+            <a:off x="6230658" y="2890311"/>
+            <a:ext cx="623990" cy="623990"/>
+          </a:xfrm>
+          <a:prstGeom prst="ellipse">
+            <a:avLst/>
+          </a:prstGeom>
+          <a:solidFill>
+            <a:srgbClr val="FFC000">
+              <a:alpha val="50000"/>
+            </a:srgbClr>
+          </a:solidFill>
+          <a:ln>
+            <a:solidFill>
+              <a:schemeClr val="bg1">
+                <a:lumMod val="65000"/>
+              </a:schemeClr>
+            </a:solidFill>
+          </a:ln>
+        </p:spPr>
+        <p:style>
+          <a:lnRef idx="2">
+            <a:schemeClr val="accent1">
+              <a:shade val="15000"/>
+            </a:schemeClr>
+          </a:lnRef>
+          <a:fillRef idx="1">
+            <a:schemeClr val="accent1"/>
+          </a:fillRef>
+          <a:effectRef idx="0">
+            <a:schemeClr val="accent1"/>
+          </a:effectRef>
+          <a:fontRef idx="minor">
+            <a:schemeClr val="lt1"/>
+          </a:fontRef>
+        </p:style>
+        <p:txBody>
+          <a:bodyPr rtlCol="0" anchor="ctr"/>
+          <a:lstStyle/>
+          <a:p>
+            <a:pPr algn="ctr"/>
+            <a:endParaRPr lang="pl-PL"/>
+          </a:p>
+        </p:txBody>
+      </p:sp>
+      <p:sp>
+        <p:nvSpPr>
+          <p:cNvPr id="8" name="Owal 7">
+            <a:extLst>
+              <a:ext uri="{FF2B5EF4-FFF2-40B4-BE49-F238E27FC236}">
+                <a16:creationId xmlns:a16="http://schemas.microsoft.com/office/drawing/2014/main" id="{29F6DE11-FCF5-F16A-EB6F-A828BD3CA38C}"/>
+              </a:ext>
+            </a:extLst>
+          </p:cNvPr>
+          <p:cNvSpPr/>
+          <p:nvPr/>
+        </p:nvSpPr>
+        <p:spPr>
+          <a:xfrm>
+            <a:off x="7618837" y="2890311"/>
+            <a:ext cx="623990" cy="623990"/>
+          </a:xfrm>
+          <a:prstGeom prst="ellipse">
+            <a:avLst/>
+          </a:prstGeom>
+          <a:solidFill>
+            <a:srgbClr val="FFC000">
+              <a:alpha val="50000"/>
+            </a:srgbClr>
+          </a:solidFill>
+          <a:ln>
+            <a:solidFill>
+              <a:schemeClr val="bg1">
+                <a:lumMod val="65000"/>
+              </a:schemeClr>
+            </a:solidFill>
+          </a:ln>
+        </p:spPr>
+        <p:style>
+          <a:lnRef idx="2">
+            <a:schemeClr val="accent1">
+              <a:shade val="15000"/>
+            </a:schemeClr>
+          </a:lnRef>
+          <a:fillRef idx="1">
+            <a:schemeClr val="accent1"/>
+          </a:fillRef>
+          <a:effectRef idx="0">
+            <a:schemeClr val="accent1"/>
+          </a:effectRef>
+          <a:fontRef idx="minor">
+            <a:schemeClr val="lt1"/>
+          </a:fontRef>
+        </p:style>
+        <p:txBody>
+          <a:bodyPr rtlCol="0" anchor="ctr"/>
+          <a:lstStyle/>
+          <a:p>
+            <a:pPr algn="ctr"/>
+            <a:endParaRPr lang="pl-PL"/>
+          </a:p>
+        </p:txBody>
+      </p:sp>
+      <p:sp>
+        <p:nvSpPr>
+          <p:cNvPr id="9" name="Owal 8">
+            <a:extLst>
+              <a:ext uri="{FF2B5EF4-FFF2-40B4-BE49-F238E27FC236}">
+                <a16:creationId xmlns:a16="http://schemas.microsoft.com/office/drawing/2014/main" id="{846B1A32-AA19-786E-1576-1AB2D13C1654}"/>
+              </a:ext>
+            </a:extLst>
+          </p:cNvPr>
+          <p:cNvSpPr/>
+          <p:nvPr/>
+        </p:nvSpPr>
+        <p:spPr>
+          <a:xfrm>
+            <a:off x="9369473" y="2890311"/>
+            <a:ext cx="623990" cy="623990"/>
+          </a:xfrm>
+          <a:prstGeom prst="ellipse">
+            <a:avLst/>
+          </a:prstGeom>
+          <a:solidFill>
+            <a:srgbClr val="FFC000">
+              <a:alpha val="50000"/>
+            </a:srgbClr>
+          </a:solidFill>
+          <a:ln>
+            <a:solidFill>
+              <a:schemeClr val="bg1">
+                <a:lumMod val="65000"/>
+              </a:schemeClr>
+            </a:solidFill>
+          </a:ln>
+        </p:spPr>
+        <p:style>
+          <a:lnRef idx="2">
+            <a:schemeClr val="accent1">
+              <a:shade val="15000"/>
+            </a:schemeClr>
+          </a:lnRef>
+          <a:fillRef idx="1">
+            <a:schemeClr val="accent1"/>
+          </a:fillRef>
+          <a:effectRef idx="0">
+            <a:schemeClr val="accent1"/>
+          </a:effectRef>
+          <a:fontRef idx="minor">
+            <a:schemeClr val="lt1"/>
+          </a:fontRef>
+        </p:style>
+        <p:txBody>
+          <a:bodyPr rtlCol="0" anchor="ctr"/>
+          <a:lstStyle/>
+          <a:p>
+            <a:pPr algn="ctr"/>
+            <a:endParaRPr lang="pl-PL"/>
+          </a:p>
+        </p:txBody>
+      </p:sp>
+      <p:cxnSp>
+        <p:nvCxnSpPr>
+          <p:cNvPr id="10" name="Łącznik prosty ze strzałką 9">
+            <a:extLst>
+              <a:ext uri="{FF2B5EF4-FFF2-40B4-BE49-F238E27FC236}">
+                <a16:creationId xmlns:a16="http://schemas.microsoft.com/office/drawing/2014/main" id="{FD9593DE-9412-1471-F0FB-22C9BB7DE7EF}"/>
+              </a:ext>
+            </a:extLst>
+          </p:cNvPr>
+          <p:cNvCxnSpPr>
+            <a:cxnSpLocks/>
+          </p:cNvCxnSpPr>
+          <p:nvPr/>
+        </p:nvCxnSpPr>
+        <p:spPr>
+          <a:xfrm>
+            <a:off x="8303787" y="3177530"/>
+            <a:ext cx="553949" cy="0"/>
+          </a:xfrm>
+          <a:prstGeom prst="straightConnector1">
+            <a:avLst/>
+          </a:prstGeom>
+          <a:ln w="34925">
+            <a:solidFill>
+              <a:srgbClr val="C00000"/>
+            </a:solidFill>
+            <a:tailEnd type="triangle"/>
+          </a:ln>
+        </p:spPr>
+        <p:style>
+          <a:lnRef idx="1">
+            <a:schemeClr val="accent1"/>
+          </a:lnRef>
+          <a:fillRef idx="0">
+            <a:schemeClr val="accent1"/>
+          </a:fillRef>
+          <a:effectRef idx="0">
+            <a:schemeClr val="accent1"/>
+          </a:effectRef>
+          <a:fontRef idx="minor">
+            <a:schemeClr val="tx1"/>
+          </a:fontRef>
+        </p:style>
+      </p:cxnSp>
+      <p:cxnSp>
+        <p:nvCxnSpPr>
+          <p:cNvPr id="11" name="Łącznik prosty ze strzałką 10">
+            <a:extLst>
+              <a:ext uri="{FF2B5EF4-FFF2-40B4-BE49-F238E27FC236}">
+                <a16:creationId xmlns:a16="http://schemas.microsoft.com/office/drawing/2014/main" id="{A944320D-078E-8F4B-2DB4-391AE031C8DC}"/>
+              </a:ext>
+            </a:extLst>
+          </p:cNvPr>
+          <p:cNvCxnSpPr>
+            <a:cxnSpLocks/>
+          </p:cNvCxnSpPr>
+          <p:nvPr/>
+        </p:nvCxnSpPr>
+        <p:spPr>
+          <a:xfrm>
+            <a:off x="6956248" y="3177530"/>
+            <a:ext cx="553949" cy="0"/>
+          </a:xfrm>
+          <a:prstGeom prst="straightConnector1">
+            <a:avLst/>
+          </a:prstGeom>
+          <a:ln w="34925">
+            <a:solidFill>
+              <a:schemeClr val="tx1">
+                <a:lumMod val="50000"/>
+                <a:lumOff val="50000"/>
+              </a:schemeClr>
+            </a:solidFill>
+            <a:tailEnd type="triangle"/>
+          </a:ln>
+        </p:spPr>
+        <p:style>
+          <a:lnRef idx="1">
+            <a:schemeClr val="accent1"/>
+          </a:lnRef>
+          <a:fillRef idx="0">
+            <a:schemeClr val="accent1"/>
+          </a:fillRef>
+          <a:effectRef idx="0">
+            <a:schemeClr val="accent1"/>
+          </a:effectRef>
+          <a:fontRef idx="minor">
+            <a:schemeClr val="tx1"/>
+          </a:fontRef>
+        </p:style>
+      </p:cxnSp>
+      <p:sp>
+        <p:nvSpPr>
+          <p:cNvPr id="12" name="pole tekstowe 11">
+            <a:extLst>
+              <a:ext uri="{FF2B5EF4-FFF2-40B4-BE49-F238E27FC236}">
+                <a16:creationId xmlns:a16="http://schemas.microsoft.com/office/drawing/2014/main" id="{9E169DF8-4BBF-6AFA-6FA6-7D0178AB32FD}"/>
+              </a:ext>
+            </a:extLst>
+          </p:cNvPr>
+          <p:cNvSpPr txBox="1"/>
+          <p:nvPr/>
+        </p:nvSpPr>
+        <p:spPr>
+          <a:xfrm>
+            <a:off x="8879505" y="2971591"/>
+            <a:ext cx="357790" cy="369332"/>
+          </a:xfrm>
+          <a:prstGeom prst="rect">
+            <a:avLst/>
+          </a:prstGeom>
+          <a:noFill/>
+        </p:spPr>
+        <p:txBody>
+          <a:bodyPr wrap="none" rtlCol="0">
+            <a:spAutoFit/>
+          </a:bodyPr>
+          <a:lstStyle/>
+          <a:p>
+            <a:r>
+              <a:rPr lang="pl-PL"/>
+              <a:t>...</a:t>
+            </a:r>
+          </a:p>
+        </p:txBody>
+      </p:sp>
+      <p:sp>
+        <p:nvSpPr>
+          <p:cNvPr id="13" name="pole tekstowe 12">
+            <a:extLst>
+              <a:ext uri="{FF2B5EF4-FFF2-40B4-BE49-F238E27FC236}">
+                <a16:creationId xmlns:a16="http://schemas.microsoft.com/office/drawing/2014/main" id="{85181E82-980C-8F97-2509-5ABB30C77FF8}"/>
+              </a:ext>
+            </a:extLst>
+          </p:cNvPr>
+          <p:cNvSpPr txBox="1"/>
+          <p:nvPr/>
+        </p:nvSpPr>
+        <p:spPr>
+          <a:xfrm>
+            <a:off x="6067981" y="3718418"/>
+            <a:ext cx="949344" cy="369332"/>
+          </a:xfrm>
+          <a:prstGeom prst="rect">
+            <a:avLst/>
+          </a:prstGeom>
+          <a:noFill/>
+        </p:spPr>
+        <p:txBody>
+          <a:bodyPr wrap="square">
+            <a:spAutoFit/>
+          </a:bodyPr>
+          <a:lstStyle/>
+          <a:p>
+            <a:pPr algn="ctr"/>
+            <a:r>
+              <a:rPr lang="pl-PL"/>
+              <a:t>Step 1</a:t>
+            </a:r>
+          </a:p>
+        </p:txBody>
+      </p:sp>
+      <p:sp>
+        <p:nvSpPr>
+          <p:cNvPr id="14" name="pole tekstowe 13">
+            <a:extLst>
+              <a:ext uri="{FF2B5EF4-FFF2-40B4-BE49-F238E27FC236}">
+                <a16:creationId xmlns:a16="http://schemas.microsoft.com/office/drawing/2014/main" id="{5D4E25F0-BEE1-F644-5CCD-22C3CC183870}"/>
+              </a:ext>
+            </a:extLst>
+          </p:cNvPr>
+          <p:cNvSpPr txBox="1"/>
+          <p:nvPr/>
+        </p:nvSpPr>
+        <p:spPr>
+          <a:xfrm>
+            <a:off x="7456160" y="3718418"/>
+            <a:ext cx="949344" cy="369332"/>
+          </a:xfrm>
+          <a:prstGeom prst="rect">
+            <a:avLst/>
+          </a:prstGeom>
+          <a:noFill/>
+        </p:spPr>
+        <p:txBody>
+          <a:bodyPr wrap="square">
+            <a:spAutoFit/>
+          </a:bodyPr>
+          <a:lstStyle/>
+          <a:p>
+            <a:pPr algn="ctr"/>
+            <a:r>
+              <a:rPr lang="pl-PL"/>
+              <a:t>LLM</a:t>
+            </a:r>
+          </a:p>
+        </p:txBody>
+      </p:sp>
+      <p:sp>
+        <p:nvSpPr>
+          <p:cNvPr id="15" name="pole tekstowe 14">
+            <a:extLst>
+              <a:ext uri="{FF2B5EF4-FFF2-40B4-BE49-F238E27FC236}">
+                <a16:creationId xmlns:a16="http://schemas.microsoft.com/office/drawing/2014/main" id="{57A104C8-D8A6-2156-4CB0-3ED1C2EC4119}"/>
+              </a:ext>
+            </a:extLst>
+          </p:cNvPr>
+          <p:cNvSpPr txBox="1"/>
+          <p:nvPr/>
+        </p:nvSpPr>
+        <p:spPr>
+          <a:xfrm>
+            <a:off x="9206796" y="3718418"/>
+            <a:ext cx="949344" cy="369332"/>
+          </a:xfrm>
+          <a:prstGeom prst="rect">
+            <a:avLst/>
+          </a:prstGeom>
+          <a:noFill/>
+        </p:spPr>
+        <p:txBody>
+          <a:bodyPr wrap="square">
+            <a:spAutoFit/>
+          </a:bodyPr>
+          <a:lstStyle/>
+          <a:p>
+            <a:pPr algn="ctr"/>
+            <a:r>
+              <a:rPr lang="pl-PL"/>
+              <a:t>Step N</a:t>
+            </a:r>
+          </a:p>
+        </p:txBody>
+      </p:sp>
+      <p:cxnSp>
+        <p:nvCxnSpPr>
+          <p:cNvPr id="16" name="Łącznik łamany 15">
+            <a:extLst>
+              <a:ext uri="{FF2B5EF4-FFF2-40B4-BE49-F238E27FC236}">
+                <a16:creationId xmlns:a16="http://schemas.microsoft.com/office/drawing/2014/main" id="{16C663F3-8167-080A-04D6-E0984E920A42}"/>
+              </a:ext>
+            </a:extLst>
+          </p:cNvPr>
+          <p:cNvCxnSpPr>
+            <a:stCxn id="14" idx="2"/>
+            <a:endCxn id="13" idx="2"/>
+          </p:cNvCxnSpPr>
+          <p:nvPr/>
+        </p:nvCxnSpPr>
+        <p:spPr>
+          <a:xfrm rot="5400000">
+            <a:off x="7236743" y="3393661"/>
+            <a:ext cx="12700" cy="1388179"/>
+          </a:xfrm>
+          <a:prstGeom prst="bentConnector3">
+            <a:avLst>
+              <a:gd name="adj1" fmla="val 6466669"/>
+            </a:avLst>
+          </a:prstGeom>
+          <a:ln w="34925">
+            <a:solidFill>
+              <a:srgbClr val="C00000"/>
+            </a:solidFill>
+            <a:tailEnd type="triangle"/>
+          </a:ln>
+        </p:spPr>
+        <p:style>
+          <a:lnRef idx="1">
+            <a:schemeClr val="accent1"/>
+          </a:lnRef>
+          <a:fillRef idx="0">
+            <a:schemeClr val="accent1"/>
+          </a:fillRef>
+          <a:effectRef idx="0">
+            <a:schemeClr val="accent1"/>
+          </a:effectRef>
+          <a:fontRef idx="minor">
+            <a:schemeClr val="tx1"/>
+          </a:fontRef>
+        </p:style>
+      </p:cxnSp>
+      <p:pic>
+        <p:nvPicPr>
+          <p:cNvPr id="17" name="Grafika 16" descr="Profil kobiety kontur">
+            <a:extLst>
+              <a:ext uri="{FF2B5EF4-FFF2-40B4-BE49-F238E27FC236}">
+                <a16:creationId xmlns:a16="http://schemas.microsoft.com/office/drawing/2014/main" id="{46BDE813-CF80-6D06-330F-C0CE8D3F3C67}"/>
+              </a:ext>
+            </a:extLst>
+          </p:cNvPr>
+          <p:cNvPicPr>
+            <a:picLocks noChangeAspect="1"/>
+          </p:cNvPicPr>
+          <p:nvPr/>
+        </p:nvPicPr>
+        <p:blipFill>
+          <a:blip r:embed="rId2">
+            <a:extLst>
+              <a:ext uri="{96DAC541-7B7A-43D3-8B79-37D633B846F1}">
+                <asvg:svgBlip xmlns:asvg="http://schemas.microsoft.com/office/drawing/2016/SVG/main" r:embed="rId3"/>
+              </a:ext>
+            </a:extLst>
+          </a:blip>
+          <a:stretch>
+            <a:fillRect/>
+          </a:stretch>
+        </p:blipFill>
+        <p:spPr>
+          <a:xfrm>
+            <a:off x="6854648" y="5188470"/>
+            <a:ext cx="727567" cy="727567"/>
+          </a:xfrm>
+          <a:prstGeom prst="rect">
+            <a:avLst/>
+          </a:prstGeom>
+        </p:spPr>
+      </p:pic>
+    </p:spTree>
+    <p:extLst>
+      <p:ext uri="{BB962C8B-B14F-4D97-AF65-F5344CB8AC3E}">
+        <p14:creationId xmlns:p14="http://schemas.microsoft.com/office/powerpoint/2010/main" val="977141511"/>
       </p:ext>
     </p:extLst>
   </p:cSld>
@@ -18595,734 +19057,6 @@
         <p:cNvPr id="1" name="">
           <a:extLst>
             <a:ext uri="{FF2B5EF4-FFF2-40B4-BE49-F238E27FC236}">
-              <a16:creationId xmlns:a16="http://schemas.microsoft.com/office/drawing/2014/main" id="{88ED7760-C084-3855-8E5B-1809BA50A705}"/>
-            </a:ext>
-          </a:extLst>
-        </p:cNvPr>
-        <p:cNvGrpSpPr/>
-        <p:nvPr/>
-      </p:nvGrpSpPr>
-      <p:grpSpPr>
-        <a:xfrm>
-          <a:off x="0" y="0"/>
-          <a:ext cx="0" cy="0"/>
-          <a:chOff x="0" y="0"/>
-          <a:chExt cx="0" cy="0"/>
-        </a:xfrm>
-      </p:grpSpPr>
-      <p:sp>
-        <p:nvSpPr>
-          <p:cNvPr id="4" name="Symbol zastępczy zawartości 3">
-            <a:extLst>
-              <a:ext uri="{FF2B5EF4-FFF2-40B4-BE49-F238E27FC236}">
-                <a16:creationId xmlns:a16="http://schemas.microsoft.com/office/drawing/2014/main" id="{39A1A421-D3C0-832A-5A58-4B7669BF3B21}"/>
-              </a:ext>
-            </a:extLst>
-          </p:cNvPr>
-          <p:cNvSpPr>
-            <a:spLocks noGrp="1"/>
-          </p:cNvSpPr>
-          <p:nvPr>
-            <p:ph idx="1"/>
-          </p:nvPr>
-        </p:nvSpPr>
-        <p:spPr>
-          <a:xfrm>
-            <a:off x="522132" y="1919139"/>
-            <a:ext cx="3508001" cy="2771394"/>
-          </a:xfrm>
-        </p:spPr>
-        <p:txBody>
-          <a:bodyPr>
-            <a:normAutofit/>
-          </a:bodyPr>
-          <a:lstStyle/>
-          <a:p>
-            <a:r>
-              <a:rPr lang="pl-PL"/>
-              <a:t>… or permanently</a:t>
-            </a:r>
-          </a:p>
-        </p:txBody>
-      </p:sp>
-      <p:sp>
-        <p:nvSpPr>
-          <p:cNvPr id="2" name="pole tekstowe 1">
-            <a:extLst>
-              <a:ext uri="{FF2B5EF4-FFF2-40B4-BE49-F238E27FC236}">
-                <a16:creationId xmlns:a16="http://schemas.microsoft.com/office/drawing/2014/main" id="{43BD9978-8A1A-4362-2AB7-FE670DF53CC6}"/>
-              </a:ext>
-            </a:extLst>
-          </p:cNvPr>
-          <p:cNvSpPr txBox="1"/>
-          <p:nvPr/>
-        </p:nvSpPr>
-        <p:spPr>
-          <a:xfrm>
-            <a:off x="4327050" y="2971591"/>
-            <a:ext cx="949344" cy="369332"/>
-          </a:xfrm>
-          <a:prstGeom prst="rect">
-            <a:avLst/>
-          </a:prstGeom>
-          <a:noFill/>
-        </p:spPr>
-        <p:txBody>
-          <a:bodyPr wrap="square">
-            <a:spAutoFit/>
-          </a:bodyPr>
-          <a:lstStyle/>
-          <a:p>
-            <a:pPr algn="ctr"/>
-            <a:r>
-              <a:rPr lang="pl-PL"/>
-              <a:t>Startup</a:t>
-            </a:r>
-          </a:p>
-        </p:txBody>
-      </p:sp>
-      <p:sp>
-        <p:nvSpPr>
-          <p:cNvPr id="3" name="pole tekstowe 2">
-            <a:extLst>
-              <a:ext uri="{FF2B5EF4-FFF2-40B4-BE49-F238E27FC236}">
-                <a16:creationId xmlns:a16="http://schemas.microsoft.com/office/drawing/2014/main" id="{DDCCD2AC-BE5C-4151-CD27-F0F1528BEF61}"/>
-              </a:ext>
-            </a:extLst>
-          </p:cNvPr>
-          <p:cNvSpPr txBox="1"/>
-          <p:nvPr/>
-        </p:nvSpPr>
-        <p:spPr>
-          <a:xfrm>
-            <a:off x="11008687" y="2971591"/>
-            <a:ext cx="949344" cy="369332"/>
-          </a:xfrm>
-          <a:prstGeom prst="rect">
-            <a:avLst/>
-          </a:prstGeom>
-          <a:noFill/>
-        </p:spPr>
-        <p:txBody>
-          <a:bodyPr wrap="square">
-            <a:spAutoFit/>
-          </a:bodyPr>
-          <a:lstStyle/>
-          <a:p>
-            <a:pPr algn="ctr"/>
-            <a:r>
-              <a:rPr lang="pl-PL"/>
-              <a:t>End of</a:t>
-            </a:r>
-          </a:p>
-        </p:txBody>
-      </p:sp>
-      <p:cxnSp>
-        <p:nvCxnSpPr>
-          <p:cNvPr id="5" name="Łącznik prosty ze strzałką 4">
-            <a:extLst>
-              <a:ext uri="{FF2B5EF4-FFF2-40B4-BE49-F238E27FC236}">
-                <a16:creationId xmlns:a16="http://schemas.microsoft.com/office/drawing/2014/main" id="{9879881A-016B-884F-53C8-7F41646C3B2E}"/>
-              </a:ext>
-            </a:extLst>
-          </p:cNvPr>
-          <p:cNvCxnSpPr>
-            <a:cxnSpLocks/>
-          </p:cNvCxnSpPr>
-          <p:nvPr/>
-        </p:nvCxnSpPr>
-        <p:spPr>
-          <a:xfrm>
-            <a:off x="5359985" y="3177530"/>
-            <a:ext cx="736015" cy="0"/>
-          </a:xfrm>
-          <a:prstGeom prst="straightConnector1">
-            <a:avLst/>
-          </a:prstGeom>
-          <a:ln w="34925">
-            <a:solidFill>
-              <a:schemeClr val="tx1">
-                <a:lumMod val="50000"/>
-                <a:lumOff val="50000"/>
-              </a:schemeClr>
-            </a:solidFill>
-            <a:tailEnd type="triangle"/>
-          </a:ln>
-        </p:spPr>
-        <p:style>
-          <a:lnRef idx="1">
-            <a:schemeClr val="accent1"/>
-          </a:lnRef>
-          <a:fillRef idx="0">
-            <a:schemeClr val="accent1"/>
-          </a:fillRef>
-          <a:effectRef idx="0">
-            <a:schemeClr val="accent1"/>
-          </a:effectRef>
-          <a:fontRef idx="minor">
-            <a:schemeClr val="tx1"/>
-          </a:fontRef>
-        </p:style>
-      </p:cxnSp>
-      <p:cxnSp>
-        <p:nvCxnSpPr>
-          <p:cNvPr id="6" name="Łącznik prosty ze strzałką 5">
-            <a:extLst>
-              <a:ext uri="{FF2B5EF4-FFF2-40B4-BE49-F238E27FC236}">
-                <a16:creationId xmlns:a16="http://schemas.microsoft.com/office/drawing/2014/main" id="{E6432B49-0970-00B0-0DC2-14955F75DED2}"/>
-              </a:ext>
-            </a:extLst>
-          </p:cNvPr>
-          <p:cNvCxnSpPr>
-            <a:cxnSpLocks/>
-          </p:cNvCxnSpPr>
-          <p:nvPr/>
-        </p:nvCxnSpPr>
-        <p:spPr>
-          <a:xfrm>
-            <a:off x="10322560" y="3177530"/>
-            <a:ext cx="553949" cy="0"/>
-          </a:xfrm>
-          <a:prstGeom prst="straightConnector1">
-            <a:avLst/>
-          </a:prstGeom>
-          <a:ln w="34925">
-            <a:solidFill>
-              <a:schemeClr val="tx1">
-                <a:lumMod val="50000"/>
-                <a:lumOff val="50000"/>
-              </a:schemeClr>
-            </a:solidFill>
-            <a:tailEnd type="triangle"/>
-          </a:ln>
-        </p:spPr>
-        <p:style>
-          <a:lnRef idx="1">
-            <a:schemeClr val="accent1"/>
-          </a:lnRef>
-          <a:fillRef idx="0">
-            <a:schemeClr val="accent1"/>
-          </a:fillRef>
-          <a:effectRef idx="0">
-            <a:schemeClr val="accent1"/>
-          </a:effectRef>
-          <a:fontRef idx="minor">
-            <a:schemeClr val="tx1"/>
-          </a:fontRef>
-        </p:style>
-      </p:cxnSp>
-      <p:sp>
-        <p:nvSpPr>
-          <p:cNvPr id="7" name="Owal 6">
-            <a:extLst>
-              <a:ext uri="{FF2B5EF4-FFF2-40B4-BE49-F238E27FC236}">
-                <a16:creationId xmlns:a16="http://schemas.microsoft.com/office/drawing/2014/main" id="{B7F46C03-69DB-7D46-1012-E54E64A4D01D}"/>
-              </a:ext>
-            </a:extLst>
-          </p:cNvPr>
-          <p:cNvSpPr/>
-          <p:nvPr/>
-        </p:nvSpPr>
-        <p:spPr>
-          <a:xfrm>
-            <a:off x="6230658" y="2890311"/>
-            <a:ext cx="623990" cy="623990"/>
-          </a:xfrm>
-          <a:prstGeom prst="ellipse">
-            <a:avLst/>
-          </a:prstGeom>
-          <a:solidFill>
-            <a:srgbClr val="FFC000">
-              <a:alpha val="50000"/>
-            </a:srgbClr>
-          </a:solidFill>
-          <a:ln>
-            <a:solidFill>
-              <a:schemeClr val="bg1">
-                <a:lumMod val="65000"/>
-              </a:schemeClr>
-            </a:solidFill>
-          </a:ln>
-        </p:spPr>
-        <p:style>
-          <a:lnRef idx="2">
-            <a:schemeClr val="accent1">
-              <a:shade val="15000"/>
-            </a:schemeClr>
-          </a:lnRef>
-          <a:fillRef idx="1">
-            <a:schemeClr val="accent1"/>
-          </a:fillRef>
-          <a:effectRef idx="0">
-            <a:schemeClr val="accent1"/>
-          </a:effectRef>
-          <a:fontRef idx="minor">
-            <a:schemeClr val="lt1"/>
-          </a:fontRef>
-        </p:style>
-        <p:txBody>
-          <a:bodyPr rtlCol="0" anchor="ctr"/>
-          <a:lstStyle/>
-          <a:p>
-            <a:pPr algn="ctr"/>
-            <a:endParaRPr lang="pl-PL"/>
-          </a:p>
-        </p:txBody>
-      </p:sp>
-      <p:sp>
-        <p:nvSpPr>
-          <p:cNvPr id="8" name="Owal 7">
-            <a:extLst>
-              <a:ext uri="{FF2B5EF4-FFF2-40B4-BE49-F238E27FC236}">
-                <a16:creationId xmlns:a16="http://schemas.microsoft.com/office/drawing/2014/main" id="{29F6DE11-FCF5-F16A-EB6F-A828BD3CA38C}"/>
-              </a:ext>
-            </a:extLst>
-          </p:cNvPr>
-          <p:cNvSpPr/>
-          <p:nvPr/>
-        </p:nvSpPr>
-        <p:spPr>
-          <a:xfrm>
-            <a:off x="7618837" y="2890311"/>
-            <a:ext cx="623990" cy="623990"/>
-          </a:xfrm>
-          <a:prstGeom prst="ellipse">
-            <a:avLst/>
-          </a:prstGeom>
-          <a:solidFill>
-            <a:srgbClr val="FFC000">
-              <a:alpha val="50000"/>
-            </a:srgbClr>
-          </a:solidFill>
-          <a:ln>
-            <a:solidFill>
-              <a:schemeClr val="bg1">
-                <a:lumMod val="65000"/>
-              </a:schemeClr>
-            </a:solidFill>
-          </a:ln>
-        </p:spPr>
-        <p:style>
-          <a:lnRef idx="2">
-            <a:schemeClr val="accent1">
-              <a:shade val="15000"/>
-            </a:schemeClr>
-          </a:lnRef>
-          <a:fillRef idx="1">
-            <a:schemeClr val="accent1"/>
-          </a:fillRef>
-          <a:effectRef idx="0">
-            <a:schemeClr val="accent1"/>
-          </a:effectRef>
-          <a:fontRef idx="minor">
-            <a:schemeClr val="lt1"/>
-          </a:fontRef>
-        </p:style>
-        <p:txBody>
-          <a:bodyPr rtlCol="0" anchor="ctr"/>
-          <a:lstStyle/>
-          <a:p>
-            <a:pPr algn="ctr"/>
-            <a:endParaRPr lang="pl-PL"/>
-          </a:p>
-        </p:txBody>
-      </p:sp>
-      <p:sp>
-        <p:nvSpPr>
-          <p:cNvPr id="9" name="Owal 8">
-            <a:extLst>
-              <a:ext uri="{FF2B5EF4-FFF2-40B4-BE49-F238E27FC236}">
-                <a16:creationId xmlns:a16="http://schemas.microsoft.com/office/drawing/2014/main" id="{846B1A32-AA19-786E-1576-1AB2D13C1654}"/>
-              </a:ext>
-            </a:extLst>
-          </p:cNvPr>
-          <p:cNvSpPr/>
-          <p:nvPr/>
-        </p:nvSpPr>
-        <p:spPr>
-          <a:xfrm>
-            <a:off x="9369473" y="2890311"/>
-            <a:ext cx="623990" cy="623990"/>
-          </a:xfrm>
-          <a:prstGeom prst="ellipse">
-            <a:avLst/>
-          </a:prstGeom>
-          <a:solidFill>
-            <a:srgbClr val="FFC000">
-              <a:alpha val="50000"/>
-            </a:srgbClr>
-          </a:solidFill>
-          <a:ln>
-            <a:solidFill>
-              <a:schemeClr val="bg1">
-                <a:lumMod val="65000"/>
-              </a:schemeClr>
-            </a:solidFill>
-          </a:ln>
-        </p:spPr>
-        <p:style>
-          <a:lnRef idx="2">
-            <a:schemeClr val="accent1">
-              <a:shade val="15000"/>
-            </a:schemeClr>
-          </a:lnRef>
-          <a:fillRef idx="1">
-            <a:schemeClr val="accent1"/>
-          </a:fillRef>
-          <a:effectRef idx="0">
-            <a:schemeClr val="accent1"/>
-          </a:effectRef>
-          <a:fontRef idx="minor">
-            <a:schemeClr val="lt1"/>
-          </a:fontRef>
-        </p:style>
-        <p:txBody>
-          <a:bodyPr rtlCol="0" anchor="ctr"/>
-          <a:lstStyle/>
-          <a:p>
-            <a:pPr algn="ctr"/>
-            <a:endParaRPr lang="pl-PL"/>
-          </a:p>
-        </p:txBody>
-      </p:sp>
-      <p:cxnSp>
-        <p:nvCxnSpPr>
-          <p:cNvPr id="10" name="Łącznik prosty ze strzałką 9">
-            <a:extLst>
-              <a:ext uri="{FF2B5EF4-FFF2-40B4-BE49-F238E27FC236}">
-                <a16:creationId xmlns:a16="http://schemas.microsoft.com/office/drawing/2014/main" id="{FD9593DE-9412-1471-F0FB-22C9BB7DE7EF}"/>
-              </a:ext>
-            </a:extLst>
-          </p:cNvPr>
-          <p:cNvCxnSpPr>
-            <a:cxnSpLocks/>
-          </p:cNvCxnSpPr>
-          <p:nvPr/>
-        </p:nvCxnSpPr>
-        <p:spPr>
-          <a:xfrm>
-            <a:off x="8303787" y="3177530"/>
-            <a:ext cx="553949" cy="0"/>
-          </a:xfrm>
-          <a:prstGeom prst="straightConnector1">
-            <a:avLst/>
-          </a:prstGeom>
-          <a:ln w="34925">
-            <a:solidFill>
-              <a:srgbClr val="C00000"/>
-            </a:solidFill>
-            <a:tailEnd type="triangle"/>
-          </a:ln>
-        </p:spPr>
-        <p:style>
-          <a:lnRef idx="1">
-            <a:schemeClr val="accent1"/>
-          </a:lnRef>
-          <a:fillRef idx="0">
-            <a:schemeClr val="accent1"/>
-          </a:fillRef>
-          <a:effectRef idx="0">
-            <a:schemeClr val="accent1"/>
-          </a:effectRef>
-          <a:fontRef idx="minor">
-            <a:schemeClr val="tx1"/>
-          </a:fontRef>
-        </p:style>
-      </p:cxnSp>
-      <p:cxnSp>
-        <p:nvCxnSpPr>
-          <p:cNvPr id="11" name="Łącznik prosty ze strzałką 10">
-            <a:extLst>
-              <a:ext uri="{FF2B5EF4-FFF2-40B4-BE49-F238E27FC236}">
-                <a16:creationId xmlns:a16="http://schemas.microsoft.com/office/drawing/2014/main" id="{A944320D-078E-8F4B-2DB4-391AE031C8DC}"/>
-              </a:ext>
-            </a:extLst>
-          </p:cNvPr>
-          <p:cNvCxnSpPr>
-            <a:cxnSpLocks/>
-          </p:cNvCxnSpPr>
-          <p:nvPr/>
-        </p:nvCxnSpPr>
-        <p:spPr>
-          <a:xfrm>
-            <a:off x="6956248" y="3177530"/>
-            <a:ext cx="553949" cy="0"/>
-          </a:xfrm>
-          <a:prstGeom prst="straightConnector1">
-            <a:avLst/>
-          </a:prstGeom>
-          <a:ln w="34925">
-            <a:solidFill>
-              <a:schemeClr val="tx1">
-                <a:lumMod val="50000"/>
-                <a:lumOff val="50000"/>
-              </a:schemeClr>
-            </a:solidFill>
-            <a:tailEnd type="triangle"/>
-          </a:ln>
-        </p:spPr>
-        <p:style>
-          <a:lnRef idx="1">
-            <a:schemeClr val="accent1"/>
-          </a:lnRef>
-          <a:fillRef idx="0">
-            <a:schemeClr val="accent1"/>
-          </a:fillRef>
-          <a:effectRef idx="0">
-            <a:schemeClr val="accent1"/>
-          </a:effectRef>
-          <a:fontRef idx="minor">
-            <a:schemeClr val="tx1"/>
-          </a:fontRef>
-        </p:style>
-      </p:cxnSp>
-      <p:sp>
-        <p:nvSpPr>
-          <p:cNvPr id="12" name="pole tekstowe 11">
-            <a:extLst>
-              <a:ext uri="{FF2B5EF4-FFF2-40B4-BE49-F238E27FC236}">
-                <a16:creationId xmlns:a16="http://schemas.microsoft.com/office/drawing/2014/main" id="{9E169DF8-4BBF-6AFA-6FA6-7D0178AB32FD}"/>
-              </a:ext>
-            </a:extLst>
-          </p:cNvPr>
-          <p:cNvSpPr txBox="1"/>
-          <p:nvPr/>
-        </p:nvSpPr>
-        <p:spPr>
-          <a:xfrm>
-            <a:off x="8879505" y="2971591"/>
-            <a:ext cx="357790" cy="369332"/>
-          </a:xfrm>
-          <a:prstGeom prst="rect">
-            <a:avLst/>
-          </a:prstGeom>
-          <a:noFill/>
-        </p:spPr>
-        <p:txBody>
-          <a:bodyPr wrap="none" rtlCol="0">
-            <a:spAutoFit/>
-          </a:bodyPr>
-          <a:lstStyle/>
-          <a:p>
-            <a:r>
-              <a:rPr lang="pl-PL"/>
-              <a:t>...</a:t>
-            </a:r>
-          </a:p>
-        </p:txBody>
-      </p:sp>
-      <p:sp>
-        <p:nvSpPr>
-          <p:cNvPr id="13" name="pole tekstowe 12">
-            <a:extLst>
-              <a:ext uri="{FF2B5EF4-FFF2-40B4-BE49-F238E27FC236}">
-                <a16:creationId xmlns:a16="http://schemas.microsoft.com/office/drawing/2014/main" id="{85181E82-980C-8F97-2509-5ABB30C77FF8}"/>
-              </a:ext>
-            </a:extLst>
-          </p:cNvPr>
-          <p:cNvSpPr txBox="1"/>
-          <p:nvPr/>
-        </p:nvSpPr>
-        <p:spPr>
-          <a:xfrm>
-            <a:off x="6067981" y="3718418"/>
-            <a:ext cx="949344" cy="369332"/>
-          </a:xfrm>
-          <a:prstGeom prst="rect">
-            <a:avLst/>
-          </a:prstGeom>
-          <a:noFill/>
-        </p:spPr>
-        <p:txBody>
-          <a:bodyPr wrap="square">
-            <a:spAutoFit/>
-          </a:bodyPr>
-          <a:lstStyle/>
-          <a:p>
-            <a:pPr algn="ctr"/>
-            <a:r>
-              <a:rPr lang="pl-PL"/>
-              <a:t>Step 1</a:t>
-            </a:r>
-          </a:p>
-        </p:txBody>
-      </p:sp>
-      <p:sp>
-        <p:nvSpPr>
-          <p:cNvPr id="14" name="pole tekstowe 13">
-            <a:extLst>
-              <a:ext uri="{FF2B5EF4-FFF2-40B4-BE49-F238E27FC236}">
-                <a16:creationId xmlns:a16="http://schemas.microsoft.com/office/drawing/2014/main" id="{5D4E25F0-BEE1-F644-5CCD-22C3CC183870}"/>
-              </a:ext>
-            </a:extLst>
-          </p:cNvPr>
-          <p:cNvSpPr txBox="1"/>
-          <p:nvPr/>
-        </p:nvSpPr>
-        <p:spPr>
-          <a:xfrm>
-            <a:off x="7456160" y="3718418"/>
-            <a:ext cx="949344" cy="369332"/>
-          </a:xfrm>
-          <a:prstGeom prst="rect">
-            <a:avLst/>
-          </a:prstGeom>
-          <a:noFill/>
-        </p:spPr>
-        <p:txBody>
-          <a:bodyPr wrap="square">
-            <a:spAutoFit/>
-          </a:bodyPr>
-          <a:lstStyle/>
-          <a:p>
-            <a:pPr algn="ctr"/>
-            <a:r>
-              <a:rPr lang="pl-PL"/>
-              <a:t>LLM</a:t>
-            </a:r>
-          </a:p>
-        </p:txBody>
-      </p:sp>
-      <p:sp>
-        <p:nvSpPr>
-          <p:cNvPr id="15" name="pole tekstowe 14">
-            <a:extLst>
-              <a:ext uri="{FF2B5EF4-FFF2-40B4-BE49-F238E27FC236}">
-                <a16:creationId xmlns:a16="http://schemas.microsoft.com/office/drawing/2014/main" id="{57A104C8-D8A6-2156-4CB0-3ED1C2EC4119}"/>
-              </a:ext>
-            </a:extLst>
-          </p:cNvPr>
-          <p:cNvSpPr txBox="1"/>
-          <p:nvPr/>
-        </p:nvSpPr>
-        <p:spPr>
-          <a:xfrm>
-            <a:off x="9206796" y="3718418"/>
-            <a:ext cx="949344" cy="369332"/>
-          </a:xfrm>
-          <a:prstGeom prst="rect">
-            <a:avLst/>
-          </a:prstGeom>
-          <a:noFill/>
-        </p:spPr>
-        <p:txBody>
-          <a:bodyPr wrap="square">
-            <a:spAutoFit/>
-          </a:bodyPr>
-          <a:lstStyle/>
-          <a:p>
-            <a:pPr algn="ctr"/>
-            <a:r>
-              <a:rPr lang="pl-PL"/>
-              <a:t>Step N</a:t>
-            </a:r>
-          </a:p>
-        </p:txBody>
-      </p:sp>
-      <p:cxnSp>
-        <p:nvCxnSpPr>
-          <p:cNvPr id="16" name="Łącznik łamany 15">
-            <a:extLst>
-              <a:ext uri="{FF2B5EF4-FFF2-40B4-BE49-F238E27FC236}">
-                <a16:creationId xmlns:a16="http://schemas.microsoft.com/office/drawing/2014/main" id="{16C663F3-8167-080A-04D6-E0984E920A42}"/>
-              </a:ext>
-            </a:extLst>
-          </p:cNvPr>
-          <p:cNvCxnSpPr>
-            <a:stCxn id="14" idx="2"/>
-            <a:endCxn id="13" idx="2"/>
-          </p:cNvCxnSpPr>
-          <p:nvPr/>
-        </p:nvCxnSpPr>
-        <p:spPr>
-          <a:xfrm rot="5400000">
-            <a:off x="7236743" y="3393661"/>
-            <a:ext cx="12700" cy="1388179"/>
-          </a:xfrm>
-          <a:prstGeom prst="bentConnector3">
-            <a:avLst>
-              <a:gd name="adj1" fmla="val 6466669"/>
-            </a:avLst>
-          </a:prstGeom>
-          <a:ln w="34925">
-            <a:solidFill>
-              <a:srgbClr val="C00000"/>
-            </a:solidFill>
-            <a:tailEnd type="triangle"/>
-          </a:ln>
-        </p:spPr>
-        <p:style>
-          <a:lnRef idx="1">
-            <a:schemeClr val="accent1"/>
-          </a:lnRef>
-          <a:fillRef idx="0">
-            <a:schemeClr val="accent1"/>
-          </a:fillRef>
-          <a:effectRef idx="0">
-            <a:schemeClr val="accent1"/>
-          </a:effectRef>
-          <a:fontRef idx="minor">
-            <a:schemeClr val="tx1"/>
-          </a:fontRef>
-        </p:style>
-      </p:cxnSp>
-      <p:pic>
-        <p:nvPicPr>
-          <p:cNvPr id="17" name="Grafika 16" descr="Profil kobiety kontur">
-            <a:extLst>
-              <a:ext uri="{FF2B5EF4-FFF2-40B4-BE49-F238E27FC236}">
-                <a16:creationId xmlns:a16="http://schemas.microsoft.com/office/drawing/2014/main" id="{46BDE813-CF80-6D06-330F-C0CE8D3F3C67}"/>
-              </a:ext>
-            </a:extLst>
-          </p:cNvPr>
-          <p:cNvPicPr>
-            <a:picLocks noChangeAspect="1"/>
-          </p:cNvPicPr>
-          <p:nvPr/>
-        </p:nvPicPr>
-        <p:blipFill>
-          <a:blip r:embed="rId2">
-            <a:extLst>
-              <a:ext uri="{96DAC541-7B7A-43D3-8B79-37D633B846F1}">
-                <asvg:svgBlip xmlns:asvg="http://schemas.microsoft.com/office/drawing/2016/SVG/main" r:embed="rId3"/>
-              </a:ext>
-            </a:extLst>
-          </a:blip>
-          <a:stretch>
-            <a:fillRect/>
-          </a:stretch>
-        </p:blipFill>
-        <p:spPr>
-          <a:xfrm>
-            <a:off x="6854648" y="5188470"/>
-            <a:ext cx="727567" cy="727567"/>
-          </a:xfrm>
-          <a:prstGeom prst="rect">
-            <a:avLst/>
-          </a:prstGeom>
-        </p:spPr>
-      </p:pic>
-    </p:spTree>
-    <p:extLst>
-      <p:ext uri="{BB962C8B-B14F-4D97-AF65-F5344CB8AC3E}">
-        <p14:creationId xmlns:p14="http://schemas.microsoft.com/office/powerpoint/2010/main" val="977141511"/>
-      </p:ext>
-    </p:extLst>
-  </p:cSld>
-  <p:clrMapOvr>
-    <a:masterClrMapping/>
-  </p:clrMapOvr>
-</p:sld>
-</file>
-
-<file path=ppt/slides/slide31.xml><?xml version="1.0" encoding="utf-8"?>
-<p:sld xmlns:a="http://schemas.openxmlformats.org/drawingml/2006/main" xmlns:r="http://schemas.openxmlformats.org/officeDocument/2006/relationships" xmlns:p="http://schemas.openxmlformats.org/presentationml/2006/main">
-  <p:cSld>
-    <p:spTree>
-      <p:nvGrpSpPr>
-        <p:cNvPr id="1" name="">
-          <a:extLst>
-            <a:ext uri="{FF2B5EF4-FFF2-40B4-BE49-F238E27FC236}">
               <a16:creationId xmlns:a16="http://schemas.microsoft.com/office/drawing/2014/main" id="{9485E388-0515-4982-DE4A-7911B949E4FB}"/>
             </a:ext>
           </a:extLst>
@@ -19391,7 +19125,7 @@
 </p:sld>
 </file>
 
-<file path=ppt/slides/slide32.xml><?xml version="1.0" encoding="utf-8"?>
+<file path=ppt/slides/slide31.xml><?xml version="1.0" encoding="utf-8"?>
 <p:sld xmlns:a="http://schemas.openxmlformats.org/drawingml/2006/main" xmlns:r="http://schemas.openxmlformats.org/officeDocument/2006/relationships" xmlns:p="http://schemas.openxmlformats.org/presentationml/2006/main">
   <p:cSld>
     <p:spTree>
@@ -19489,6 +19223,96 @@
     <p:extLst>
       <p:ext uri="{BB962C8B-B14F-4D97-AF65-F5344CB8AC3E}">
         <p14:creationId xmlns:p14="http://schemas.microsoft.com/office/powerpoint/2010/main" val="693754045"/>
+      </p:ext>
+    </p:extLst>
+  </p:cSld>
+  <p:clrMapOvr>
+    <a:masterClrMapping/>
+  </p:clrMapOvr>
+</p:sld>
+</file>
+
+<file path=ppt/slides/slide32.xml><?xml version="1.0" encoding="utf-8"?>
+<p:sld xmlns:a="http://schemas.openxmlformats.org/drawingml/2006/main" xmlns:r="http://schemas.openxmlformats.org/officeDocument/2006/relationships" xmlns:p="http://schemas.openxmlformats.org/presentationml/2006/main">
+  <p:cSld>
+    <p:spTree>
+      <p:nvGrpSpPr>
+        <p:cNvPr id="1" name=""/>
+        <p:cNvGrpSpPr/>
+        <p:nvPr/>
+      </p:nvGrpSpPr>
+      <p:grpSpPr>
+        <a:xfrm>
+          <a:off x="0" y="0"/>
+          <a:ext cx="0" cy="0"/>
+          <a:chOff x="0" y="0"/>
+          <a:chExt cx="0" cy="0"/>
+        </a:xfrm>
+      </p:grpSpPr>
+      <p:pic>
+        <p:nvPicPr>
+          <p:cNvPr id="3" name="Obraz 2">
+            <a:extLst>
+              <a:ext uri="{FF2B5EF4-FFF2-40B4-BE49-F238E27FC236}">
+                <a16:creationId xmlns:a16="http://schemas.microsoft.com/office/drawing/2014/main" id="{A76BCD14-DCE1-0036-297E-3F9F4F1B4BD1}"/>
+              </a:ext>
+            </a:extLst>
+          </p:cNvPr>
+          <p:cNvPicPr>
+            <a:picLocks noChangeAspect="1"/>
+          </p:cNvPicPr>
+          <p:nvPr/>
+        </p:nvPicPr>
+        <p:blipFill>
+          <a:blip r:embed="rId2"/>
+          <a:stretch>
+            <a:fillRect/>
+          </a:stretch>
+        </p:blipFill>
+        <p:spPr>
+          <a:xfrm>
+            <a:off x="1790700" y="641350"/>
+            <a:ext cx="2006600" cy="5575300"/>
+          </a:xfrm>
+          <a:prstGeom prst="rect">
+            <a:avLst/>
+          </a:prstGeom>
+        </p:spPr>
+      </p:pic>
+      <p:pic>
+        <p:nvPicPr>
+          <p:cNvPr id="4" name="Obraz 3">
+            <a:extLst>
+              <a:ext uri="{FF2B5EF4-FFF2-40B4-BE49-F238E27FC236}">
+                <a16:creationId xmlns:a16="http://schemas.microsoft.com/office/drawing/2014/main" id="{F6D8ED3E-08D6-1631-4D4D-DB559FFA86BA}"/>
+              </a:ext>
+            </a:extLst>
+          </p:cNvPr>
+          <p:cNvPicPr>
+            <a:picLocks noChangeAspect="1"/>
+          </p:cNvPicPr>
+          <p:nvPr/>
+        </p:nvPicPr>
+        <p:blipFill>
+          <a:blip r:embed="rId3"/>
+          <a:stretch>
+            <a:fillRect/>
+          </a:stretch>
+        </p:blipFill>
+        <p:spPr>
+          <a:xfrm>
+            <a:off x="5203698" y="0"/>
+            <a:ext cx="5509938" cy="6858000"/>
+          </a:xfrm>
+          <a:prstGeom prst="rect">
+            <a:avLst/>
+          </a:prstGeom>
+        </p:spPr>
+      </p:pic>
+    </p:spTree>
+    <p:extLst>
+      <p:ext uri="{BB962C8B-B14F-4D97-AF65-F5344CB8AC3E}">
+        <p14:creationId xmlns:p14="http://schemas.microsoft.com/office/powerpoint/2010/main" val="1946148882"/>
       </p:ext>
     </p:extLst>
   </p:cSld>
@@ -19517,96 +19341,6 @@
       </p:grpSpPr>
       <p:pic>
         <p:nvPicPr>
-          <p:cNvPr id="3" name="Obraz 2">
-            <a:extLst>
-              <a:ext uri="{FF2B5EF4-FFF2-40B4-BE49-F238E27FC236}">
-                <a16:creationId xmlns:a16="http://schemas.microsoft.com/office/drawing/2014/main" id="{A76BCD14-DCE1-0036-297E-3F9F4F1B4BD1}"/>
-              </a:ext>
-            </a:extLst>
-          </p:cNvPr>
-          <p:cNvPicPr>
-            <a:picLocks noChangeAspect="1"/>
-          </p:cNvPicPr>
-          <p:nvPr/>
-        </p:nvPicPr>
-        <p:blipFill>
-          <a:blip r:embed="rId2"/>
-          <a:stretch>
-            <a:fillRect/>
-          </a:stretch>
-        </p:blipFill>
-        <p:spPr>
-          <a:xfrm>
-            <a:off x="1790700" y="641350"/>
-            <a:ext cx="2006600" cy="5575300"/>
-          </a:xfrm>
-          <a:prstGeom prst="rect">
-            <a:avLst/>
-          </a:prstGeom>
-        </p:spPr>
-      </p:pic>
-      <p:pic>
-        <p:nvPicPr>
-          <p:cNvPr id="4" name="Obraz 3">
-            <a:extLst>
-              <a:ext uri="{FF2B5EF4-FFF2-40B4-BE49-F238E27FC236}">
-                <a16:creationId xmlns:a16="http://schemas.microsoft.com/office/drawing/2014/main" id="{F6D8ED3E-08D6-1631-4D4D-DB559FFA86BA}"/>
-              </a:ext>
-            </a:extLst>
-          </p:cNvPr>
-          <p:cNvPicPr>
-            <a:picLocks noChangeAspect="1"/>
-          </p:cNvPicPr>
-          <p:nvPr/>
-        </p:nvPicPr>
-        <p:blipFill>
-          <a:blip r:embed="rId3"/>
-          <a:stretch>
-            <a:fillRect/>
-          </a:stretch>
-        </p:blipFill>
-        <p:spPr>
-          <a:xfrm>
-            <a:off x="5203698" y="0"/>
-            <a:ext cx="5509938" cy="6858000"/>
-          </a:xfrm>
-          <a:prstGeom prst="rect">
-            <a:avLst/>
-          </a:prstGeom>
-        </p:spPr>
-      </p:pic>
-    </p:spTree>
-    <p:extLst>
-      <p:ext uri="{BB962C8B-B14F-4D97-AF65-F5344CB8AC3E}">
-        <p14:creationId xmlns:p14="http://schemas.microsoft.com/office/powerpoint/2010/main" val="1946148882"/>
-      </p:ext>
-    </p:extLst>
-  </p:cSld>
-  <p:clrMapOvr>
-    <a:masterClrMapping/>
-  </p:clrMapOvr>
-</p:sld>
-</file>
-
-<file path=ppt/slides/slide34.xml><?xml version="1.0" encoding="utf-8"?>
-<p:sld xmlns:a="http://schemas.openxmlformats.org/drawingml/2006/main" xmlns:r="http://schemas.openxmlformats.org/officeDocument/2006/relationships" xmlns:p="http://schemas.openxmlformats.org/presentationml/2006/main">
-  <p:cSld>
-    <p:spTree>
-      <p:nvGrpSpPr>
-        <p:cNvPr id="1" name=""/>
-        <p:cNvGrpSpPr/>
-        <p:nvPr/>
-      </p:nvGrpSpPr>
-      <p:grpSpPr>
-        <a:xfrm>
-          <a:off x="0" y="0"/>
-          <a:ext cx="0" cy="0"/>
-          <a:chOff x="0" y="0"/>
-          <a:chExt cx="0" cy="0"/>
-        </a:xfrm>
-      </p:grpSpPr>
-      <p:pic>
-        <p:nvPicPr>
           <p:cNvPr id="4" name="Obraz 3">
             <a:extLst>
               <a:ext uri="{FF2B5EF4-FFF2-40B4-BE49-F238E27FC236}">
@@ -19648,7 +19382,7 @@
 </p:sld>
 </file>
 
-<file path=ppt/slides/slide35.xml><?xml version="1.0" encoding="utf-8"?>
+<file path=ppt/slides/slide34.xml><?xml version="1.0" encoding="utf-8"?>
 <p:sld xmlns:a="http://schemas.openxmlformats.org/drawingml/2006/main" xmlns:r="http://schemas.openxmlformats.org/officeDocument/2006/relationships" xmlns:p="http://schemas.openxmlformats.org/presentationml/2006/main">
   <p:cSld>
     <p:spTree>
@@ -19719,7 +19453,7 @@
 </p:sld>
 </file>
 
-<file path=ppt/slides/slide36.xml><?xml version="1.0" encoding="utf-8"?>
+<file path=ppt/slides/slide35.xml><?xml version="1.0" encoding="utf-8"?>
 <p:sld xmlns:a="http://schemas.openxmlformats.org/drawingml/2006/main" xmlns:r="http://schemas.openxmlformats.org/officeDocument/2006/relationships" xmlns:p="http://schemas.openxmlformats.org/presentationml/2006/main">
   <p:cSld>
     <p:spTree>
@@ -22649,7 +22383,7 @@
 </p:sld>
 </file>
 
-<file path=ppt/slides/slide37.xml><?xml version="1.0" encoding="utf-8"?>
+<file path=ppt/slides/slide36.xml><?xml version="1.0" encoding="utf-8"?>
 <p:sld xmlns:a="http://schemas.openxmlformats.org/drawingml/2006/main" xmlns:r="http://schemas.openxmlformats.org/officeDocument/2006/relationships" xmlns:p="http://schemas.openxmlformats.org/presentationml/2006/main">
   <p:cSld>
     <p:spTree>
@@ -22753,7 +22487,7 @@
 </p:sld>
 </file>
 
-<file path=ppt/slides/slide38.xml><?xml version="1.0" encoding="utf-8"?>
+<file path=ppt/slides/slide37.xml><?xml version="1.0" encoding="utf-8"?>
 <p:sld xmlns:a="http://schemas.openxmlformats.org/drawingml/2006/main" xmlns:r="http://schemas.openxmlformats.org/officeDocument/2006/relationships" xmlns:p="http://schemas.openxmlformats.org/presentationml/2006/main">
   <p:cSld>
     <p:spTree>
@@ -22848,6 +22582,61 @@
     <p:extLst>
       <p:ext uri="{BB962C8B-B14F-4D97-AF65-F5344CB8AC3E}">
         <p14:creationId xmlns:p14="http://schemas.microsoft.com/office/powerpoint/2010/main" val="1958555663"/>
+      </p:ext>
+    </p:extLst>
+  </p:cSld>
+  <p:clrMapOvr>
+    <a:masterClrMapping/>
+  </p:clrMapOvr>
+</p:sld>
+</file>
+
+<file path=ppt/slides/slide38.xml><?xml version="1.0" encoding="utf-8"?>
+<p:sld xmlns:a="http://schemas.openxmlformats.org/drawingml/2006/main" xmlns:r="http://schemas.openxmlformats.org/officeDocument/2006/relationships" xmlns:p="http://schemas.openxmlformats.org/presentationml/2006/main">
+  <p:cSld>
+    <p:spTree>
+      <p:nvGrpSpPr>
+        <p:cNvPr id="1" name=""/>
+        <p:cNvGrpSpPr/>
+        <p:nvPr/>
+      </p:nvGrpSpPr>
+      <p:grpSpPr>
+        <a:xfrm>
+          <a:off x="0" y="0"/>
+          <a:ext cx="0" cy="0"/>
+          <a:chOff x="0" y="0"/>
+          <a:chExt cx="0" cy="0"/>
+        </a:xfrm>
+      </p:grpSpPr>
+      <p:sp>
+        <p:nvSpPr>
+          <p:cNvPr id="2" name="Symbol zastępczy zawartości 1">
+            <a:extLst>
+              <a:ext uri="{FF2B5EF4-FFF2-40B4-BE49-F238E27FC236}">
+                <a16:creationId xmlns:a16="http://schemas.microsoft.com/office/drawing/2014/main" id="{5F4C6C07-C01E-FF8D-8EEE-73A98FE927FE}"/>
+              </a:ext>
+            </a:extLst>
+          </p:cNvPr>
+          <p:cNvSpPr>
+            <a:spLocks noGrp="1"/>
+          </p:cNvSpPr>
+          <p:nvPr>
+            <p:ph idx="1"/>
+          </p:nvPr>
+        </p:nvSpPr>
+        <p:spPr/>
+        <p:txBody>
+          <a:bodyPr/>
+          <a:lstStyle/>
+          <a:p>
+            <a:endParaRPr lang="pl-PL"/>
+          </a:p>
+        </p:txBody>
+      </p:sp>
+    </p:spTree>
+    <p:extLst>
+      <p:ext uri="{BB962C8B-B14F-4D97-AF65-F5344CB8AC3E}">
+        <p14:creationId xmlns:p14="http://schemas.microsoft.com/office/powerpoint/2010/main" val="1809638319"/>
       </p:ext>
     </p:extLst>
   </p:cSld>
@@ -25666,13 +25455,19 @@
         </p:spPr>
         <p:txBody>
           <a:bodyPr>
-            <a:normAutofit/>
+            <a:normAutofit fontScale="85000" lnSpcReduction="20000"/>
           </a:bodyPr>
           <a:lstStyle/>
           <a:p>
             <a:r>
               <a:rPr lang="pl-PL" dirty="0"/>
-              <a:t>We can just trust the LLM....</a:t>
+              <a:t>We can just trust the LLM, </a:t>
+            </a:r>
+          </a:p>
+          <a:p>
+            <a:r>
+              <a:rPr lang="pl-PL" dirty="0"/>
+              <a:t>but sometimes it can go wild…</a:t>
             </a:r>
           </a:p>
         </p:txBody>
@@ -28335,2869 +28130,6 @@
         <p:cNvPr id="1" name="">
           <a:extLst>
             <a:ext uri="{FF2B5EF4-FFF2-40B4-BE49-F238E27FC236}">
-              <a16:creationId xmlns:a16="http://schemas.microsoft.com/office/drawing/2014/main" id="{8B7469C0-B31E-AF20-E66F-542E125FF8F9}"/>
-            </a:ext>
-          </a:extLst>
-        </p:cNvPr>
-        <p:cNvGrpSpPr/>
-        <p:nvPr/>
-      </p:nvGrpSpPr>
-      <p:grpSpPr>
-        <a:xfrm>
-          <a:off x="0" y="0"/>
-          <a:ext cx="0" cy="0"/>
-          <a:chOff x="0" y="0"/>
-          <a:chExt cx="0" cy="0"/>
-        </a:xfrm>
-      </p:grpSpPr>
-      <p:sp>
-        <p:nvSpPr>
-          <p:cNvPr id="4" name="Symbol zastępczy zawartości 3">
-            <a:extLst>
-              <a:ext uri="{FF2B5EF4-FFF2-40B4-BE49-F238E27FC236}">
-                <a16:creationId xmlns:a16="http://schemas.microsoft.com/office/drawing/2014/main" id="{20A665AE-083B-0FE4-713F-7E5A17B7B589}"/>
-              </a:ext>
-            </a:extLst>
-          </p:cNvPr>
-          <p:cNvSpPr>
-            <a:spLocks noGrp="1"/>
-          </p:cNvSpPr>
-          <p:nvPr>
-            <p:ph idx="1"/>
-          </p:nvPr>
-        </p:nvSpPr>
-        <p:spPr>
-          <a:xfrm>
-            <a:off x="522132" y="1919139"/>
-            <a:ext cx="3204308" cy="1616807"/>
-          </a:xfrm>
-        </p:spPr>
-        <p:txBody>
-          <a:bodyPr>
-            <a:normAutofit/>
-          </a:bodyPr>
-          <a:lstStyle/>
-          <a:p>
-            <a:r>
-              <a:rPr lang="pl-PL"/>
-              <a:t>But we expect Intelligence from AI....</a:t>
-            </a:r>
-          </a:p>
-        </p:txBody>
-      </p:sp>
-      <p:sp>
-        <p:nvSpPr>
-          <p:cNvPr id="2" name="pole tekstowe 1">
-            <a:extLst>
-              <a:ext uri="{FF2B5EF4-FFF2-40B4-BE49-F238E27FC236}">
-                <a16:creationId xmlns:a16="http://schemas.microsoft.com/office/drawing/2014/main" id="{39405A20-DDA4-B28F-C192-FCA90567373A}"/>
-              </a:ext>
-            </a:extLst>
-          </p:cNvPr>
-          <p:cNvSpPr txBox="1"/>
-          <p:nvPr/>
-        </p:nvSpPr>
-        <p:spPr>
-          <a:xfrm>
-            <a:off x="4101362" y="3228292"/>
-            <a:ext cx="949344" cy="369332"/>
-          </a:xfrm>
-          <a:prstGeom prst="rect">
-            <a:avLst/>
-          </a:prstGeom>
-          <a:noFill/>
-        </p:spPr>
-        <p:txBody>
-          <a:bodyPr wrap="square">
-            <a:spAutoFit/>
-          </a:bodyPr>
-          <a:lstStyle/>
-          <a:p>
-            <a:pPr algn="ctr"/>
-            <a:r>
-              <a:rPr lang="pl-PL"/>
-              <a:t>Start</a:t>
-            </a:r>
-          </a:p>
-        </p:txBody>
-      </p:sp>
-      <p:sp>
-        <p:nvSpPr>
-          <p:cNvPr id="3" name="pole tekstowe 2">
-            <a:extLst>
-              <a:ext uri="{FF2B5EF4-FFF2-40B4-BE49-F238E27FC236}">
-                <a16:creationId xmlns:a16="http://schemas.microsoft.com/office/drawing/2014/main" id="{31D817C2-91EF-5CCC-FEE9-A784BF6E2A25}"/>
-              </a:ext>
-            </a:extLst>
-          </p:cNvPr>
-          <p:cNvSpPr txBox="1"/>
-          <p:nvPr/>
-        </p:nvSpPr>
-        <p:spPr>
-          <a:xfrm>
-            <a:off x="10636333" y="2021692"/>
-            <a:ext cx="949344" cy="369332"/>
-          </a:xfrm>
-          <a:prstGeom prst="rect">
-            <a:avLst/>
-          </a:prstGeom>
-          <a:noFill/>
-        </p:spPr>
-        <p:txBody>
-          <a:bodyPr wrap="square">
-            <a:spAutoFit/>
-          </a:bodyPr>
-          <a:lstStyle/>
-          <a:p>
-            <a:pPr algn="ctr"/>
-            <a:r>
-              <a:rPr lang="pl-PL"/>
-              <a:t>End</a:t>
-            </a:r>
-          </a:p>
-        </p:txBody>
-      </p:sp>
-      <p:cxnSp>
-        <p:nvCxnSpPr>
-          <p:cNvPr id="7" name="Łącznik prosty ze strzałką 6">
-            <a:extLst>
-              <a:ext uri="{FF2B5EF4-FFF2-40B4-BE49-F238E27FC236}">
-                <a16:creationId xmlns:a16="http://schemas.microsoft.com/office/drawing/2014/main" id="{C7732921-55B2-1A5F-F67F-F7C63782754C}"/>
-              </a:ext>
-            </a:extLst>
-          </p:cNvPr>
-          <p:cNvCxnSpPr>
-            <a:cxnSpLocks/>
-          </p:cNvCxnSpPr>
-          <p:nvPr/>
-        </p:nvCxnSpPr>
-        <p:spPr>
-          <a:xfrm>
-            <a:off x="5134297" y="3434231"/>
-            <a:ext cx="736015" cy="0"/>
-          </a:xfrm>
-          <a:prstGeom prst="straightConnector1">
-            <a:avLst/>
-          </a:prstGeom>
-          <a:ln w="34925">
-            <a:solidFill>
-              <a:schemeClr val="tx1">
-                <a:lumMod val="50000"/>
-                <a:lumOff val="50000"/>
-              </a:schemeClr>
-            </a:solidFill>
-            <a:tailEnd type="triangle"/>
-          </a:ln>
-        </p:spPr>
-        <p:style>
-          <a:lnRef idx="1">
-            <a:schemeClr val="accent1"/>
-          </a:lnRef>
-          <a:fillRef idx="0">
-            <a:schemeClr val="accent1"/>
-          </a:fillRef>
-          <a:effectRef idx="0">
-            <a:schemeClr val="accent1"/>
-          </a:effectRef>
-          <a:fontRef idx="minor">
-            <a:schemeClr val="tx1"/>
-          </a:fontRef>
-        </p:style>
-      </p:cxnSp>
-      <p:cxnSp>
-        <p:nvCxnSpPr>
-          <p:cNvPr id="10" name="Łącznik prosty ze strzałką 9">
-            <a:extLst>
-              <a:ext uri="{FF2B5EF4-FFF2-40B4-BE49-F238E27FC236}">
-                <a16:creationId xmlns:a16="http://schemas.microsoft.com/office/drawing/2014/main" id="{E6CDDA2A-2209-AE93-B3AE-E1F8E98B396E}"/>
-              </a:ext>
-            </a:extLst>
-          </p:cNvPr>
-          <p:cNvCxnSpPr>
-            <a:cxnSpLocks/>
-          </p:cNvCxnSpPr>
-          <p:nvPr/>
-        </p:nvCxnSpPr>
-        <p:spPr>
-          <a:xfrm>
-            <a:off x="10205784" y="2206358"/>
-            <a:ext cx="553949" cy="0"/>
-          </a:xfrm>
-          <a:prstGeom prst="straightConnector1">
-            <a:avLst/>
-          </a:prstGeom>
-          <a:ln w="34925">
-            <a:solidFill>
-              <a:schemeClr val="tx1">
-                <a:lumMod val="50000"/>
-                <a:lumOff val="50000"/>
-              </a:schemeClr>
-            </a:solidFill>
-            <a:tailEnd type="triangle"/>
-          </a:ln>
-        </p:spPr>
-        <p:style>
-          <a:lnRef idx="1">
-            <a:schemeClr val="accent1"/>
-          </a:lnRef>
-          <a:fillRef idx="0">
-            <a:schemeClr val="accent1"/>
-          </a:fillRef>
-          <a:effectRef idx="0">
-            <a:schemeClr val="accent1"/>
-          </a:effectRef>
-          <a:fontRef idx="minor">
-            <a:schemeClr val="tx1"/>
-          </a:fontRef>
-        </p:style>
-      </p:cxnSp>
-      <p:sp>
-        <p:nvSpPr>
-          <p:cNvPr id="11" name="Owal 10">
-            <a:extLst>
-              <a:ext uri="{FF2B5EF4-FFF2-40B4-BE49-F238E27FC236}">
-                <a16:creationId xmlns:a16="http://schemas.microsoft.com/office/drawing/2014/main" id="{BD5142A0-B955-A7A5-26C6-05339B91AA35}"/>
-              </a:ext>
-            </a:extLst>
-          </p:cNvPr>
-          <p:cNvSpPr/>
-          <p:nvPr/>
-        </p:nvSpPr>
-        <p:spPr>
-          <a:xfrm>
-            <a:off x="6004970" y="3147012"/>
-            <a:ext cx="623990" cy="623990"/>
-          </a:xfrm>
-          <a:prstGeom prst="ellipse">
-            <a:avLst/>
-          </a:prstGeom>
-          <a:solidFill>
-            <a:srgbClr val="FFC000">
-              <a:alpha val="50000"/>
-            </a:srgbClr>
-          </a:solidFill>
-          <a:ln>
-            <a:solidFill>
-              <a:schemeClr val="bg1">
-                <a:lumMod val="65000"/>
-              </a:schemeClr>
-            </a:solidFill>
-          </a:ln>
-        </p:spPr>
-        <p:style>
-          <a:lnRef idx="2">
-            <a:schemeClr val="accent1">
-              <a:shade val="15000"/>
-            </a:schemeClr>
-          </a:lnRef>
-          <a:fillRef idx="1">
-            <a:schemeClr val="accent1"/>
-          </a:fillRef>
-          <a:effectRef idx="0">
-            <a:schemeClr val="accent1"/>
-          </a:effectRef>
-          <a:fontRef idx="minor">
-            <a:schemeClr val="lt1"/>
-          </a:fontRef>
-        </p:style>
-        <p:txBody>
-          <a:bodyPr rtlCol="0" anchor="ctr"/>
-          <a:lstStyle/>
-          <a:p>
-            <a:pPr algn="ctr"/>
-            <a:endParaRPr lang="pl-PL"/>
-          </a:p>
-        </p:txBody>
-      </p:sp>
-      <p:sp>
-        <p:nvSpPr>
-          <p:cNvPr id="14" name="Owal 13">
-            <a:extLst>
-              <a:ext uri="{FF2B5EF4-FFF2-40B4-BE49-F238E27FC236}">
-                <a16:creationId xmlns:a16="http://schemas.microsoft.com/office/drawing/2014/main" id="{ED104721-0FD1-E918-91CF-B7FCD14A1811}"/>
-              </a:ext>
-            </a:extLst>
-          </p:cNvPr>
-          <p:cNvSpPr/>
-          <p:nvPr/>
-        </p:nvSpPr>
-        <p:spPr>
-          <a:xfrm>
-            <a:off x="9344257" y="1919139"/>
-            <a:ext cx="623990" cy="623990"/>
-          </a:xfrm>
-          <a:prstGeom prst="ellipse">
-            <a:avLst/>
-          </a:prstGeom>
-          <a:solidFill>
-            <a:srgbClr val="FFC000">
-              <a:alpha val="50000"/>
-            </a:srgbClr>
-          </a:solidFill>
-          <a:ln>
-            <a:solidFill>
-              <a:schemeClr val="bg1">
-                <a:lumMod val="65000"/>
-              </a:schemeClr>
-            </a:solidFill>
-          </a:ln>
-        </p:spPr>
-        <p:style>
-          <a:lnRef idx="2">
-            <a:schemeClr val="accent1">
-              <a:shade val="15000"/>
-            </a:schemeClr>
-          </a:lnRef>
-          <a:fillRef idx="1">
-            <a:schemeClr val="accent1"/>
-          </a:fillRef>
-          <a:effectRef idx="0">
-            <a:schemeClr val="accent1"/>
-          </a:effectRef>
-          <a:fontRef idx="minor">
-            <a:schemeClr val="lt1"/>
-          </a:fontRef>
-        </p:style>
-        <p:txBody>
-          <a:bodyPr rtlCol="0" anchor="ctr"/>
-          <a:lstStyle/>
-          <a:p>
-            <a:pPr algn="ctr"/>
-            <a:endParaRPr lang="pl-PL"/>
-          </a:p>
-        </p:txBody>
-      </p:sp>
-      <p:cxnSp>
-        <p:nvCxnSpPr>
-          <p:cNvPr id="15" name="Łącznik prosty ze strzałką 14">
-            <a:extLst>
-              <a:ext uri="{FF2B5EF4-FFF2-40B4-BE49-F238E27FC236}">
-                <a16:creationId xmlns:a16="http://schemas.microsoft.com/office/drawing/2014/main" id="{A509B765-2C92-3852-E08A-BF40031A7C24}"/>
-              </a:ext>
-            </a:extLst>
-          </p:cNvPr>
-          <p:cNvCxnSpPr>
-            <a:cxnSpLocks/>
-          </p:cNvCxnSpPr>
-          <p:nvPr/>
-        </p:nvCxnSpPr>
-        <p:spPr>
-          <a:xfrm flipV="1">
-            <a:off x="8365908" y="2481943"/>
-            <a:ext cx="886003" cy="665069"/>
-          </a:xfrm>
-          <a:prstGeom prst="straightConnector1">
-            <a:avLst/>
-          </a:prstGeom>
-          <a:ln w="34925">
-            <a:solidFill>
-              <a:schemeClr val="tx1">
-                <a:lumMod val="50000"/>
-                <a:lumOff val="50000"/>
-              </a:schemeClr>
-            </a:solidFill>
-            <a:tailEnd type="triangle"/>
-          </a:ln>
-        </p:spPr>
-        <p:style>
-          <a:lnRef idx="1">
-            <a:schemeClr val="accent1"/>
-          </a:lnRef>
-          <a:fillRef idx="0">
-            <a:schemeClr val="accent1"/>
-          </a:fillRef>
-          <a:effectRef idx="0">
-            <a:schemeClr val="accent1"/>
-          </a:effectRef>
-          <a:fontRef idx="minor">
-            <a:schemeClr val="tx1"/>
-          </a:fontRef>
-        </p:style>
-      </p:cxnSp>
-      <p:cxnSp>
-        <p:nvCxnSpPr>
-          <p:cNvPr id="16" name="Łącznik prosty ze strzałką 15">
-            <a:extLst>
-              <a:ext uri="{FF2B5EF4-FFF2-40B4-BE49-F238E27FC236}">
-                <a16:creationId xmlns:a16="http://schemas.microsoft.com/office/drawing/2014/main" id="{B1E7F05F-6940-555D-D033-9EA61125F5A2}"/>
-              </a:ext>
-            </a:extLst>
-          </p:cNvPr>
-          <p:cNvCxnSpPr>
-            <a:cxnSpLocks/>
-          </p:cNvCxnSpPr>
-          <p:nvPr/>
-        </p:nvCxnSpPr>
-        <p:spPr>
-          <a:xfrm>
-            <a:off x="6730560" y="3434231"/>
-            <a:ext cx="499912" cy="0"/>
-          </a:xfrm>
-          <a:prstGeom prst="straightConnector1">
-            <a:avLst/>
-          </a:prstGeom>
-          <a:ln w="34925">
-            <a:solidFill>
-              <a:schemeClr val="tx1">
-                <a:lumMod val="50000"/>
-                <a:lumOff val="50000"/>
-              </a:schemeClr>
-            </a:solidFill>
-            <a:tailEnd type="triangle"/>
-          </a:ln>
-        </p:spPr>
-        <p:style>
-          <a:lnRef idx="1">
-            <a:schemeClr val="accent1"/>
-          </a:lnRef>
-          <a:fillRef idx="0">
-            <a:schemeClr val="accent1"/>
-          </a:fillRef>
-          <a:effectRef idx="0">
-            <a:schemeClr val="accent1"/>
-          </a:effectRef>
-          <a:fontRef idx="minor">
-            <a:schemeClr val="tx1"/>
-          </a:fontRef>
-        </p:style>
-      </p:cxnSp>
-      <p:sp>
-        <p:nvSpPr>
-          <p:cNvPr id="19" name="pole tekstowe 18">
-            <a:extLst>
-              <a:ext uri="{FF2B5EF4-FFF2-40B4-BE49-F238E27FC236}">
-                <a16:creationId xmlns:a16="http://schemas.microsoft.com/office/drawing/2014/main" id="{8B10722F-CB1C-7AAA-D3E7-6B5003705065}"/>
-              </a:ext>
-            </a:extLst>
-          </p:cNvPr>
-          <p:cNvSpPr txBox="1"/>
-          <p:nvPr/>
-        </p:nvSpPr>
-        <p:spPr>
-          <a:xfrm>
-            <a:off x="7230472" y="3975119"/>
-            <a:ext cx="949344" cy="369332"/>
-          </a:xfrm>
-          <a:prstGeom prst="rect">
-            <a:avLst/>
-          </a:prstGeom>
-          <a:noFill/>
-        </p:spPr>
-        <p:txBody>
-          <a:bodyPr wrap="square">
-            <a:spAutoFit/>
-          </a:bodyPr>
-          <a:lstStyle/>
-          <a:p>
-            <a:pPr algn="ctr"/>
-            <a:r>
-              <a:rPr lang="pl-PL"/>
-              <a:t>LLM</a:t>
-            </a:r>
-          </a:p>
-        </p:txBody>
-      </p:sp>
-      <p:sp>
-        <p:nvSpPr>
-          <p:cNvPr id="5" name="Freeform 47">
-            <a:extLst>
-              <a:ext uri="{FF2B5EF4-FFF2-40B4-BE49-F238E27FC236}">
-                <a16:creationId xmlns:a16="http://schemas.microsoft.com/office/drawing/2014/main" id="{8854C19B-9C92-D8A6-2E7C-7CA7E0D63833}"/>
-              </a:ext>
-            </a:extLst>
-          </p:cNvPr>
-          <p:cNvSpPr>
-            <a:spLocks noChangeArrowheads="1"/>
-          </p:cNvSpPr>
-          <p:nvPr/>
-        </p:nvSpPr>
-        <p:spPr bwMode="auto">
-          <a:xfrm>
-            <a:off x="7288129" y="3147012"/>
-            <a:ext cx="949344" cy="813966"/>
-          </a:xfrm>
-          <a:custGeom>
-            <a:avLst/>
-            <a:gdLst>
-              <a:gd name="connsiteX0" fmla="*/ 416720 w 548145"/>
-              <a:gd name="connsiteY0" fmla="*/ 426448 h 459669"/>
-              <a:gd name="connsiteX1" fmla="*/ 406987 w 548145"/>
-              <a:gd name="connsiteY1" fmla="*/ 436181 h 459669"/>
-              <a:gd name="connsiteX2" fmla="*/ 416720 w 548145"/>
-              <a:gd name="connsiteY2" fmla="*/ 445524 h 459669"/>
-              <a:gd name="connsiteX3" fmla="*/ 426063 w 548145"/>
-              <a:gd name="connsiteY3" fmla="*/ 436181 h 459669"/>
-              <a:gd name="connsiteX4" fmla="*/ 416720 w 548145"/>
-              <a:gd name="connsiteY4" fmla="*/ 426448 h 459669"/>
-              <a:gd name="connsiteX5" fmla="*/ 458588 w 548145"/>
-              <a:gd name="connsiteY5" fmla="*/ 345052 h 459669"/>
-              <a:gd name="connsiteX6" fmla="*/ 440608 w 548145"/>
-              <a:gd name="connsiteY6" fmla="*/ 363236 h 459669"/>
-              <a:gd name="connsiteX7" fmla="*/ 458588 w 548145"/>
-              <a:gd name="connsiteY7" fmla="*/ 381816 h 459669"/>
-              <a:gd name="connsiteX8" fmla="*/ 477368 w 548145"/>
-              <a:gd name="connsiteY8" fmla="*/ 363236 h 459669"/>
-              <a:gd name="connsiteX9" fmla="*/ 458588 w 548145"/>
-              <a:gd name="connsiteY9" fmla="*/ 345052 h 459669"/>
-              <a:gd name="connsiteX10" fmla="*/ 327360 w 548145"/>
-              <a:gd name="connsiteY10" fmla="*/ 337974 h 459669"/>
-              <a:gd name="connsiteX11" fmla="*/ 403036 w 548145"/>
-              <a:gd name="connsiteY11" fmla="*/ 415435 h 459669"/>
-              <a:gd name="connsiteX12" fmla="*/ 416249 w 548145"/>
-              <a:gd name="connsiteY12" fmla="*/ 411462 h 459669"/>
-              <a:gd name="connsiteX13" fmla="*/ 423056 w 548145"/>
-              <a:gd name="connsiteY13" fmla="*/ 412654 h 459669"/>
-              <a:gd name="connsiteX14" fmla="*/ 436670 w 548145"/>
-              <a:gd name="connsiteY14" fmla="*/ 388026 h 459669"/>
-              <a:gd name="connsiteX15" fmla="*/ 425859 w 548145"/>
-              <a:gd name="connsiteY15" fmla="*/ 363794 h 459669"/>
-              <a:gd name="connsiteX16" fmla="*/ 425859 w 548145"/>
-              <a:gd name="connsiteY16" fmla="*/ 363000 h 459669"/>
-              <a:gd name="connsiteX17" fmla="*/ 304850 w 548145"/>
-              <a:gd name="connsiteY17" fmla="*/ 314971 h 459669"/>
-              <a:gd name="connsiteX18" fmla="*/ 295507 w 548145"/>
-              <a:gd name="connsiteY18" fmla="*/ 324505 h 459669"/>
-              <a:gd name="connsiteX19" fmla="*/ 304850 w 548145"/>
-              <a:gd name="connsiteY19" fmla="*/ 334039 h 459669"/>
-              <a:gd name="connsiteX20" fmla="*/ 314583 w 548145"/>
-              <a:gd name="connsiteY20" fmla="*/ 324505 h 459669"/>
-              <a:gd name="connsiteX21" fmla="*/ 304850 w 548145"/>
-              <a:gd name="connsiteY21" fmla="*/ 314971 h 459669"/>
-              <a:gd name="connsiteX22" fmla="*/ 137140 w 548145"/>
-              <a:gd name="connsiteY22" fmla="*/ 314971 h 459669"/>
-              <a:gd name="connsiteX23" fmla="*/ 127407 w 548145"/>
-              <a:gd name="connsiteY23" fmla="*/ 324505 h 459669"/>
-              <a:gd name="connsiteX24" fmla="*/ 137140 w 548145"/>
-              <a:gd name="connsiteY24" fmla="*/ 334039 h 459669"/>
-              <a:gd name="connsiteX25" fmla="*/ 146483 w 548145"/>
-              <a:gd name="connsiteY25" fmla="*/ 324505 h 459669"/>
-              <a:gd name="connsiteX26" fmla="*/ 137140 w 548145"/>
-              <a:gd name="connsiteY26" fmla="*/ 314971 h 459669"/>
-              <a:gd name="connsiteX27" fmla="*/ 387741 w 548145"/>
-              <a:gd name="connsiteY27" fmla="*/ 247730 h 459669"/>
-              <a:gd name="connsiteX28" fmla="*/ 325591 w 548145"/>
-              <a:gd name="connsiteY28" fmla="*/ 312426 h 459669"/>
-              <a:gd name="connsiteX29" fmla="*/ 328820 w 548145"/>
-              <a:gd name="connsiteY29" fmla="*/ 322873 h 459669"/>
-              <a:gd name="connsiteX30" fmla="*/ 430519 w 548145"/>
-              <a:gd name="connsiteY30" fmla="*/ 348189 h 459669"/>
-              <a:gd name="connsiteX31" fmla="*/ 440205 w 548145"/>
-              <a:gd name="connsiteY31" fmla="*/ 336938 h 459669"/>
-              <a:gd name="connsiteX32" fmla="*/ 401058 w 548145"/>
-              <a:gd name="connsiteY32" fmla="*/ 250141 h 459669"/>
-              <a:gd name="connsiteX33" fmla="*/ 398233 w 548145"/>
-              <a:gd name="connsiteY33" fmla="*/ 250543 h 459669"/>
-              <a:gd name="connsiteX34" fmla="*/ 387741 w 548145"/>
-              <a:gd name="connsiteY34" fmla="*/ 247730 h 459669"/>
-              <a:gd name="connsiteX35" fmla="*/ 421353 w 548145"/>
-              <a:gd name="connsiteY35" fmla="*/ 233574 h 459669"/>
-              <a:gd name="connsiteX36" fmla="*/ 414065 w 548145"/>
-              <a:gd name="connsiteY36" fmla="*/ 244343 h 459669"/>
-              <a:gd name="connsiteX37" fmla="*/ 452935 w 548145"/>
-              <a:gd name="connsiteY37" fmla="*/ 330099 h 459669"/>
-              <a:gd name="connsiteX38" fmla="*/ 459413 w 548145"/>
-              <a:gd name="connsiteY38" fmla="*/ 329302 h 459669"/>
-              <a:gd name="connsiteX39" fmla="*/ 467106 w 548145"/>
-              <a:gd name="connsiteY39" fmla="*/ 330498 h 459669"/>
-              <a:gd name="connsiteX40" fmla="*/ 509214 w 548145"/>
-              <a:gd name="connsiteY40" fmla="*/ 243945 h 459669"/>
-              <a:gd name="connsiteX41" fmla="*/ 502331 w 548145"/>
-              <a:gd name="connsiteY41" fmla="*/ 233574 h 459669"/>
-              <a:gd name="connsiteX42" fmla="*/ 524269 w 548145"/>
-              <a:gd name="connsiteY42" fmla="*/ 217648 h 459669"/>
-              <a:gd name="connsiteX43" fmla="*/ 514926 w 548145"/>
-              <a:gd name="connsiteY43" fmla="*/ 226991 h 459669"/>
-              <a:gd name="connsiteX44" fmla="*/ 524269 w 548145"/>
-              <a:gd name="connsiteY44" fmla="*/ 236724 h 459669"/>
-              <a:gd name="connsiteX45" fmla="*/ 534002 w 548145"/>
-              <a:gd name="connsiteY45" fmla="*/ 226991 h 459669"/>
-              <a:gd name="connsiteX46" fmla="*/ 524269 w 548145"/>
-              <a:gd name="connsiteY46" fmla="*/ 217648 h 459669"/>
-              <a:gd name="connsiteX47" fmla="*/ 396864 w 548145"/>
-              <a:gd name="connsiteY47" fmla="*/ 217648 h 459669"/>
-              <a:gd name="connsiteX48" fmla="*/ 387521 w 548145"/>
-              <a:gd name="connsiteY48" fmla="*/ 226991 h 459669"/>
-              <a:gd name="connsiteX49" fmla="*/ 396864 w 548145"/>
-              <a:gd name="connsiteY49" fmla="*/ 236724 h 459669"/>
-              <a:gd name="connsiteX50" fmla="*/ 406597 w 548145"/>
-              <a:gd name="connsiteY50" fmla="*/ 226991 h 459669"/>
-              <a:gd name="connsiteX51" fmla="*/ 396864 w 548145"/>
-              <a:gd name="connsiteY51" fmla="*/ 217648 h 459669"/>
-              <a:gd name="connsiteX52" fmla="*/ 25461 w 548145"/>
-              <a:gd name="connsiteY52" fmla="*/ 191105 h 459669"/>
-              <a:gd name="connsiteX53" fmla="*/ 15927 w 548145"/>
-              <a:gd name="connsiteY53" fmla="*/ 200448 h 459669"/>
-              <a:gd name="connsiteX54" fmla="*/ 25461 w 548145"/>
-              <a:gd name="connsiteY54" fmla="*/ 210181 h 459669"/>
-              <a:gd name="connsiteX55" fmla="*/ 34995 w 548145"/>
-              <a:gd name="connsiteY55" fmla="*/ 200448 h 459669"/>
-              <a:gd name="connsiteX56" fmla="*/ 25461 w 548145"/>
-              <a:gd name="connsiteY56" fmla="*/ 191105 h 459669"/>
-              <a:gd name="connsiteX57" fmla="*/ 163320 w 548145"/>
-              <a:gd name="connsiteY57" fmla="*/ 187566 h 459669"/>
-              <a:gd name="connsiteX58" fmla="*/ 151684 w 548145"/>
-              <a:gd name="connsiteY58" fmla="*/ 191583 h 459669"/>
-              <a:gd name="connsiteX59" fmla="*/ 146869 w 548145"/>
-              <a:gd name="connsiteY59" fmla="*/ 302845 h 459669"/>
-              <a:gd name="connsiteX60" fmla="*/ 161313 w 548145"/>
-              <a:gd name="connsiteY60" fmla="*/ 318108 h 459669"/>
-              <a:gd name="connsiteX61" fmla="*/ 282886 w 548145"/>
-              <a:gd name="connsiteY61" fmla="*/ 318108 h 459669"/>
-              <a:gd name="connsiteX62" fmla="*/ 284491 w 548145"/>
-              <a:gd name="connsiteY62" fmla="*/ 313690 h 459669"/>
-              <a:gd name="connsiteX63" fmla="*/ 275127 w 548145"/>
-              <a:gd name="connsiteY63" fmla="*/ 175180 h 459669"/>
-              <a:gd name="connsiteX64" fmla="*/ 270736 w 548145"/>
-              <a:gd name="connsiteY64" fmla="*/ 178774 h 459669"/>
-              <a:gd name="connsiteX65" fmla="*/ 305461 w 548145"/>
-              <a:gd name="connsiteY65" fmla="*/ 299788 h 459669"/>
-              <a:gd name="connsiteX66" fmla="*/ 315439 w 548145"/>
-              <a:gd name="connsiteY66" fmla="*/ 302185 h 459669"/>
-              <a:gd name="connsiteX67" fmla="*/ 376507 w 548145"/>
-              <a:gd name="connsiteY67" fmla="*/ 238283 h 459669"/>
-              <a:gd name="connsiteX68" fmla="*/ 373713 w 548145"/>
-              <a:gd name="connsiteY68" fmla="*/ 226701 h 459669"/>
-              <a:gd name="connsiteX69" fmla="*/ 373713 w 548145"/>
-              <a:gd name="connsiteY69" fmla="*/ 223106 h 459669"/>
-              <a:gd name="connsiteX70" fmla="*/ 117932 w 548145"/>
-              <a:gd name="connsiteY70" fmla="*/ 175180 h 459669"/>
-              <a:gd name="connsiteX71" fmla="*/ 49223 w 548145"/>
-              <a:gd name="connsiteY71" fmla="*/ 200020 h 459669"/>
-              <a:gd name="connsiteX72" fmla="*/ 49624 w 548145"/>
-              <a:gd name="connsiteY72" fmla="*/ 200821 h 459669"/>
-              <a:gd name="connsiteX73" fmla="*/ 46008 w 548145"/>
-              <a:gd name="connsiteY73" fmla="*/ 212840 h 459669"/>
-              <a:gd name="connsiteX74" fmla="*/ 128379 w 548145"/>
-              <a:gd name="connsiteY74" fmla="*/ 302183 h 459669"/>
-              <a:gd name="connsiteX75" fmla="*/ 132799 w 548145"/>
-              <a:gd name="connsiteY75" fmla="*/ 300981 h 459669"/>
-              <a:gd name="connsiteX76" fmla="*/ 137620 w 548145"/>
-              <a:gd name="connsiteY76" fmla="*/ 190004 h 459669"/>
-              <a:gd name="connsiteX77" fmla="*/ 117932 w 548145"/>
-              <a:gd name="connsiteY77" fmla="*/ 175180 h 459669"/>
-              <a:gd name="connsiteX78" fmla="*/ 177797 w 548145"/>
-              <a:gd name="connsiteY78" fmla="*/ 166333 h 459669"/>
-              <a:gd name="connsiteX79" fmla="*/ 173412 w 548145"/>
-              <a:gd name="connsiteY79" fmla="*/ 177126 h 459669"/>
-              <a:gd name="connsiteX80" fmla="*/ 289802 w 548145"/>
-              <a:gd name="connsiteY80" fmla="*/ 298646 h 459669"/>
-              <a:gd name="connsiteX81" fmla="*/ 256718 w 548145"/>
-              <a:gd name="connsiteY81" fmla="*/ 183122 h 459669"/>
-              <a:gd name="connsiteX82" fmla="*/ 234796 w 548145"/>
-              <a:gd name="connsiteY82" fmla="*/ 166333 h 459669"/>
-              <a:gd name="connsiteX83" fmla="*/ 257076 w 548145"/>
-              <a:gd name="connsiteY83" fmla="*/ 148637 h 459669"/>
-              <a:gd name="connsiteX84" fmla="*/ 247733 w 548145"/>
-              <a:gd name="connsiteY84" fmla="*/ 158370 h 459669"/>
-              <a:gd name="connsiteX85" fmla="*/ 257076 w 548145"/>
-              <a:gd name="connsiteY85" fmla="*/ 167713 h 459669"/>
-              <a:gd name="connsiteX86" fmla="*/ 266809 w 548145"/>
-              <a:gd name="connsiteY86" fmla="*/ 158370 h 459669"/>
-              <a:gd name="connsiteX87" fmla="*/ 257076 w 548145"/>
-              <a:gd name="connsiteY87" fmla="*/ 148637 h 459669"/>
-              <a:gd name="connsiteX88" fmla="*/ 406422 w 548145"/>
-              <a:gd name="connsiteY88" fmla="*/ 139790 h 459669"/>
-              <a:gd name="connsiteX89" fmla="*/ 396368 w 548145"/>
-              <a:gd name="connsiteY89" fmla="*/ 145029 h 459669"/>
-              <a:gd name="connsiteX90" fmla="*/ 402401 w 548145"/>
-              <a:gd name="connsiteY90" fmla="*/ 203861 h 459669"/>
-              <a:gd name="connsiteX91" fmla="*/ 420900 w 548145"/>
-              <a:gd name="connsiteY91" fmla="*/ 220785 h 459669"/>
-              <a:gd name="connsiteX92" fmla="*/ 501332 w 548145"/>
-              <a:gd name="connsiteY92" fmla="*/ 220785 h 459669"/>
-              <a:gd name="connsiteX93" fmla="*/ 502136 w 548145"/>
-              <a:gd name="connsiteY93" fmla="*/ 218770 h 459669"/>
-              <a:gd name="connsiteX94" fmla="*/ 146186 w 548145"/>
-              <a:gd name="connsiteY94" fmla="*/ 139790 h 459669"/>
-              <a:gd name="connsiteX95" fmla="*/ 127407 w 548145"/>
-              <a:gd name="connsiteY95" fmla="*/ 158370 h 459669"/>
-              <a:gd name="connsiteX96" fmla="*/ 146186 w 548145"/>
-              <a:gd name="connsiteY96" fmla="*/ 176554 h 459669"/>
-              <a:gd name="connsiteX97" fmla="*/ 164167 w 548145"/>
-              <a:gd name="connsiteY97" fmla="*/ 158370 h 459669"/>
-              <a:gd name="connsiteX98" fmla="*/ 146186 w 548145"/>
-              <a:gd name="connsiteY98" fmla="*/ 139790 h 459669"/>
-              <a:gd name="connsiteX99" fmla="*/ 501548 w 548145"/>
-              <a:gd name="connsiteY99" fmla="*/ 106169 h 459669"/>
-              <a:gd name="connsiteX100" fmla="*/ 419025 w 548145"/>
-              <a:gd name="connsiteY100" fmla="*/ 116255 h 459669"/>
-              <a:gd name="connsiteX101" fmla="*/ 415836 w 548145"/>
-              <a:gd name="connsiteY101" fmla="*/ 127552 h 459669"/>
-              <a:gd name="connsiteX102" fmla="*/ 510319 w 548145"/>
-              <a:gd name="connsiteY102" fmla="*/ 206627 h 459669"/>
-              <a:gd name="connsiteX103" fmla="*/ 516298 w 548145"/>
-              <a:gd name="connsiteY103" fmla="*/ 204206 h 459669"/>
-              <a:gd name="connsiteX104" fmla="*/ 516298 w 548145"/>
-              <a:gd name="connsiteY104" fmla="*/ 119483 h 459669"/>
-              <a:gd name="connsiteX105" fmla="*/ 501548 w 548145"/>
-              <a:gd name="connsiteY105" fmla="*/ 106169 h 459669"/>
-              <a:gd name="connsiteX106" fmla="*/ 386439 w 548145"/>
-              <a:gd name="connsiteY106" fmla="*/ 95553 h 459669"/>
-              <a:gd name="connsiteX107" fmla="*/ 368059 w 548145"/>
-              <a:gd name="connsiteY107" fmla="*/ 113533 h 459669"/>
-              <a:gd name="connsiteX108" fmla="*/ 386439 w 548145"/>
-              <a:gd name="connsiteY108" fmla="*/ 132312 h 459669"/>
-              <a:gd name="connsiteX109" fmla="*/ 404819 w 548145"/>
-              <a:gd name="connsiteY109" fmla="*/ 113533 h 459669"/>
-              <a:gd name="connsiteX110" fmla="*/ 386439 w 548145"/>
-              <a:gd name="connsiteY110" fmla="*/ 95553 h 459669"/>
-              <a:gd name="connsiteX111" fmla="*/ 524269 w 548145"/>
-              <a:gd name="connsiteY111" fmla="*/ 86704 h 459669"/>
-              <a:gd name="connsiteX112" fmla="*/ 514926 w 548145"/>
-              <a:gd name="connsiteY112" fmla="*/ 96437 h 459669"/>
-              <a:gd name="connsiteX113" fmla="*/ 524269 w 548145"/>
-              <a:gd name="connsiteY113" fmla="*/ 105780 h 459669"/>
-              <a:gd name="connsiteX114" fmla="*/ 534002 w 548145"/>
-              <a:gd name="connsiteY114" fmla="*/ 96437 h 459669"/>
-              <a:gd name="connsiteX115" fmla="*/ 524269 w 548145"/>
-              <a:gd name="connsiteY115" fmla="*/ 86704 h 459669"/>
-              <a:gd name="connsiteX116" fmla="*/ 269113 w 548145"/>
-              <a:gd name="connsiteY116" fmla="*/ 84936 h 459669"/>
-              <a:gd name="connsiteX117" fmla="*/ 258348 w 548145"/>
-              <a:gd name="connsiteY117" fmla="*/ 93738 h 459669"/>
-              <a:gd name="connsiteX118" fmla="*/ 261936 w 548145"/>
-              <a:gd name="connsiteY118" fmla="*/ 134950 h 459669"/>
-              <a:gd name="connsiteX119" fmla="*/ 280674 w 548145"/>
-              <a:gd name="connsiteY119" fmla="*/ 158557 h 459669"/>
-              <a:gd name="connsiteX120" fmla="*/ 280276 w 548145"/>
-              <a:gd name="connsiteY120" fmla="*/ 162158 h 459669"/>
-              <a:gd name="connsiteX121" fmla="*/ 379149 w 548145"/>
-              <a:gd name="connsiteY121" fmla="*/ 210171 h 459669"/>
-              <a:gd name="connsiteX122" fmla="*/ 387122 w 548145"/>
-              <a:gd name="connsiteY122" fmla="*/ 204569 h 459669"/>
-              <a:gd name="connsiteX123" fmla="*/ 381541 w 548145"/>
-              <a:gd name="connsiteY123" fmla="*/ 146153 h 459669"/>
-              <a:gd name="connsiteX124" fmla="*/ 352437 w 548145"/>
-              <a:gd name="connsiteY124" fmla="*/ 113344 h 459669"/>
-              <a:gd name="connsiteX125" fmla="*/ 352836 w 548145"/>
-              <a:gd name="connsiteY125" fmla="*/ 110943 h 459669"/>
-              <a:gd name="connsiteX126" fmla="*/ 25461 w 548145"/>
-              <a:gd name="connsiteY126" fmla="*/ 69010 h 459669"/>
-              <a:gd name="connsiteX127" fmla="*/ 15927 w 548145"/>
-              <a:gd name="connsiteY127" fmla="*/ 78353 h 459669"/>
-              <a:gd name="connsiteX128" fmla="*/ 25461 w 548145"/>
-              <a:gd name="connsiteY128" fmla="*/ 88086 h 459669"/>
-              <a:gd name="connsiteX129" fmla="*/ 34995 w 548145"/>
-              <a:gd name="connsiteY129" fmla="*/ 78353 h 459669"/>
-              <a:gd name="connsiteX130" fmla="*/ 25461 w 548145"/>
-              <a:gd name="connsiteY130" fmla="*/ 69010 h 459669"/>
-              <a:gd name="connsiteX131" fmla="*/ 250388 w 548145"/>
-              <a:gd name="connsiteY131" fmla="*/ 61932 h 459669"/>
-              <a:gd name="connsiteX132" fmla="*/ 240655 w 548145"/>
-              <a:gd name="connsiteY132" fmla="*/ 71275 h 459669"/>
-              <a:gd name="connsiteX133" fmla="*/ 250388 w 548145"/>
-              <a:gd name="connsiteY133" fmla="*/ 81008 h 459669"/>
-              <a:gd name="connsiteX134" fmla="*/ 259731 w 548145"/>
-              <a:gd name="connsiteY134" fmla="*/ 71275 h 459669"/>
-              <a:gd name="connsiteX135" fmla="*/ 250388 w 548145"/>
-              <a:gd name="connsiteY135" fmla="*/ 61932 h 459669"/>
-              <a:gd name="connsiteX136" fmla="*/ 415540 w 548145"/>
-              <a:gd name="connsiteY136" fmla="*/ 40698 h 459669"/>
-              <a:gd name="connsiteX137" fmla="*/ 402187 w 548145"/>
-              <a:gd name="connsiteY137" fmla="*/ 47447 h 459669"/>
-              <a:gd name="connsiteX138" fmla="*/ 398140 w 548145"/>
-              <a:gd name="connsiteY138" fmla="*/ 82781 h 459669"/>
-              <a:gd name="connsiteX139" fmla="*/ 417968 w 548145"/>
-              <a:gd name="connsiteY139" fmla="*/ 102234 h 459669"/>
-              <a:gd name="connsiteX140" fmla="*/ 502136 w 548145"/>
-              <a:gd name="connsiteY140" fmla="*/ 92706 h 459669"/>
-              <a:gd name="connsiteX141" fmla="*/ 502136 w 548145"/>
-              <a:gd name="connsiteY141" fmla="*/ 91515 h 459669"/>
-              <a:gd name="connsiteX142" fmla="*/ 127205 w 548145"/>
-              <a:gd name="connsiteY142" fmla="*/ 38930 h 459669"/>
-              <a:gd name="connsiteX143" fmla="*/ 48278 w 548145"/>
-              <a:gd name="connsiteY143" fmla="*/ 74450 h 459669"/>
-              <a:gd name="connsiteX144" fmla="*/ 48679 w 548145"/>
-              <a:gd name="connsiteY144" fmla="*/ 77244 h 459669"/>
-              <a:gd name="connsiteX145" fmla="*/ 31852 w 548145"/>
-              <a:gd name="connsiteY145" fmla="*/ 100392 h 459669"/>
-              <a:gd name="connsiteX146" fmla="*/ 31852 w 548145"/>
-              <a:gd name="connsiteY146" fmla="*/ 177019 h 459669"/>
-              <a:gd name="connsiteX147" fmla="*/ 43471 w 548145"/>
-              <a:gd name="connsiteY147" fmla="*/ 185400 h 459669"/>
-              <a:gd name="connsiteX148" fmla="*/ 112381 w 548145"/>
-              <a:gd name="connsiteY148" fmla="*/ 160257 h 459669"/>
-              <a:gd name="connsiteX149" fmla="*/ 111980 w 548145"/>
-              <a:gd name="connsiteY149" fmla="*/ 157463 h 459669"/>
-              <a:gd name="connsiteX150" fmla="*/ 137621 w 548145"/>
-              <a:gd name="connsiteY150" fmla="*/ 125535 h 459669"/>
-              <a:gd name="connsiteX151" fmla="*/ 137621 w 548145"/>
-              <a:gd name="connsiteY151" fmla="*/ 45715 h 459669"/>
-              <a:gd name="connsiteX152" fmla="*/ 127205 w 548145"/>
-              <a:gd name="connsiteY152" fmla="*/ 38930 h 459669"/>
-              <a:gd name="connsiteX153" fmla="*/ 162928 w 548145"/>
-              <a:gd name="connsiteY153" fmla="*/ 38929 h 459669"/>
-              <a:gd name="connsiteX154" fmla="*/ 152178 w 548145"/>
-              <a:gd name="connsiteY154" fmla="*/ 45697 h 459669"/>
-              <a:gd name="connsiteX155" fmla="*/ 152178 w 548145"/>
-              <a:gd name="connsiteY155" fmla="*/ 125325 h 459669"/>
-              <a:gd name="connsiteX156" fmla="*/ 176863 w 548145"/>
-              <a:gd name="connsiteY156" fmla="*/ 150010 h 459669"/>
-              <a:gd name="connsiteX157" fmla="*/ 233797 w 548145"/>
-              <a:gd name="connsiteY157" fmla="*/ 150010 h 459669"/>
-              <a:gd name="connsiteX158" fmla="*/ 247334 w 548145"/>
-              <a:gd name="connsiteY158" fmla="*/ 134881 h 459669"/>
-              <a:gd name="connsiteX159" fmla="*/ 243751 w 548145"/>
-              <a:gd name="connsiteY159" fmla="*/ 93872 h 459669"/>
-              <a:gd name="connsiteX160" fmla="*/ 224640 w 548145"/>
-              <a:gd name="connsiteY160" fmla="*/ 70382 h 459669"/>
-              <a:gd name="connsiteX161" fmla="*/ 225038 w 548145"/>
-              <a:gd name="connsiteY161" fmla="*/ 67197 h 459669"/>
-              <a:gd name="connsiteX162" fmla="*/ 378800 w 548145"/>
-              <a:gd name="connsiteY162" fmla="*/ 35389 h 459669"/>
-              <a:gd name="connsiteX163" fmla="*/ 274276 w 548145"/>
-              <a:gd name="connsiteY163" fmla="*/ 70377 h 459669"/>
-              <a:gd name="connsiteX164" fmla="*/ 274276 w 548145"/>
-              <a:gd name="connsiteY164" fmla="*/ 70779 h 459669"/>
-              <a:gd name="connsiteX165" fmla="*/ 359025 w 548145"/>
-              <a:gd name="connsiteY165" fmla="*/ 96920 h 459669"/>
-              <a:gd name="connsiteX166" fmla="*/ 384450 w 548145"/>
-              <a:gd name="connsiteY166" fmla="*/ 80431 h 459669"/>
-              <a:gd name="connsiteX167" fmla="*/ 388890 w 548145"/>
-              <a:gd name="connsiteY167" fmla="*/ 45041 h 459669"/>
-              <a:gd name="connsiteX168" fmla="*/ 378800 w 548145"/>
-              <a:gd name="connsiteY168" fmla="*/ 35389 h 459669"/>
-              <a:gd name="connsiteX169" fmla="*/ 351734 w 548145"/>
-              <a:gd name="connsiteY169" fmla="*/ 30080 h 459669"/>
-              <a:gd name="connsiteX170" fmla="*/ 176953 w 548145"/>
-              <a:gd name="connsiteY170" fmla="*/ 30889 h 459669"/>
-              <a:gd name="connsiteX171" fmla="*/ 230947 w 548145"/>
-              <a:gd name="connsiteY171" fmla="*/ 56370 h 459669"/>
-              <a:gd name="connsiteX172" fmla="*/ 248945 w 548145"/>
-              <a:gd name="connsiteY172" fmla="*/ 47876 h 459669"/>
-              <a:gd name="connsiteX173" fmla="*/ 268143 w 548145"/>
-              <a:gd name="connsiteY173" fmla="*/ 57988 h 459669"/>
-              <a:gd name="connsiteX174" fmla="*/ 396864 w 548145"/>
-              <a:gd name="connsiteY174" fmla="*/ 14155 h 459669"/>
-              <a:gd name="connsiteX175" fmla="*/ 387521 w 548145"/>
-              <a:gd name="connsiteY175" fmla="*/ 23689 h 459669"/>
-              <a:gd name="connsiteX176" fmla="*/ 396864 w 548145"/>
-              <a:gd name="connsiteY176" fmla="*/ 33223 h 459669"/>
-              <a:gd name="connsiteX177" fmla="*/ 406597 w 548145"/>
-              <a:gd name="connsiteY177" fmla="*/ 23689 h 459669"/>
-              <a:gd name="connsiteX178" fmla="*/ 396864 w 548145"/>
-              <a:gd name="connsiteY178" fmla="*/ 14155 h 459669"/>
-              <a:gd name="connsiteX179" fmla="*/ 145987 w 548145"/>
-              <a:gd name="connsiteY179" fmla="*/ 14155 h 459669"/>
-              <a:gd name="connsiteX180" fmla="*/ 136254 w 548145"/>
-              <a:gd name="connsiteY180" fmla="*/ 23689 h 459669"/>
-              <a:gd name="connsiteX181" fmla="*/ 145987 w 548145"/>
-              <a:gd name="connsiteY181" fmla="*/ 33223 h 459669"/>
-              <a:gd name="connsiteX182" fmla="*/ 155330 w 548145"/>
-              <a:gd name="connsiteY182" fmla="*/ 23689 h 459669"/>
-              <a:gd name="connsiteX183" fmla="*/ 145987 w 548145"/>
-              <a:gd name="connsiteY183" fmla="*/ 14155 h 459669"/>
-              <a:gd name="connsiteX184" fmla="*/ 145074 w 548145"/>
-              <a:gd name="connsiteY184" fmla="*/ 0 h 459669"/>
-              <a:gd name="connsiteX185" fmla="*/ 167578 w 548145"/>
-              <a:gd name="connsiteY185" fmla="*/ 16445 h 459669"/>
-              <a:gd name="connsiteX186" fmla="*/ 374941 w 548145"/>
-              <a:gd name="connsiteY186" fmla="*/ 14841 h 459669"/>
-              <a:gd name="connsiteX187" fmla="*/ 397446 w 548145"/>
-              <a:gd name="connsiteY187" fmla="*/ 0 h 459669"/>
-              <a:gd name="connsiteX188" fmla="*/ 421558 w 548145"/>
-              <a:gd name="connsiteY188" fmla="*/ 23665 h 459669"/>
-              <a:gd name="connsiteX189" fmla="*/ 421156 w 548145"/>
-              <a:gd name="connsiteY189" fmla="*/ 27676 h 459669"/>
-              <a:gd name="connsiteX190" fmla="*/ 507959 w 548145"/>
-              <a:gd name="connsiteY190" fmla="*/ 79419 h 459669"/>
-              <a:gd name="connsiteX191" fmla="*/ 524033 w 548145"/>
-              <a:gd name="connsiteY191" fmla="*/ 73002 h 459669"/>
-              <a:gd name="connsiteX192" fmla="*/ 548145 w 548145"/>
-              <a:gd name="connsiteY192" fmla="*/ 97469 h 459669"/>
-              <a:gd name="connsiteX193" fmla="*/ 531267 w 548145"/>
-              <a:gd name="connsiteY193" fmla="*/ 120332 h 459669"/>
-              <a:gd name="connsiteX194" fmla="*/ 531267 w 548145"/>
-              <a:gd name="connsiteY194" fmla="*/ 204565 h 459669"/>
-              <a:gd name="connsiteX195" fmla="*/ 548145 w 548145"/>
-              <a:gd name="connsiteY195" fmla="*/ 227027 h 459669"/>
-              <a:gd name="connsiteX196" fmla="*/ 524033 w 548145"/>
-              <a:gd name="connsiteY196" fmla="*/ 251093 h 459669"/>
-              <a:gd name="connsiteX197" fmla="*/ 520417 w 548145"/>
-              <a:gd name="connsiteY197" fmla="*/ 250692 h 459669"/>
-              <a:gd name="connsiteX198" fmla="*/ 479024 w 548145"/>
-              <a:gd name="connsiteY198" fmla="*/ 337732 h 459669"/>
-              <a:gd name="connsiteX199" fmla="*/ 491884 w 548145"/>
-              <a:gd name="connsiteY199" fmla="*/ 363403 h 459669"/>
-              <a:gd name="connsiteX200" fmla="*/ 458529 w 548145"/>
-              <a:gd name="connsiteY200" fmla="*/ 396294 h 459669"/>
-              <a:gd name="connsiteX201" fmla="*/ 449286 w 548145"/>
-              <a:gd name="connsiteY201" fmla="*/ 394690 h 459669"/>
-              <a:gd name="connsiteX202" fmla="*/ 434819 w 548145"/>
-              <a:gd name="connsiteY202" fmla="*/ 420762 h 459669"/>
-              <a:gd name="connsiteX203" fmla="*/ 440445 w 548145"/>
-              <a:gd name="connsiteY203" fmla="*/ 435603 h 459669"/>
-              <a:gd name="connsiteX204" fmla="*/ 416333 w 548145"/>
-              <a:gd name="connsiteY204" fmla="*/ 459669 h 459669"/>
-              <a:gd name="connsiteX205" fmla="*/ 392221 w 548145"/>
-              <a:gd name="connsiteY205" fmla="*/ 435603 h 459669"/>
-              <a:gd name="connsiteX206" fmla="*/ 393829 w 548145"/>
-              <a:gd name="connsiteY206" fmla="*/ 426377 h 459669"/>
-              <a:gd name="connsiteX207" fmla="*/ 315465 w 548145"/>
-              <a:gd name="connsiteY207" fmla="*/ 345754 h 459669"/>
-              <a:gd name="connsiteX208" fmla="*/ 304213 w 548145"/>
-              <a:gd name="connsiteY208" fmla="*/ 348562 h 459669"/>
-              <a:gd name="connsiteX209" fmla="*/ 281708 w 548145"/>
-              <a:gd name="connsiteY209" fmla="*/ 331716 h 459669"/>
-              <a:gd name="connsiteX210" fmla="*/ 159943 w 548145"/>
-              <a:gd name="connsiteY210" fmla="*/ 331716 h 459669"/>
-              <a:gd name="connsiteX211" fmla="*/ 137438 w 548145"/>
-              <a:gd name="connsiteY211" fmla="*/ 348562 h 459669"/>
-              <a:gd name="connsiteX212" fmla="*/ 113326 w 548145"/>
-              <a:gd name="connsiteY212" fmla="*/ 324496 h 459669"/>
-              <a:gd name="connsiteX213" fmla="*/ 116541 w 548145"/>
-              <a:gd name="connsiteY213" fmla="*/ 312463 h 459669"/>
-              <a:gd name="connsiteX214" fmla="*/ 34159 w 548145"/>
-              <a:gd name="connsiteY214" fmla="*/ 223417 h 459669"/>
-              <a:gd name="connsiteX215" fmla="*/ 24112 w 548145"/>
-              <a:gd name="connsiteY215" fmla="*/ 225422 h 459669"/>
-              <a:gd name="connsiteX216" fmla="*/ 0 w 548145"/>
-              <a:gd name="connsiteY216" fmla="*/ 201356 h 459669"/>
-              <a:gd name="connsiteX217" fmla="*/ 16878 w 548145"/>
-              <a:gd name="connsiteY217" fmla="*/ 178493 h 459669"/>
-              <a:gd name="connsiteX218" fmla="*/ 16878 w 548145"/>
-              <a:gd name="connsiteY218" fmla="*/ 101480 h 459669"/>
-              <a:gd name="connsiteX219" fmla="*/ 0 w 548145"/>
-              <a:gd name="connsiteY219" fmla="*/ 78216 h 459669"/>
-              <a:gd name="connsiteX220" fmla="*/ 24112 w 548145"/>
-              <a:gd name="connsiteY220" fmla="*/ 54551 h 459669"/>
-              <a:gd name="connsiteX221" fmla="*/ 41794 w 548145"/>
-              <a:gd name="connsiteY221" fmla="*/ 62573 h 459669"/>
-              <a:gd name="connsiteX222" fmla="*/ 120962 w 548145"/>
-              <a:gd name="connsiteY222" fmla="*/ 26473 h 459669"/>
-              <a:gd name="connsiteX223" fmla="*/ 120560 w 548145"/>
-              <a:gd name="connsiteY223" fmla="*/ 23665 h 459669"/>
-              <a:gd name="connsiteX224" fmla="*/ 145074 w 548145"/>
-              <a:gd name="connsiteY224" fmla="*/ 0 h 459669"/>
-            </a:gdLst>
-            <a:ahLst/>
-            <a:cxnLst>
-              <a:cxn ang="0">
-                <a:pos x="connsiteX0" y="connsiteY0"/>
-              </a:cxn>
-              <a:cxn ang="0">
-                <a:pos x="connsiteX1" y="connsiteY1"/>
-              </a:cxn>
-              <a:cxn ang="0">
-                <a:pos x="connsiteX2" y="connsiteY2"/>
-              </a:cxn>
-              <a:cxn ang="0">
-                <a:pos x="connsiteX3" y="connsiteY3"/>
-              </a:cxn>
-              <a:cxn ang="0">
-                <a:pos x="connsiteX4" y="connsiteY4"/>
-              </a:cxn>
-              <a:cxn ang="0">
-                <a:pos x="connsiteX5" y="connsiteY5"/>
-              </a:cxn>
-              <a:cxn ang="0">
-                <a:pos x="connsiteX6" y="connsiteY6"/>
-              </a:cxn>
-              <a:cxn ang="0">
-                <a:pos x="connsiteX7" y="connsiteY7"/>
-              </a:cxn>
-              <a:cxn ang="0">
-                <a:pos x="connsiteX8" y="connsiteY8"/>
-              </a:cxn>
-              <a:cxn ang="0">
-                <a:pos x="connsiteX9" y="connsiteY9"/>
-              </a:cxn>
-              <a:cxn ang="0">
-                <a:pos x="connsiteX10" y="connsiteY10"/>
-              </a:cxn>
-              <a:cxn ang="0">
-                <a:pos x="connsiteX11" y="connsiteY11"/>
-              </a:cxn>
-              <a:cxn ang="0">
-                <a:pos x="connsiteX12" y="connsiteY12"/>
-              </a:cxn>
-              <a:cxn ang="0">
-                <a:pos x="connsiteX13" y="connsiteY13"/>
-              </a:cxn>
-              <a:cxn ang="0">
-                <a:pos x="connsiteX14" y="connsiteY14"/>
-              </a:cxn>
-              <a:cxn ang="0">
-                <a:pos x="connsiteX15" y="connsiteY15"/>
-              </a:cxn>
-              <a:cxn ang="0">
-                <a:pos x="connsiteX16" y="connsiteY16"/>
-              </a:cxn>
-              <a:cxn ang="0">
-                <a:pos x="connsiteX17" y="connsiteY17"/>
-              </a:cxn>
-              <a:cxn ang="0">
-                <a:pos x="connsiteX18" y="connsiteY18"/>
-              </a:cxn>
-              <a:cxn ang="0">
-                <a:pos x="connsiteX19" y="connsiteY19"/>
-              </a:cxn>
-              <a:cxn ang="0">
-                <a:pos x="connsiteX20" y="connsiteY20"/>
-              </a:cxn>
-              <a:cxn ang="0">
-                <a:pos x="connsiteX21" y="connsiteY21"/>
-              </a:cxn>
-              <a:cxn ang="0">
-                <a:pos x="connsiteX22" y="connsiteY22"/>
-              </a:cxn>
-              <a:cxn ang="0">
-                <a:pos x="connsiteX23" y="connsiteY23"/>
-              </a:cxn>
-              <a:cxn ang="0">
-                <a:pos x="connsiteX24" y="connsiteY24"/>
-              </a:cxn>
-              <a:cxn ang="0">
-                <a:pos x="connsiteX25" y="connsiteY25"/>
-              </a:cxn>
-              <a:cxn ang="0">
-                <a:pos x="connsiteX26" y="connsiteY26"/>
-              </a:cxn>
-              <a:cxn ang="0">
-                <a:pos x="connsiteX27" y="connsiteY27"/>
-              </a:cxn>
-              <a:cxn ang="0">
-                <a:pos x="connsiteX28" y="connsiteY28"/>
-              </a:cxn>
-              <a:cxn ang="0">
-                <a:pos x="connsiteX29" y="connsiteY29"/>
-              </a:cxn>
-              <a:cxn ang="0">
-                <a:pos x="connsiteX30" y="connsiteY30"/>
-              </a:cxn>
-              <a:cxn ang="0">
-                <a:pos x="connsiteX31" y="connsiteY31"/>
-              </a:cxn>
-              <a:cxn ang="0">
-                <a:pos x="connsiteX32" y="connsiteY32"/>
-              </a:cxn>
-              <a:cxn ang="0">
-                <a:pos x="connsiteX33" y="connsiteY33"/>
-              </a:cxn>
-              <a:cxn ang="0">
-                <a:pos x="connsiteX34" y="connsiteY34"/>
-              </a:cxn>
-              <a:cxn ang="0">
-                <a:pos x="connsiteX35" y="connsiteY35"/>
-              </a:cxn>
-              <a:cxn ang="0">
-                <a:pos x="connsiteX36" y="connsiteY36"/>
-              </a:cxn>
-              <a:cxn ang="0">
-                <a:pos x="connsiteX37" y="connsiteY37"/>
-              </a:cxn>
-              <a:cxn ang="0">
-                <a:pos x="connsiteX38" y="connsiteY38"/>
-              </a:cxn>
-              <a:cxn ang="0">
-                <a:pos x="connsiteX39" y="connsiteY39"/>
-              </a:cxn>
-              <a:cxn ang="0">
-                <a:pos x="connsiteX40" y="connsiteY40"/>
-              </a:cxn>
-              <a:cxn ang="0">
-                <a:pos x="connsiteX41" y="connsiteY41"/>
-              </a:cxn>
-              <a:cxn ang="0">
-                <a:pos x="connsiteX42" y="connsiteY42"/>
-              </a:cxn>
-              <a:cxn ang="0">
-                <a:pos x="connsiteX43" y="connsiteY43"/>
-              </a:cxn>
-              <a:cxn ang="0">
-                <a:pos x="connsiteX44" y="connsiteY44"/>
-              </a:cxn>
-              <a:cxn ang="0">
-                <a:pos x="connsiteX45" y="connsiteY45"/>
-              </a:cxn>
-              <a:cxn ang="0">
-                <a:pos x="connsiteX46" y="connsiteY46"/>
-              </a:cxn>
-              <a:cxn ang="0">
-                <a:pos x="connsiteX47" y="connsiteY47"/>
-              </a:cxn>
-              <a:cxn ang="0">
-                <a:pos x="connsiteX48" y="connsiteY48"/>
-              </a:cxn>
-              <a:cxn ang="0">
-                <a:pos x="connsiteX49" y="connsiteY49"/>
-              </a:cxn>
-              <a:cxn ang="0">
-                <a:pos x="connsiteX50" y="connsiteY50"/>
-              </a:cxn>
-              <a:cxn ang="0">
-                <a:pos x="connsiteX51" y="connsiteY51"/>
-              </a:cxn>
-              <a:cxn ang="0">
-                <a:pos x="connsiteX52" y="connsiteY52"/>
-              </a:cxn>
-              <a:cxn ang="0">
-                <a:pos x="connsiteX53" y="connsiteY53"/>
-              </a:cxn>
-              <a:cxn ang="0">
-                <a:pos x="connsiteX54" y="connsiteY54"/>
-              </a:cxn>
-              <a:cxn ang="0">
-                <a:pos x="connsiteX55" y="connsiteY55"/>
-              </a:cxn>
-              <a:cxn ang="0">
-                <a:pos x="connsiteX56" y="connsiteY56"/>
-              </a:cxn>
-              <a:cxn ang="0">
-                <a:pos x="connsiteX57" y="connsiteY57"/>
-              </a:cxn>
-              <a:cxn ang="0">
-                <a:pos x="connsiteX58" y="connsiteY58"/>
-              </a:cxn>
-              <a:cxn ang="0">
-                <a:pos x="connsiteX59" y="connsiteY59"/>
-              </a:cxn>
-              <a:cxn ang="0">
-                <a:pos x="connsiteX60" y="connsiteY60"/>
-              </a:cxn>
-              <a:cxn ang="0">
-                <a:pos x="connsiteX61" y="connsiteY61"/>
-              </a:cxn>
-              <a:cxn ang="0">
-                <a:pos x="connsiteX62" y="connsiteY62"/>
-              </a:cxn>
-              <a:cxn ang="0">
-                <a:pos x="connsiteX63" y="connsiteY63"/>
-              </a:cxn>
-              <a:cxn ang="0">
-                <a:pos x="connsiteX64" y="connsiteY64"/>
-              </a:cxn>
-              <a:cxn ang="0">
-                <a:pos x="connsiteX65" y="connsiteY65"/>
-              </a:cxn>
-              <a:cxn ang="0">
-                <a:pos x="connsiteX66" y="connsiteY66"/>
-              </a:cxn>
-              <a:cxn ang="0">
-                <a:pos x="connsiteX67" y="connsiteY67"/>
-              </a:cxn>
-              <a:cxn ang="0">
-                <a:pos x="connsiteX68" y="connsiteY68"/>
-              </a:cxn>
-              <a:cxn ang="0">
-                <a:pos x="connsiteX69" y="connsiteY69"/>
-              </a:cxn>
-              <a:cxn ang="0">
-                <a:pos x="connsiteX70" y="connsiteY70"/>
-              </a:cxn>
-              <a:cxn ang="0">
-                <a:pos x="connsiteX71" y="connsiteY71"/>
-              </a:cxn>
-              <a:cxn ang="0">
-                <a:pos x="connsiteX72" y="connsiteY72"/>
-              </a:cxn>
-              <a:cxn ang="0">
-                <a:pos x="connsiteX73" y="connsiteY73"/>
-              </a:cxn>
-              <a:cxn ang="0">
-                <a:pos x="connsiteX74" y="connsiteY74"/>
-              </a:cxn>
-              <a:cxn ang="0">
-                <a:pos x="connsiteX75" y="connsiteY75"/>
-              </a:cxn>
-              <a:cxn ang="0">
-                <a:pos x="connsiteX76" y="connsiteY76"/>
-              </a:cxn>
-              <a:cxn ang="0">
-                <a:pos x="connsiteX77" y="connsiteY77"/>
-              </a:cxn>
-              <a:cxn ang="0">
-                <a:pos x="connsiteX78" y="connsiteY78"/>
-              </a:cxn>
-              <a:cxn ang="0">
-                <a:pos x="connsiteX79" y="connsiteY79"/>
-              </a:cxn>
-              <a:cxn ang="0">
-                <a:pos x="connsiteX80" y="connsiteY80"/>
-              </a:cxn>
-              <a:cxn ang="0">
-                <a:pos x="connsiteX81" y="connsiteY81"/>
-              </a:cxn>
-              <a:cxn ang="0">
-                <a:pos x="connsiteX82" y="connsiteY82"/>
-              </a:cxn>
-              <a:cxn ang="0">
-                <a:pos x="connsiteX83" y="connsiteY83"/>
-              </a:cxn>
-              <a:cxn ang="0">
-                <a:pos x="connsiteX84" y="connsiteY84"/>
-              </a:cxn>
-              <a:cxn ang="0">
-                <a:pos x="connsiteX85" y="connsiteY85"/>
-              </a:cxn>
-              <a:cxn ang="0">
-                <a:pos x="connsiteX86" y="connsiteY86"/>
-              </a:cxn>
-              <a:cxn ang="0">
-                <a:pos x="connsiteX87" y="connsiteY87"/>
-              </a:cxn>
-              <a:cxn ang="0">
-                <a:pos x="connsiteX88" y="connsiteY88"/>
-              </a:cxn>
-              <a:cxn ang="0">
-                <a:pos x="connsiteX89" y="connsiteY89"/>
-              </a:cxn>
-              <a:cxn ang="0">
-                <a:pos x="connsiteX90" y="connsiteY90"/>
-              </a:cxn>
-              <a:cxn ang="0">
-                <a:pos x="connsiteX91" y="connsiteY91"/>
-              </a:cxn>
-              <a:cxn ang="0">
-                <a:pos x="connsiteX92" y="connsiteY92"/>
-              </a:cxn>
-              <a:cxn ang="0">
-                <a:pos x="connsiteX93" y="connsiteY93"/>
-              </a:cxn>
-              <a:cxn ang="0">
-                <a:pos x="connsiteX94" y="connsiteY94"/>
-              </a:cxn>
-              <a:cxn ang="0">
-                <a:pos x="connsiteX95" y="connsiteY95"/>
-              </a:cxn>
-              <a:cxn ang="0">
-                <a:pos x="connsiteX96" y="connsiteY96"/>
-              </a:cxn>
-              <a:cxn ang="0">
-                <a:pos x="connsiteX97" y="connsiteY97"/>
-              </a:cxn>
-              <a:cxn ang="0">
-                <a:pos x="connsiteX98" y="connsiteY98"/>
-              </a:cxn>
-              <a:cxn ang="0">
-                <a:pos x="connsiteX99" y="connsiteY99"/>
-              </a:cxn>
-              <a:cxn ang="0">
-                <a:pos x="connsiteX100" y="connsiteY100"/>
-              </a:cxn>
-              <a:cxn ang="0">
-                <a:pos x="connsiteX101" y="connsiteY101"/>
-              </a:cxn>
-              <a:cxn ang="0">
-                <a:pos x="connsiteX102" y="connsiteY102"/>
-              </a:cxn>
-              <a:cxn ang="0">
-                <a:pos x="connsiteX103" y="connsiteY103"/>
-              </a:cxn>
-              <a:cxn ang="0">
-                <a:pos x="connsiteX104" y="connsiteY104"/>
-              </a:cxn>
-              <a:cxn ang="0">
-                <a:pos x="connsiteX105" y="connsiteY105"/>
-              </a:cxn>
-              <a:cxn ang="0">
-                <a:pos x="connsiteX106" y="connsiteY106"/>
-              </a:cxn>
-              <a:cxn ang="0">
-                <a:pos x="connsiteX107" y="connsiteY107"/>
-              </a:cxn>
-              <a:cxn ang="0">
-                <a:pos x="connsiteX108" y="connsiteY108"/>
-              </a:cxn>
-              <a:cxn ang="0">
-                <a:pos x="connsiteX109" y="connsiteY109"/>
-              </a:cxn>
-              <a:cxn ang="0">
-                <a:pos x="connsiteX110" y="connsiteY110"/>
-              </a:cxn>
-              <a:cxn ang="0">
-                <a:pos x="connsiteX111" y="connsiteY111"/>
-              </a:cxn>
-              <a:cxn ang="0">
-                <a:pos x="connsiteX112" y="connsiteY112"/>
-              </a:cxn>
-              <a:cxn ang="0">
-                <a:pos x="connsiteX113" y="connsiteY113"/>
-              </a:cxn>
-              <a:cxn ang="0">
-                <a:pos x="connsiteX114" y="connsiteY114"/>
-              </a:cxn>
-              <a:cxn ang="0">
-                <a:pos x="connsiteX115" y="connsiteY115"/>
-              </a:cxn>
-              <a:cxn ang="0">
-                <a:pos x="connsiteX116" y="connsiteY116"/>
-              </a:cxn>
-              <a:cxn ang="0">
-                <a:pos x="connsiteX117" y="connsiteY117"/>
-              </a:cxn>
-              <a:cxn ang="0">
-                <a:pos x="connsiteX118" y="connsiteY118"/>
-              </a:cxn>
-              <a:cxn ang="0">
-                <a:pos x="connsiteX119" y="connsiteY119"/>
-              </a:cxn>
-              <a:cxn ang="0">
-                <a:pos x="connsiteX120" y="connsiteY120"/>
-              </a:cxn>
-              <a:cxn ang="0">
-                <a:pos x="connsiteX121" y="connsiteY121"/>
-              </a:cxn>
-              <a:cxn ang="0">
-                <a:pos x="connsiteX122" y="connsiteY122"/>
-              </a:cxn>
-              <a:cxn ang="0">
-                <a:pos x="connsiteX123" y="connsiteY123"/>
-              </a:cxn>
-              <a:cxn ang="0">
-                <a:pos x="connsiteX124" y="connsiteY124"/>
-              </a:cxn>
-              <a:cxn ang="0">
-                <a:pos x="connsiteX125" y="connsiteY125"/>
-              </a:cxn>
-              <a:cxn ang="0">
-                <a:pos x="connsiteX126" y="connsiteY126"/>
-              </a:cxn>
-              <a:cxn ang="0">
-                <a:pos x="connsiteX127" y="connsiteY127"/>
-              </a:cxn>
-              <a:cxn ang="0">
-                <a:pos x="connsiteX128" y="connsiteY128"/>
-              </a:cxn>
-              <a:cxn ang="0">
-                <a:pos x="connsiteX129" y="connsiteY129"/>
-              </a:cxn>
-              <a:cxn ang="0">
-                <a:pos x="connsiteX130" y="connsiteY130"/>
-              </a:cxn>
-              <a:cxn ang="0">
-                <a:pos x="connsiteX131" y="connsiteY131"/>
-              </a:cxn>
-              <a:cxn ang="0">
-                <a:pos x="connsiteX132" y="connsiteY132"/>
-              </a:cxn>
-              <a:cxn ang="0">
-                <a:pos x="connsiteX133" y="connsiteY133"/>
-              </a:cxn>
-              <a:cxn ang="0">
-                <a:pos x="connsiteX134" y="connsiteY134"/>
-              </a:cxn>
-              <a:cxn ang="0">
-                <a:pos x="connsiteX135" y="connsiteY135"/>
-              </a:cxn>
-              <a:cxn ang="0">
-                <a:pos x="connsiteX136" y="connsiteY136"/>
-              </a:cxn>
-              <a:cxn ang="0">
-                <a:pos x="connsiteX137" y="connsiteY137"/>
-              </a:cxn>
-              <a:cxn ang="0">
-                <a:pos x="connsiteX138" y="connsiteY138"/>
-              </a:cxn>
-              <a:cxn ang="0">
-                <a:pos x="connsiteX139" y="connsiteY139"/>
-              </a:cxn>
-              <a:cxn ang="0">
-                <a:pos x="connsiteX140" y="connsiteY140"/>
-              </a:cxn>
-              <a:cxn ang="0">
-                <a:pos x="connsiteX141" y="connsiteY141"/>
-              </a:cxn>
-              <a:cxn ang="0">
-                <a:pos x="connsiteX142" y="connsiteY142"/>
-              </a:cxn>
-              <a:cxn ang="0">
-                <a:pos x="connsiteX143" y="connsiteY143"/>
-              </a:cxn>
-              <a:cxn ang="0">
-                <a:pos x="connsiteX144" y="connsiteY144"/>
-              </a:cxn>
-              <a:cxn ang="0">
-                <a:pos x="connsiteX145" y="connsiteY145"/>
-              </a:cxn>
-              <a:cxn ang="0">
-                <a:pos x="connsiteX146" y="connsiteY146"/>
-              </a:cxn>
-              <a:cxn ang="0">
-                <a:pos x="connsiteX147" y="connsiteY147"/>
-              </a:cxn>
-              <a:cxn ang="0">
-                <a:pos x="connsiteX148" y="connsiteY148"/>
-              </a:cxn>
-              <a:cxn ang="0">
-                <a:pos x="connsiteX149" y="connsiteY149"/>
-              </a:cxn>
-              <a:cxn ang="0">
-                <a:pos x="connsiteX150" y="connsiteY150"/>
-              </a:cxn>
-              <a:cxn ang="0">
-                <a:pos x="connsiteX151" y="connsiteY151"/>
-              </a:cxn>
-              <a:cxn ang="0">
-                <a:pos x="connsiteX152" y="connsiteY152"/>
-              </a:cxn>
-              <a:cxn ang="0">
-                <a:pos x="connsiteX153" y="connsiteY153"/>
-              </a:cxn>
-              <a:cxn ang="0">
-                <a:pos x="connsiteX154" y="connsiteY154"/>
-              </a:cxn>
-              <a:cxn ang="0">
-                <a:pos x="connsiteX155" y="connsiteY155"/>
-              </a:cxn>
-              <a:cxn ang="0">
-                <a:pos x="connsiteX156" y="connsiteY156"/>
-              </a:cxn>
-              <a:cxn ang="0">
-                <a:pos x="connsiteX157" y="connsiteY157"/>
-              </a:cxn>
-              <a:cxn ang="0">
-                <a:pos x="connsiteX158" y="connsiteY158"/>
-              </a:cxn>
-              <a:cxn ang="0">
-                <a:pos x="connsiteX159" y="connsiteY159"/>
-              </a:cxn>
-              <a:cxn ang="0">
-                <a:pos x="connsiteX160" y="connsiteY160"/>
-              </a:cxn>
-              <a:cxn ang="0">
-                <a:pos x="connsiteX161" y="connsiteY161"/>
-              </a:cxn>
-              <a:cxn ang="0">
-                <a:pos x="connsiteX162" y="connsiteY162"/>
-              </a:cxn>
-              <a:cxn ang="0">
-                <a:pos x="connsiteX163" y="connsiteY163"/>
-              </a:cxn>
-              <a:cxn ang="0">
-                <a:pos x="connsiteX164" y="connsiteY164"/>
-              </a:cxn>
-              <a:cxn ang="0">
-                <a:pos x="connsiteX165" y="connsiteY165"/>
-              </a:cxn>
-              <a:cxn ang="0">
-                <a:pos x="connsiteX166" y="connsiteY166"/>
-              </a:cxn>
-              <a:cxn ang="0">
-                <a:pos x="connsiteX167" y="connsiteY167"/>
-              </a:cxn>
-              <a:cxn ang="0">
-                <a:pos x="connsiteX168" y="connsiteY168"/>
-              </a:cxn>
-              <a:cxn ang="0">
-                <a:pos x="connsiteX169" y="connsiteY169"/>
-              </a:cxn>
-              <a:cxn ang="0">
-                <a:pos x="connsiteX170" y="connsiteY170"/>
-              </a:cxn>
-              <a:cxn ang="0">
-                <a:pos x="connsiteX171" y="connsiteY171"/>
-              </a:cxn>
-              <a:cxn ang="0">
-                <a:pos x="connsiteX172" y="connsiteY172"/>
-              </a:cxn>
-              <a:cxn ang="0">
-                <a:pos x="connsiteX173" y="connsiteY173"/>
-              </a:cxn>
-              <a:cxn ang="0">
-                <a:pos x="connsiteX174" y="connsiteY174"/>
-              </a:cxn>
-              <a:cxn ang="0">
-                <a:pos x="connsiteX175" y="connsiteY175"/>
-              </a:cxn>
-              <a:cxn ang="0">
-                <a:pos x="connsiteX176" y="connsiteY176"/>
-              </a:cxn>
-              <a:cxn ang="0">
-                <a:pos x="connsiteX177" y="connsiteY177"/>
-              </a:cxn>
-              <a:cxn ang="0">
-                <a:pos x="connsiteX178" y="connsiteY178"/>
-              </a:cxn>
-              <a:cxn ang="0">
-                <a:pos x="connsiteX179" y="connsiteY179"/>
-              </a:cxn>
-              <a:cxn ang="0">
-                <a:pos x="connsiteX180" y="connsiteY180"/>
-              </a:cxn>
-              <a:cxn ang="0">
-                <a:pos x="connsiteX181" y="connsiteY181"/>
-              </a:cxn>
-              <a:cxn ang="0">
-                <a:pos x="connsiteX182" y="connsiteY182"/>
-              </a:cxn>
-              <a:cxn ang="0">
-                <a:pos x="connsiteX183" y="connsiteY183"/>
-              </a:cxn>
-              <a:cxn ang="0">
-                <a:pos x="connsiteX184" y="connsiteY184"/>
-              </a:cxn>
-              <a:cxn ang="0">
-                <a:pos x="connsiteX185" y="connsiteY185"/>
-              </a:cxn>
-              <a:cxn ang="0">
-                <a:pos x="connsiteX186" y="connsiteY186"/>
-              </a:cxn>
-              <a:cxn ang="0">
-                <a:pos x="connsiteX187" y="connsiteY187"/>
-              </a:cxn>
-              <a:cxn ang="0">
-                <a:pos x="connsiteX188" y="connsiteY188"/>
-              </a:cxn>
-              <a:cxn ang="0">
-                <a:pos x="connsiteX189" y="connsiteY189"/>
-              </a:cxn>
-              <a:cxn ang="0">
-                <a:pos x="connsiteX190" y="connsiteY190"/>
-              </a:cxn>
-              <a:cxn ang="0">
-                <a:pos x="connsiteX191" y="connsiteY191"/>
-              </a:cxn>
-              <a:cxn ang="0">
-                <a:pos x="connsiteX192" y="connsiteY192"/>
-              </a:cxn>
-              <a:cxn ang="0">
-                <a:pos x="connsiteX193" y="connsiteY193"/>
-              </a:cxn>
-              <a:cxn ang="0">
-                <a:pos x="connsiteX194" y="connsiteY194"/>
-              </a:cxn>
-              <a:cxn ang="0">
-                <a:pos x="connsiteX195" y="connsiteY195"/>
-              </a:cxn>
-              <a:cxn ang="0">
-                <a:pos x="connsiteX196" y="connsiteY196"/>
-              </a:cxn>
-              <a:cxn ang="0">
-                <a:pos x="connsiteX197" y="connsiteY197"/>
-              </a:cxn>
-              <a:cxn ang="0">
-                <a:pos x="connsiteX198" y="connsiteY198"/>
-              </a:cxn>
-              <a:cxn ang="0">
-                <a:pos x="connsiteX199" y="connsiteY199"/>
-              </a:cxn>
-              <a:cxn ang="0">
-                <a:pos x="connsiteX200" y="connsiteY200"/>
-              </a:cxn>
-              <a:cxn ang="0">
-                <a:pos x="connsiteX201" y="connsiteY201"/>
-              </a:cxn>
-              <a:cxn ang="0">
-                <a:pos x="connsiteX202" y="connsiteY202"/>
-              </a:cxn>
-              <a:cxn ang="0">
-                <a:pos x="connsiteX203" y="connsiteY203"/>
-              </a:cxn>
-              <a:cxn ang="0">
-                <a:pos x="connsiteX204" y="connsiteY204"/>
-              </a:cxn>
-              <a:cxn ang="0">
-                <a:pos x="connsiteX205" y="connsiteY205"/>
-              </a:cxn>
-              <a:cxn ang="0">
-                <a:pos x="connsiteX206" y="connsiteY206"/>
-              </a:cxn>
-              <a:cxn ang="0">
-                <a:pos x="connsiteX207" y="connsiteY207"/>
-              </a:cxn>
-              <a:cxn ang="0">
-                <a:pos x="connsiteX208" y="connsiteY208"/>
-              </a:cxn>
-              <a:cxn ang="0">
-                <a:pos x="connsiteX209" y="connsiteY209"/>
-              </a:cxn>
-              <a:cxn ang="0">
-                <a:pos x="connsiteX210" y="connsiteY210"/>
-              </a:cxn>
-              <a:cxn ang="0">
-                <a:pos x="connsiteX211" y="connsiteY211"/>
-              </a:cxn>
-              <a:cxn ang="0">
-                <a:pos x="connsiteX212" y="connsiteY212"/>
-              </a:cxn>
-              <a:cxn ang="0">
-                <a:pos x="connsiteX213" y="connsiteY213"/>
-              </a:cxn>
-              <a:cxn ang="0">
-                <a:pos x="connsiteX214" y="connsiteY214"/>
-              </a:cxn>
-              <a:cxn ang="0">
-                <a:pos x="connsiteX215" y="connsiteY215"/>
-              </a:cxn>
-              <a:cxn ang="0">
-                <a:pos x="connsiteX216" y="connsiteY216"/>
-              </a:cxn>
-              <a:cxn ang="0">
-                <a:pos x="connsiteX217" y="connsiteY217"/>
-              </a:cxn>
-              <a:cxn ang="0">
-                <a:pos x="connsiteX218" y="connsiteY218"/>
-              </a:cxn>
-              <a:cxn ang="0">
-                <a:pos x="connsiteX219" y="connsiteY219"/>
-              </a:cxn>
-              <a:cxn ang="0">
-                <a:pos x="connsiteX220" y="connsiteY220"/>
-              </a:cxn>
-              <a:cxn ang="0">
-                <a:pos x="connsiteX221" y="connsiteY221"/>
-              </a:cxn>
-              <a:cxn ang="0">
-                <a:pos x="connsiteX222" y="connsiteY222"/>
-              </a:cxn>
-              <a:cxn ang="0">
-                <a:pos x="connsiteX223" y="connsiteY223"/>
-              </a:cxn>
-              <a:cxn ang="0">
-                <a:pos x="connsiteX224" y="connsiteY224"/>
-              </a:cxn>
-            </a:cxnLst>
-            <a:rect l="l" t="t" r="r" b="b"/>
-            <a:pathLst>
-              <a:path w="548145" h="459669">
-                <a:moveTo>
-                  <a:pt x="416720" y="426448"/>
-                </a:moveTo>
-                <a:cubicBezTo>
-                  <a:pt x="411269" y="426448"/>
-                  <a:pt x="406987" y="430730"/>
-                  <a:pt x="406987" y="436181"/>
-                </a:cubicBezTo>
-                <a:cubicBezTo>
-                  <a:pt x="406987" y="441241"/>
-                  <a:pt x="411269" y="445524"/>
-                  <a:pt x="416720" y="445524"/>
-                </a:cubicBezTo>
-                <a:cubicBezTo>
-                  <a:pt x="421781" y="445524"/>
-                  <a:pt x="426063" y="441241"/>
-                  <a:pt x="426063" y="436181"/>
-                </a:cubicBezTo>
-                <a:cubicBezTo>
-                  <a:pt x="426063" y="430730"/>
-                  <a:pt x="421781" y="426448"/>
-                  <a:pt x="416720" y="426448"/>
-                </a:cubicBezTo>
-                <a:close/>
-                <a:moveTo>
-                  <a:pt x="458588" y="345052"/>
-                </a:moveTo>
-                <a:cubicBezTo>
-                  <a:pt x="448599" y="345052"/>
-                  <a:pt x="440608" y="353354"/>
-                  <a:pt x="440608" y="363236"/>
-                </a:cubicBezTo>
-                <a:cubicBezTo>
-                  <a:pt x="440608" y="373514"/>
-                  <a:pt x="448599" y="381816"/>
-                  <a:pt x="458588" y="381816"/>
-                </a:cubicBezTo>
-                <a:cubicBezTo>
-                  <a:pt x="468977" y="381816"/>
-                  <a:pt x="477368" y="373514"/>
-                  <a:pt x="477368" y="363236"/>
-                </a:cubicBezTo>
-                <a:cubicBezTo>
-                  <a:pt x="477368" y="353354"/>
-                  <a:pt x="468977" y="345052"/>
-                  <a:pt x="458588" y="345052"/>
-                </a:cubicBezTo>
-                <a:close/>
-                <a:moveTo>
-                  <a:pt x="327360" y="337974"/>
-                </a:moveTo>
-                <a:lnTo>
-                  <a:pt x="403036" y="415435"/>
-                </a:lnTo>
-                <a:cubicBezTo>
-                  <a:pt x="406640" y="413051"/>
-                  <a:pt x="411044" y="411462"/>
-                  <a:pt x="416249" y="411462"/>
-                </a:cubicBezTo>
-                <a:cubicBezTo>
-                  <a:pt x="418251" y="411462"/>
-                  <a:pt x="421054" y="411860"/>
-                  <a:pt x="423056" y="412654"/>
-                </a:cubicBezTo>
-                <a:lnTo>
-                  <a:pt x="436670" y="388026"/>
-                </a:lnTo>
-                <a:cubicBezTo>
-                  <a:pt x="430263" y="382067"/>
-                  <a:pt x="425859" y="373725"/>
-                  <a:pt x="425859" y="363794"/>
-                </a:cubicBezTo>
-                <a:cubicBezTo>
-                  <a:pt x="425859" y="363794"/>
-                  <a:pt x="425859" y="363397"/>
-                  <a:pt x="425859" y="363000"/>
-                </a:cubicBezTo>
-                <a:close/>
-                <a:moveTo>
-                  <a:pt x="304850" y="314971"/>
-                </a:moveTo>
-                <a:cubicBezTo>
-                  <a:pt x="299789" y="314971"/>
-                  <a:pt x="295507" y="318943"/>
-                  <a:pt x="295507" y="324505"/>
-                </a:cubicBezTo>
-                <a:cubicBezTo>
-                  <a:pt x="295507" y="330066"/>
-                  <a:pt x="299789" y="334039"/>
-                  <a:pt x="304850" y="334039"/>
-                </a:cubicBezTo>
-                <a:cubicBezTo>
-                  <a:pt x="310301" y="334039"/>
-                  <a:pt x="314583" y="330066"/>
-                  <a:pt x="314583" y="324505"/>
-                </a:cubicBezTo>
-                <a:cubicBezTo>
-                  <a:pt x="314583" y="318943"/>
-                  <a:pt x="310301" y="314971"/>
-                  <a:pt x="304850" y="314971"/>
-                </a:cubicBezTo>
-                <a:close/>
-                <a:moveTo>
-                  <a:pt x="137140" y="314971"/>
-                </a:moveTo>
-                <a:cubicBezTo>
-                  <a:pt x="131689" y="314971"/>
-                  <a:pt x="127407" y="318943"/>
-                  <a:pt x="127407" y="324505"/>
-                </a:cubicBezTo>
-                <a:cubicBezTo>
-                  <a:pt x="127407" y="330066"/>
-                  <a:pt x="131689" y="334039"/>
-                  <a:pt x="137140" y="334039"/>
-                </a:cubicBezTo>
-                <a:cubicBezTo>
-                  <a:pt x="142201" y="334039"/>
-                  <a:pt x="146483" y="330066"/>
-                  <a:pt x="146483" y="324505"/>
-                </a:cubicBezTo>
-                <a:cubicBezTo>
-                  <a:pt x="146483" y="318943"/>
-                  <a:pt x="142201" y="314971"/>
-                  <a:pt x="137140" y="314971"/>
-                </a:cubicBezTo>
-                <a:close/>
-                <a:moveTo>
-                  <a:pt x="387741" y="247730"/>
-                </a:moveTo>
-                <a:lnTo>
-                  <a:pt x="325591" y="312426"/>
-                </a:lnTo>
-                <a:cubicBezTo>
-                  <a:pt x="327609" y="315640"/>
-                  <a:pt x="328416" y="318855"/>
-                  <a:pt x="328820" y="322873"/>
-                </a:cubicBezTo>
-                <a:lnTo>
-                  <a:pt x="430519" y="348189"/>
-                </a:lnTo>
-                <a:cubicBezTo>
-                  <a:pt x="432940" y="343769"/>
-                  <a:pt x="436169" y="339751"/>
-                  <a:pt x="440205" y="336938"/>
-                </a:cubicBezTo>
-                <a:lnTo>
-                  <a:pt x="401058" y="250141"/>
-                </a:lnTo>
-                <a:cubicBezTo>
-                  <a:pt x="400251" y="250141"/>
-                  <a:pt x="399444" y="250543"/>
-                  <a:pt x="398233" y="250543"/>
-                </a:cubicBezTo>
-                <a:cubicBezTo>
-                  <a:pt x="394601" y="250543"/>
-                  <a:pt x="390969" y="249739"/>
-                  <a:pt x="387741" y="247730"/>
-                </a:cubicBezTo>
-                <a:close/>
-                <a:moveTo>
-                  <a:pt x="421353" y="233574"/>
-                </a:moveTo>
-                <a:cubicBezTo>
-                  <a:pt x="419734" y="237563"/>
-                  <a:pt x="417304" y="241551"/>
-                  <a:pt x="414065" y="244343"/>
-                </a:cubicBezTo>
-                <a:lnTo>
-                  <a:pt x="452935" y="330099"/>
-                </a:lnTo>
-                <a:cubicBezTo>
-                  <a:pt x="455364" y="330099"/>
-                  <a:pt x="457388" y="329302"/>
-                  <a:pt x="459413" y="329302"/>
-                </a:cubicBezTo>
-                <a:cubicBezTo>
-                  <a:pt x="462247" y="329302"/>
-                  <a:pt x="464676" y="330099"/>
-                  <a:pt x="467106" y="330498"/>
-                </a:cubicBezTo>
-                <a:lnTo>
-                  <a:pt x="509214" y="243945"/>
-                </a:lnTo>
-                <a:cubicBezTo>
-                  <a:pt x="505975" y="241152"/>
-                  <a:pt x="503951" y="237563"/>
-                  <a:pt x="502331" y="233574"/>
-                </a:cubicBezTo>
-                <a:close/>
-                <a:moveTo>
-                  <a:pt x="524269" y="217648"/>
-                </a:moveTo>
-                <a:cubicBezTo>
-                  <a:pt x="519208" y="217648"/>
-                  <a:pt x="514926" y="221930"/>
-                  <a:pt x="514926" y="226991"/>
-                </a:cubicBezTo>
-                <a:cubicBezTo>
-                  <a:pt x="514926" y="232441"/>
-                  <a:pt x="519208" y="236724"/>
-                  <a:pt x="524269" y="236724"/>
-                </a:cubicBezTo>
-                <a:cubicBezTo>
-                  <a:pt x="529330" y="236724"/>
-                  <a:pt x="534002" y="232441"/>
-                  <a:pt x="534002" y="226991"/>
-                </a:cubicBezTo>
-                <a:cubicBezTo>
-                  <a:pt x="534002" y="221930"/>
-                  <a:pt x="529330" y="217648"/>
-                  <a:pt x="524269" y="217648"/>
-                </a:cubicBezTo>
-                <a:close/>
-                <a:moveTo>
-                  <a:pt x="396864" y="217648"/>
-                </a:moveTo>
-                <a:cubicBezTo>
-                  <a:pt x="391803" y="217648"/>
-                  <a:pt x="387521" y="221930"/>
-                  <a:pt x="387521" y="226991"/>
-                </a:cubicBezTo>
-                <a:cubicBezTo>
-                  <a:pt x="387521" y="232441"/>
-                  <a:pt x="391803" y="236724"/>
-                  <a:pt x="396864" y="236724"/>
-                </a:cubicBezTo>
-                <a:cubicBezTo>
-                  <a:pt x="402315" y="236724"/>
-                  <a:pt x="406597" y="232441"/>
-                  <a:pt x="406597" y="226991"/>
-                </a:cubicBezTo>
-                <a:cubicBezTo>
-                  <a:pt x="406597" y="221930"/>
-                  <a:pt x="402315" y="217648"/>
-                  <a:pt x="396864" y="217648"/>
-                </a:cubicBezTo>
-                <a:close/>
-                <a:moveTo>
-                  <a:pt x="25461" y="191105"/>
-                </a:moveTo>
-                <a:cubicBezTo>
-                  <a:pt x="20297" y="191105"/>
-                  <a:pt x="15927" y="195387"/>
-                  <a:pt x="15927" y="200448"/>
-                </a:cubicBezTo>
-                <a:cubicBezTo>
-                  <a:pt x="15927" y="205898"/>
-                  <a:pt x="20297" y="210181"/>
-                  <a:pt x="25461" y="210181"/>
-                </a:cubicBezTo>
-                <a:cubicBezTo>
-                  <a:pt x="30625" y="210181"/>
-                  <a:pt x="34995" y="205898"/>
-                  <a:pt x="34995" y="200448"/>
-                </a:cubicBezTo>
-                <a:cubicBezTo>
-                  <a:pt x="34995" y="195387"/>
-                  <a:pt x="30625" y="191105"/>
-                  <a:pt x="25461" y="191105"/>
-                </a:cubicBezTo>
-                <a:close/>
-                <a:moveTo>
-                  <a:pt x="163320" y="187566"/>
-                </a:moveTo>
-                <a:cubicBezTo>
-                  <a:pt x="159708" y="189574"/>
-                  <a:pt x="156097" y="190779"/>
-                  <a:pt x="151684" y="191583"/>
-                </a:cubicBezTo>
-                <a:lnTo>
-                  <a:pt x="146869" y="302845"/>
-                </a:lnTo>
-                <a:cubicBezTo>
-                  <a:pt x="153690" y="305255"/>
-                  <a:pt x="159307" y="310878"/>
-                  <a:pt x="161313" y="318108"/>
-                </a:cubicBezTo>
-                <a:lnTo>
-                  <a:pt x="282886" y="318108"/>
-                </a:lnTo>
-                <a:cubicBezTo>
-                  <a:pt x="282886" y="316502"/>
-                  <a:pt x="283688" y="315297"/>
-                  <a:pt x="284491" y="313690"/>
-                </a:cubicBezTo>
-                <a:close/>
-                <a:moveTo>
-                  <a:pt x="275127" y="175180"/>
-                </a:moveTo>
-                <a:cubicBezTo>
-                  <a:pt x="273530" y="176378"/>
-                  <a:pt x="272333" y="177576"/>
-                  <a:pt x="270736" y="178774"/>
-                </a:cubicBezTo>
-                <a:lnTo>
-                  <a:pt x="305461" y="299788"/>
-                </a:lnTo>
-                <a:cubicBezTo>
-                  <a:pt x="309053" y="299788"/>
-                  <a:pt x="312246" y="300986"/>
-                  <a:pt x="315439" y="302185"/>
-                </a:cubicBezTo>
-                <a:lnTo>
-                  <a:pt x="376507" y="238283"/>
-                </a:lnTo>
-                <a:cubicBezTo>
-                  <a:pt x="374910" y="235088"/>
-                  <a:pt x="373713" y="231094"/>
-                  <a:pt x="373713" y="226701"/>
-                </a:cubicBezTo>
-                <a:cubicBezTo>
-                  <a:pt x="373713" y="225503"/>
-                  <a:pt x="373713" y="224304"/>
-                  <a:pt x="373713" y="223106"/>
-                </a:cubicBezTo>
-                <a:close/>
-                <a:moveTo>
-                  <a:pt x="117932" y="175180"/>
-                </a:moveTo>
-                <a:lnTo>
-                  <a:pt x="49223" y="200020"/>
-                </a:lnTo>
-                <a:cubicBezTo>
-                  <a:pt x="49624" y="200420"/>
-                  <a:pt x="49624" y="200420"/>
-                  <a:pt x="49624" y="200821"/>
-                </a:cubicBezTo>
-                <a:cubicBezTo>
-                  <a:pt x="49624" y="205228"/>
-                  <a:pt x="48419" y="209235"/>
-                  <a:pt x="46008" y="212840"/>
-                </a:cubicBezTo>
-                <a:lnTo>
-                  <a:pt x="128379" y="302183"/>
-                </a:lnTo>
-                <a:cubicBezTo>
-                  <a:pt x="129584" y="301783"/>
-                  <a:pt x="131191" y="300981"/>
-                  <a:pt x="132799" y="300981"/>
-                </a:cubicBezTo>
-                <a:lnTo>
-                  <a:pt x="137620" y="190004"/>
-                </a:lnTo>
-                <a:cubicBezTo>
-                  <a:pt x="129182" y="187600"/>
-                  <a:pt x="122352" y="181991"/>
-                  <a:pt x="117932" y="175180"/>
-                </a:cubicBezTo>
-                <a:close/>
-                <a:moveTo>
-                  <a:pt x="177797" y="166333"/>
-                </a:moveTo>
-                <a:cubicBezTo>
-                  <a:pt x="176999" y="170330"/>
-                  <a:pt x="175405" y="173928"/>
-                  <a:pt x="173412" y="177126"/>
-                </a:cubicBezTo>
-                <a:lnTo>
-                  <a:pt x="289802" y="298646"/>
-                </a:lnTo>
-                <a:lnTo>
-                  <a:pt x="256718" y="183122"/>
-                </a:lnTo>
-                <a:cubicBezTo>
-                  <a:pt x="245956" y="182722"/>
-                  <a:pt x="237586" y="175927"/>
-                  <a:pt x="234796" y="166333"/>
-                </a:cubicBezTo>
-                <a:close/>
-                <a:moveTo>
-                  <a:pt x="257076" y="148637"/>
-                </a:moveTo>
-                <a:cubicBezTo>
-                  <a:pt x="252405" y="148637"/>
-                  <a:pt x="247733" y="153309"/>
-                  <a:pt x="247733" y="158370"/>
-                </a:cubicBezTo>
-                <a:cubicBezTo>
-                  <a:pt x="247733" y="163430"/>
-                  <a:pt x="252405" y="167713"/>
-                  <a:pt x="257076" y="167713"/>
-                </a:cubicBezTo>
-                <a:cubicBezTo>
-                  <a:pt x="262527" y="167713"/>
-                  <a:pt x="266809" y="163430"/>
-                  <a:pt x="266809" y="158370"/>
-                </a:cubicBezTo>
-                <a:cubicBezTo>
-                  <a:pt x="266809" y="153309"/>
-                  <a:pt x="262527" y="148637"/>
-                  <a:pt x="257076" y="148637"/>
-                </a:cubicBezTo>
-                <a:close/>
-                <a:moveTo>
-                  <a:pt x="406422" y="139790"/>
-                </a:moveTo>
-                <a:cubicBezTo>
-                  <a:pt x="403607" y="141805"/>
-                  <a:pt x="399988" y="143820"/>
-                  <a:pt x="396368" y="145029"/>
-                </a:cubicBezTo>
-                <a:lnTo>
-                  <a:pt x="402401" y="203861"/>
-                </a:lnTo>
-                <a:cubicBezTo>
-                  <a:pt x="411248" y="205876"/>
-                  <a:pt x="418085" y="212323"/>
-                  <a:pt x="420900" y="220785"/>
-                </a:cubicBezTo>
-                <a:lnTo>
-                  <a:pt x="501332" y="220785"/>
-                </a:lnTo>
-                <a:cubicBezTo>
-                  <a:pt x="501734" y="219979"/>
-                  <a:pt x="502136" y="219173"/>
-                  <a:pt x="502136" y="218770"/>
-                </a:cubicBezTo>
-                <a:close/>
-                <a:moveTo>
-                  <a:pt x="146186" y="139790"/>
-                </a:moveTo>
-                <a:cubicBezTo>
-                  <a:pt x="135798" y="139790"/>
-                  <a:pt x="127407" y="148487"/>
-                  <a:pt x="127407" y="158370"/>
-                </a:cubicBezTo>
-                <a:cubicBezTo>
-                  <a:pt x="127407" y="168252"/>
-                  <a:pt x="135798" y="176554"/>
-                  <a:pt x="146186" y="176554"/>
-                </a:cubicBezTo>
-                <a:cubicBezTo>
-                  <a:pt x="156175" y="176554"/>
-                  <a:pt x="164167" y="168252"/>
-                  <a:pt x="164167" y="158370"/>
-                </a:cubicBezTo>
-                <a:cubicBezTo>
-                  <a:pt x="164167" y="148487"/>
-                  <a:pt x="156175" y="139790"/>
-                  <a:pt x="146186" y="139790"/>
-                </a:cubicBezTo>
-                <a:close/>
-                <a:moveTo>
-                  <a:pt x="501548" y="106169"/>
-                </a:moveTo>
-                <a:lnTo>
-                  <a:pt x="419025" y="116255"/>
-                </a:lnTo>
-                <a:cubicBezTo>
-                  <a:pt x="418627" y="120290"/>
-                  <a:pt x="417431" y="124324"/>
-                  <a:pt x="415836" y="127552"/>
-                </a:cubicBezTo>
-                <a:lnTo>
-                  <a:pt x="510319" y="206627"/>
-                </a:lnTo>
-                <a:cubicBezTo>
-                  <a:pt x="512312" y="205416"/>
-                  <a:pt x="514305" y="204609"/>
-                  <a:pt x="516298" y="204206"/>
-                </a:cubicBezTo>
-                <a:lnTo>
-                  <a:pt x="516298" y="119483"/>
-                </a:lnTo>
-                <a:cubicBezTo>
-                  <a:pt x="509920" y="117062"/>
-                  <a:pt x="504339" y="112221"/>
-                  <a:pt x="501548" y="106169"/>
-                </a:cubicBezTo>
-                <a:close/>
-                <a:moveTo>
-                  <a:pt x="386439" y="95553"/>
-                </a:moveTo>
-                <a:cubicBezTo>
-                  <a:pt x="376450" y="95553"/>
-                  <a:pt x="368059" y="103544"/>
-                  <a:pt x="368059" y="113533"/>
-                </a:cubicBezTo>
-                <a:cubicBezTo>
-                  <a:pt x="368059" y="123922"/>
-                  <a:pt x="376450" y="132312"/>
-                  <a:pt x="386439" y="132312"/>
-                </a:cubicBezTo>
-                <a:cubicBezTo>
-                  <a:pt x="396428" y="132312"/>
-                  <a:pt x="404819" y="123922"/>
-                  <a:pt x="404819" y="113533"/>
-                </a:cubicBezTo>
-                <a:cubicBezTo>
-                  <a:pt x="404819" y="103544"/>
-                  <a:pt x="396428" y="95553"/>
-                  <a:pt x="386439" y="95553"/>
-                </a:cubicBezTo>
-                <a:close/>
-                <a:moveTo>
-                  <a:pt x="524269" y="86704"/>
-                </a:moveTo>
-                <a:cubicBezTo>
-                  <a:pt x="519208" y="86704"/>
-                  <a:pt x="514926" y="90986"/>
-                  <a:pt x="514926" y="96437"/>
-                </a:cubicBezTo>
-                <a:cubicBezTo>
-                  <a:pt x="514926" y="101497"/>
-                  <a:pt x="519208" y="105780"/>
-                  <a:pt x="524269" y="105780"/>
-                </a:cubicBezTo>
-                <a:cubicBezTo>
-                  <a:pt x="529330" y="105780"/>
-                  <a:pt x="534002" y="101497"/>
-                  <a:pt x="534002" y="96437"/>
-                </a:cubicBezTo>
-                <a:cubicBezTo>
-                  <a:pt x="534002" y="90986"/>
-                  <a:pt x="529330" y="86704"/>
-                  <a:pt x="524269" y="86704"/>
-                </a:cubicBezTo>
-                <a:close/>
-                <a:moveTo>
-                  <a:pt x="269113" y="84936"/>
-                </a:moveTo>
-                <a:cubicBezTo>
-                  <a:pt x="266322" y="88937"/>
-                  <a:pt x="262734" y="91738"/>
-                  <a:pt x="258348" y="93738"/>
-                </a:cubicBezTo>
-                <a:lnTo>
-                  <a:pt x="261936" y="134950"/>
-                </a:lnTo>
-                <a:cubicBezTo>
-                  <a:pt x="272701" y="137351"/>
-                  <a:pt x="280674" y="146953"/>
-                  <a:pt x="280674" y="158557"/>
-                </a:cubicBezTo>
-                <a:cubicBezTo>
-                  <a:pt x="280674" y="159757"/>
-                  <a:pt x="280674" y="160957"/>
-                  <a:pt x="280276" y="162158"/>
-                </a:cubicBezTo>
-                <a:lnTo>
-                  <a:pt x="379149" y="210171"/>
-                </a:lnTo>
-                <a:cubicBezTo>
-                  <a:pt x="381541" y="207770"/>
-                  <a:pt x="383933" y="205770"/>
-                  <a:pt x="387122" y="204569"/>
-                </a:cubicBezTo>
-                <a:lnTo>
-                  <a:pt x="381541" y="146153"/>
-                </a:lnTo>
-                <a:cubicBezTo>
-                  <a:pt x="365195" y="143752"/>
-                  <a:pt x="352437" y="130149"/>
-                  <a:pt x="352437" y="113344"/>
-                </a:cubicBezTo>
-                <a:cubicBezTo>
-                  <a:pt x="352437" y="112544"/>
-                  <a:pt x="352836" y="111743"/>
-                  <a:pt x="352836" y="110943"/>
-                </a:cubicBezTo>
-                <a:close/>
-                <a:moveTo>
-                  <a:pt x="25461" y="69010"/>
-                </a:moveTo>
-                <a:cubicBezTo>
-                  <a:pt x="20297" y="69010"/>
-                  <a:pt x="15927" y="73292"/>
-                  <a:pt x="15927" y="78353"/>
-                </a:cubicBezTo>
-                <a:cubicBezTo>
-                  <a:pt x="15927" y="83803"/>
-                  <a:pt x="20297" y="88086"/>
-                  <a:pt x="25461" y="88086"/>
-                </a:cubicBezTo>
-                <a:cubicBezTo>
-                  <a:pt x="30625" y="88086"/>
-                  <a:pt x="34995" y="83803"/>
-                  <a:pt x="34995" y="78353"/>
-                </a:cubicBezTo>
-                <a:cubicBezTo>
-                  <a:pt x="34995" y="73292"/>
-                  <a:pt x="30625" y="69010"/>
-                  <a:pt x="25461" y="69010"/>
-                </a:cubicBezTo>
-                <a:close/>
-                <a:moveTo>
-                  <a:pt x="250388" y="61932"/>
-                </a:moveTo>
-                <a:cubicBezTo>
-                  <a:pt x="244937" y="61932"/>
-                  <a:pt x="240655" y="66214"/>
-                  <a:pt x="240655" y="71275"/>
-                </a:cubicBezTo>
-                <a:cubicBezTo>
-                  <a:pt x="240655" y="76336"/>
-                  <a:pt x="244937" y="81008"/>
-                  <a:pt x="250388" y="81008"/>
-                </a:cubicBezTo>
-                <a:cubicBezTo>
-                  <a:pt x="255449" y="81008"/>
-                  <a:pt x="259731" y="76336"/>
-                  <a:pt x="259731" y="71275"/>
-                </a:cubicBezTo>
-                <a:cubicBezTo>
-                  <a:pt x="259731" y="66214"/>
-                  <a:pt x="255449" y="61932"/>
-                  <a:pt x="250388" y="61932"/>
-                </a:cubicBezTo>
-                <a:close/>
-                <a:moveTo>
-                  <a:pt x="415540" y="40698"/>
-                </a:moveTo>
-                <a:cubicBezTo>
-                  <a:pt x="411898" y="44271"/>
-                  <a:pt x="407447" y="46653"/>
-                  <a:pt x="402187" y="47447"/>
-                </a:cubicBezTo>
-                <a:lnTo>
-                  <a:pt x="398140" y="82781"/>
-                </a:lnTo>
-                <a:cubicBezTo>
-                  <a:pt x="407043" y="85957"/>
-                  <a:pt x="414731" y="93103"/>
-                  <a:pt x="417968" y="102234"/>
-                </a:cubicBezTo>
-                <a:lnTo>
-                  <a:pt x="502136" y="92706"/>
-                </a:lnTo>
-                <a:cubicBezTo>
-                  <a:pt x="502136" y="92309"/>
-                  <a:pt x="502136" y="91912"/>
-                  <a:pt x="502136" y="91515"/>
-                </a:cubicBezTo>
-                <a:close/>
-                <a:moveTo>
-                  <a:pt x="127205" y="38930"/>
-                </a:moveTo>
-                <a:lnTo>
-                  <a:pt x="48278" y="74450"/>
-                </a:lnTo>
-                <a:cubicBezTo>
-                  <a:pt x="48278" y="75647"/>
-                  <a:pt x="48679" y="76445"/>
-                  <a:pt x="48679" y="77244"/>
-                </a:cubicBezTo>
-                <a:cubicBezTo>
-                  <a:pt x="48679" y="88019"/>
-                  <a:pt x="41468" y="97199"/>
-                  <a:pt x="31852" y="100392"/>
-                </a:cubicBezTo>
-                <a:lnTo>
-                  <a:pt x="31852" y="177019"/>
-                </a:lnTo>
-                <a:cubicBezTo>
-                  <a:pt x="36660" y="178615"/>
-                  <a:pt x="40666" y="181409"/>
-                  <a:pt x="43471" y="185400"/>
-                </a:cubicBezTo>
-                <a:lnTo>
-                  <a:pt x="112381" y="160257"/>
-                </a:lnTo>
-                <a:cubicBezTo>
-                  <a:pt x="112381" y="159458"/>
-                  <a:pt x="111980" y="158660"/>
-                  <a:pt x="111980" y="157463"/>
-                </a:cubicBezTo>
-                <a:cubicBezTo>
-                  <a:pt x="111980" y="141898"/>
-                  <a:pt x="123198" y="129127"/>
-                  <a:pt x="137621" y="125535"/>
-                </a:cubicBezTo>
-                <a:lnTo>
-                  <a:pt x="137621" y="45715"/>
-                </a:lnTo>
-                <a:cubicBezTo>
-                  <a:pt x="133615" y="44118"/>
-                  <a:pt x="130009" y="42123"/>
-                  <a:pt x="127205" y="38930"/>
-                </a:cubicBezTo>
-                <a:close/>
-                <a:moveTo>
-                  <a:pt x="162928" y="38929"/>
-                </a:moveTo>
-                <a:cubicBezTo>
-                  <a:pt x="160141" y="42114"/>
-                  <a:pt x="156558" y="44105"/>
-                  <a:pt x="152178" y="45697"/>
-                </a:cubicBezTo>
-                <a:lnTo>
-                  <a:pt x="152178" y="125325"/>
-                </a:lnTo>
-                <a:cubicBezTo>
-                  <a:pt x="164521" y="128112"/>
-                  <a:pt x="174076" y="137668"/>
-                  <a:pt x="176863" y="150010"/>
-                </a:cubicBezTo>
-                <a:lnTo>
-                  <a:pt x="233797" y="150010"/>
-                </a:lnTo>
-                <a:cubicBezTo>
-                  <a:pt x="235788" y="143242"/>
-                  <a:pt x="240566" y="137668"/>
-                  <a:pt x="247334" y="134881"/>
-                </a:cubicBezTo>
-                <a:lnTo>
-                  <a:pt x="243751" y="93872"/>
-                </a:lnTo>
-                <a:cubicBezTo>
-                  <a:pt x="232603" y="91483"/>
-                  <a:pt x="224640" y="81928"/>
-                  <a:pt x="224640" y="70382"/>
-                </a:cubicBezTo>
-                <a:cubicBezTo>
-                  <a:pt x="224640" y="69586"/>
-                  <a:pt x="225038" y="68391"/>
-                  <a:pt x="225038" y="67197"/>
-                </a:cubicBezTo>
-                <a:close/>
-                <a:moveTo>
-                  <a:pt x="378800" y="35389"/>
-                </a:moveTo>
-                <a:lnTo>
-                  <a:pt x="274276" y="70377"/>
-                </a:lnTo>
-                <a:lnTo>
-                  <a:pt x="274276" y="70779"/>
-                </a:lnTo>
-                <a:lnTo>
-                  <a:pt x="359025" y="96920"/>
-                </a:lnTo>
-                <a:cubicBezTo>
-                  <a:pt x="364272" y="87670"/>
-                  <a:pt x="373554" y="81638"/>
-                  <a:pt x="384450" y="80431"/>
-                </a:cubicBezTo>
-                <a:lnTo>
-                  <a:pt x="388890" y="45041"/>
-                </a:lnTo>
-                <a:cubicBezTo>
-                  <a:pt x="384854" y="42628"/>
-                  <a:pt x="381222" y="39813"/>
-                  <a:pt x="378800" y="35389"/>
-                </a:cubicBezTo>
-                <a:close/>
-                <a:moveTo>
-                  <a:pt x="351734" y="30080"/>
-                </a:moveTo>
-                <a:lnTo>
-                  <a:pt x="176953" y="30889"/>
-                </a:lnTo>
-                <a:lnTo>
-                  <a:pt x="230947" y="56370"/>
-                </a:lnTo>
-                <a:cubicBezTo>
-                  <a:pt x="235347" y="51112"/>
-                  <a:pt x="241346" y="47876"/>
-                  <a:pt x="248945" y="47876"/>
-                </a:cubicBezTo>
-                <a:cubicBezTo>
-                  <a:pt x="256544" y="47876"/>
-                  <a:pt x="263744" y="51921"/>
-                  <a:pt x="268143" y="57988"/>
-                </a:cubicBezTo>
-                <a:close/>
-                <a:moveTo>
-                  <a:pt x="396864" y="14155"/>
-                </a:moveTo>
-                <a:cubicBezTo>
-                  <a:pt x="391803" y="14155"/>
-                  <a:pt x="387521" y="18525"/>
-                  <a:pt x="387521" y="23689"/>
-                </a:cubicBezTo>
-                <a:cubicBezTo>
-                  <a:pt x="387521" y="28853"/>
-                  <a:pt x="391803" y="33223"/>
-                  <a:pt x="396864" y="33223"/>
-                </a:cubicBezTo>
-                <a:cubicBezTo>
-                  <a:pt x="402315" y="33223"/>
-                  <a:pt x="406597" y="28853"/>
-                  <a:pt x="406597" y="23689"/>
-                </a:cubicBezTo>
-                <a:cubicBezTo>
-                  <a:pt x="406597" y="18525"/>
-                  <a:pt x="402315" y="14155"/>
-                  <a:pt x="396864" y="14155"/>
-                </a:cubicBezTo>
-                <a:close/>
-                <a:moveTo>
-                  <a:pt x="145987" y="14155"/>
-                </a:moveTo>
-                <a:cubicBezTo>
-                  <a:pt x="140536" y="14155"/>
-                  <a:pt x="136254" y="18525"/>
-                  <a:pt x="136254" y="23689"/>
-                </a:cubicBezTo>
-                <a:cubicBezTo>
-                  <a:pt x="136254" y="28853"/>
-                  <a:pt x="140536" y="33223"/>
-                  <a:pt x="145987" y="33223"/>
-                </a:cubicBezTo>
-                <a:cubicBezTo>
-                  <a:pt x="150658" y="33223"/>
-                  <a:pt x="155330" y="28853"/>
-                  <a:pt x="155330" y="23689"/>
-                </a:cubicBezTo>
-                <a:cubicBezTo>
-                  <a:pt x="155330" y="18525"/>
-                  <a:pt x="150658" y="14155"/>
-                  <a:pt x="145987" y="14155"/>
-                </a:cubicBezTo>
-                <a:close/>
-                <a:moveTo>
-                  <a:pt x="145074" y="0"/>
-                </a:moveTo>
-                <a:cubicBezTo>
-                  <a:pt x="155522" y="0"/>
-                  <a:pt x="164363" y="6819"/>
-                  <a:pt x="167578" y="16445"/>
-                </a:cubicBezTo>
-                <a:lnTo>
-                  <a:pt x="374941" y="14841"/>
-                </a:lnTo>
-                <a:cubicBezTo>
-                  <a:pt x="378558" y="6017"/>
-                  <a:pt x="387399" y="0"/>
-                  <a:pt x="397446" y="0"/>
-                </a:cubicBezTo>
-                <a:cubicBezTo>
-                  <a:pt x="411109" y="0"/>
-                  <a:pt x="421558" y="10429"/>
-                  <a:pt x="421558" y="23665"/>
-                </a:cubicBezTo>
-                <a:cubicBezTo>
-                  <a:pt x="421558" y="24869"/>
-                  <a:pt x="421558" y="26473"/>
-                  <a:pt x="421156" y="27676"/>
-                </a:cubicBezTo>
-                <a:lnTo>
-                  <a:pt x="507959" y="79419"/>
-                </a:lnTo>
-                <a:cubicBezTo>
-                  <a:pt x="512379" y="75408"/>
-                  <a:pt x="518005" y="73002"/>
-                  <a:pt x="524033" y="73002"/>
-                </a:cubicBezTo>
-                <a:cubicBezTo>
-                  <a:pt x="537295" y="73002"/>
-                  <a:pt x="548145" y="83831"/>
-                  <a:pt x="548145" y="97469"/>
-                </a:cubicBezTo>
-                <a:cubicBezTo>
-                  <a:pt x="548145" y="107898"/>
-                  <a:pt x="540912" y="117123"/>
-                  <a:pt x="531267" y="120332"/>
-                </a:cubicBezTo>
-                <a:lnTo>
-                  <a:pt x="531267" y="204565"/>
-                </a:lnTo>
-                <a:cubicBezTo>
-                  <a:pt x="540912" y="207372"/>
-                  <a:pt x="548145" y="216598"/>
-                  <a:pt x="548145" y="227027"/>
-                </a:cubicBezTo>
-                <a:cubicBezTo>
-                  <a:pt x="548145" y="240664"/>
-                  <a:pt x="537295" y="251093"/>
-                  <a:pt x="524033" y="251093"/>
-                </a:cubicBezTo>
-                <a:cubicBezTo>
-                  <a:pt x="522828" y="251093"/>
-                  <a:pt x="521622" y="250692"/>
-                  <a:pt x="520417" y="250692"/>
-                </a:cubicBezTo>
-                <a:lnTo>
-                  <a:pt x="479024" y="337732"/>
-                </a:lnTo>
-                <a:cubicBezTo>
-                  <a:pt x="486660" y="343749"/>
-                  <a:pt x="491884" y="352974"/>
-                  <a:pt x="491884" y="363403"/>
-                </a:cubicBezTo>
-                <a:cubicBezTo>
-                  <a:pt x="491884" y="381854"/>
-                  <a:pt x="477015" y="396294"/>
-                  <a:pt x="458529" y="396294"/>
-                </a:cubicBezTo>
-                <a:cubicBezTo>
-                  <a:pt x="455716" y="396294"/>
-                  <a:pt x="452099" y="395893"/>
-                  <a:pt x="449286" y="394690"/>
-                </a:cubicBezTo>
-                <a:lnTo>
-                  <a:pt x="434819" y="420762"/>
-                </a:lnTo>
-                <a:cubicBezTo>
-                  <a:pt x="438436" y="424372"/>
-                  <a:pt x="440445" y="429586"/>
-                  <a:pt x="440445" y="435603"/>
-                </a:cubicBezTo>
-                <a:cubicBezTo>
-                  <a:pt x="440445" y="448839"/>
-                  <a:pt x="429595" y="459669"/>
-                  <a:pt x="416333" y="459669"/>
-                </a:cubicBezTo>
-                <a:cubicBezTo>
-                  <a:pt x="402670" y="459669"/>
-                  <a:pt x="392221" y="448839"/>
-                  <a:pt x="392221" y="435603"/>
-                </a:cubicBezTo>
-                <a:cubicBezTo>
-                  <a:pt x="392221" y="432394"/>
-                  <a:pt x="392623" y="429185"/>
-                  <a:pt x="393829" y="426377"/>
-                </a:cubicBezTo>
-                <a:lnTo>
-                  <a:pt x="315465" y="345754"/>
-                </a:lnTo>
-                <a:cubicBezTo>
-                  <a:pt x="311848" y="347359"/>
-                  <a:pt x="308231" y="348562"/>
-                  <a:pt x="304213" y="348562"/>
-                </a:cubicBezTo>
-                <a:cubicBezTo>
-                  <a:pt x="293764" y="348562"/>
-                  <a:pt x="284521" y="341342"/>
-                  <a:pt x="281708" y="331716"/>
-                </a:cubicBezTo>
-                <a:lnTo>
-                  <a:pt x="159943" y="331716"/>
-                </a:lnTo>
-                <a:cubicBezTo>
-                  <a:pt x="157130" y="341342"/>
-                  <a:pt x="148289" y="348562"/>
-                  <a:pt x="137438" y="348562"/>
-                </a:cubicBezTo>
-                <a:cubicBezTo>
-                  <a:pt x="123775" y="348562"/>
-                  <a:pt x="113326" y="337732"/>
-                  <a:pt x="113326" y="324496"/>
-                </a:cubicBezTo>
-                <a:cubicBezTo>
-                  <a:pt x="113326" y="320084"/>
-                  <a:pt x="114532" y="316073"/>
-                  <a:pt x="116541" y="312463"/>
-                </a:cubicBezTo>
-                <a:lnTo>
-                  <a:pt x="34159" y="223417"/>
-                </a:lnTo>
-                <a:cubicBezTo>
-                  <a:pt x="31346" y="224620"/>
-                  <a:pt x="27729" y="225422"/>
-                  <a:pt x="24112" y="225422"/>
-                </a:cubicBezTo>
-                <a:cubicBezTo>
-                  <a:pt x="10851" y="225422"/>
-                  <a:pt x="0" y="214592"/>
-                  <a:pt x="0" y="201356"/>
-                </a:cubicBezTo>
-                <a:cubicBezTo>
-                  <a:pt x="0" y="190927"/>
-                  <a:pt x="7234" y="181702"/>
-                  <a:pt x="16878" y="178493"/>
-                </a:cubicBezTo>
-                <a:lnTo>
-                  <a:pt x="16878" y="101480"/>
-                </a:lnTo>
-                <a:cubicBezTo>
-                  <a:pt x="7234" y="98271"/>
-                  <a:pt x="0" y="89046"/>
-                  <a:pt x="0" y="78216"/>
-                </a:cubicBezTo>
-                <a:cubicBezTo>
-                  <a:pt x="0" y="65380"/>
-                  <a:pt x="10851" y="54551"/>
-                  <a:pt x="24112" y="54551"/>
-                </a:cubicBezTo>
-                <a:cubicBezTo>
-                  <a:pt x="31346" y="54551"/>
-                  <a:pt x="37374" y="57759"/>
-                  <a:pt x="41794" y="62573"/>
-                </a:cubicBezTo>
-                <a:lnTo>
-                  <a:pt x="120962" y="26473"/>
-                </a:lnTo>
-                <a:cubicBezTo>
-                  <a:pt x="120962" y="25671"/>
-                  <a:pt x="120560" y="24468"/>
-                  <a:pt x="120560" y="23665"/>
-                </a:cubicBezTo>
-                <a:cubicBezTo>
-                  <a:pt x="120560" y="10429"/>
-                  <a:pt x="131410" y="0"/>
-                  <a:pt x="145074" y="0"/>
-                </a:cubicBezTo>
-                <a:close/>
-              </a:path>
-            </a:pathLst>
-          </a:custGeom>
-          <a:solidFill>
-            <a:schemeClr val="tx2"/>
-          </a:solidFill>
-          <a:ln>
-            <a:noFill/>
-          </a:ln>
-          <a:effectLst/>
-          <a:extLst>
-            <a:ext uri="{91240B29-F687-4F45-9708-019B960494DF}">
-              <a14:hiddenLine xmlns:a14="http://schemas.microsoft.com/office/drawing/2010/main" w="9525" cap="flat">
-                <a:solidFill>
-                  <a:srgbClr val="808080"/>
-                </a:solidFill>
-                <a:bevel/>
-                <a:headEnd/>
-                <a:tailEnd/>
-              </a14:hiddenLine>
-            </a:ext>
-            <a:ext uri="{AF507438-7753-43E0-B8FC-AC1667EBCBE1}">
-              <a14:hiddenEffects xmlns:a14="http://schemas.microsoft.com/office/drawing/2010/main">
-                <a:effectLst>
-                  <a:outerShdw dist="35921" dir="2700000" algn="ctr" rotWithShape="0">
-                    <a:srgbClr val="808080"/>
-                  </a:outerShdw>
-                </a:effectLst>
-              </a14:hiddenEffects>
-            </a:ext>
-          </a:extLst>
-        </p:spPr>
-        <p:txBody>
-          <a:bodyPr wrap="square" anchor="ctr">
-            <a:noAutofit/>
-          </a:bodyPr>
-          <a:lstStyle/>
-          <a:p>
-            <a:endParaRPr lang="en-US"/>
-          </a:p>
-        </p:txBody>
-      </p:sp>
-      <p:sp>
-        <p:nvSpPr>
-          <p:cNvPr id="6" name="pole tekstowe 5">
-            <a:extLst>
-              <a:ext uri="{FF2B5EF4-FFF2-40B4-BE49-F238E27FC236}">
-                <a16:creationId xmlns:a16="http://schemas.microsoft.com/office/drawing/2014/main" id="{F69E9C88-A797-4777-2416-6D31ADCA057B}"/>
-              </a:ext>
-            </a:extLst>
-          </p:cNvPr>
-          <p:cNvSpPr txBox="1"/>
-          <p:nvPr/>
-        </p:nvSpPr>
-        <p:spPr>
-          <a:xfrm>
-            <a:off x="10636333" y="4968407"/>
-            <a:ext cx="949344" cy="369332"/>
-          </a:xfrm>
-          <a:prstGeom prst="rect">
-            <a:avLst/>
-          </a:prstGeom>
-          <a:noFill/>
-        </p:spPr>
-        <p:txBody>
-          <a:bodyPr wrap="square">
-            <a:spAutoFit/>
-          </a:bodyPr>
-          <a:lstStyle/>
-          <a:p>
-            <a:pPr algn="ctr"/>
-            <a:r>
-              <a:rPr lang="pl-PL"/>
-              <a:t>End</a:t>
-            </a:r>
-          </a:p>
-        </p:txBody>
-      </p:sp>
-      <p:cxnSp>
-        <p:nvCxnSpPr>
-          <p:cNvPr id="8" name="Łącznik prosty ze strzałką 7">
-            <a:extLst>
-              <a:ext uri="{FF2B5EF4-FFF2-40B4-BE49-F238E27FC236}">
-                <a16:creationId xmlns:a16="http://schemas.microsoft.com/office/drawing/2014/main" id="{C0FEA0D6-25AA-F6A4-2F4A-CA284802F6AE}"/>
-              </a:ext>
-            </a:extLst>
-          </p:cNvPr>
-          <p:cNvCxnSpPr>
-            <a:cxnSpLocks/>
-          </p:cNvCxnSpPr>
-          <p:nvPr/>
-        </p:nvCxnSpPr>
-        <p:spPr>
-          <a:xfrm>
-            <a:off x="10205784" y="5153073"/>
-            <a:ext cx="553949" cy="0"/>
-          </a:xfrm>
-          <a:prstGeom prst="straightConnector1">
-            <a:avLst/>
-          </a:prstGeom>
-          <a:ln w="34925">
-            <a:solidFill>
-              <a:schemeClr val="tx1">
-                <a:lumMod val="50000"/>
-                <a:lumOff val="50000"/>
-              </a:schemeClr>
-            </a:solidFill>
-            <a:tailEnd type="triangle"/>
-          </a:ln>
-        </p:spPr>
-        <p:style>
-          <a:lnRef idx="1">
-            <a:schemeClr val="accent1"/>
-          </a:lnRef>
-          <a:fillRef idx="0">
-            <a:schemeClr val="accent1"/>
-          </a:fillRef>
-          <a:effectRef idx="0">
-            <a:schemeClr val="accent1"/>
-          </a:effectRef>
-          <a:fontRef idx="minor">
-            <a:schemeClr val="tx1"/>
-          </a:fontRef>
-        </p:style>
-      </p:cxnSp>
-      <p:sp>
-        <p:nvSpPr>
-          <p:cNvPr id="9" name="Owal 8">
-            <a:extLst>
-              <a:ext uri="{FF2B5EF4-FFF2-40B4-BE49-F238E27FC236}">
-                <a16:creationId xmlns:a16="http://schemas.microsoft.com/office/drawing/2014/main" id="{5B7DBD0C-4E96-F983-985F-5B6BF10A2709}"/>
-              </a:ext>
-            </a:extLst>
-          </p:cNvPr>
-          <p:cNvSpPr/>
-          <p:nvPr/>
-        </p:nvSpPr>
-        <p:spPr>
-          <a:xfrm>
-            <a:off x="9344257" y="4865854"/>
-            <a:ext cx="623990" cy="623990"/>
-          </a:xfrm>
-          <a:prstGeom prst="ellipse">
-            <a:avLst/>
-          </a:prstGeom>
-          <a:solidFill>
-            <a:srgbClr val="FFC000">
-              <a:alpha val="50000"/>
-            </a:srgbClr>
-          </a:solidFill>
-          <a:ln>
-            <a:solidFill>
-              <a:schemeClr val="bg1">
-                <a:lumMod val="65000"/>
-              </a:schemeClr>
-            </a:solidFill>
-          </a:ln>
-        </p:spPr>
-        <p:style>
-          <a:lnRef idx="2">
-            <a:schemeClr val="accent1">
-              <a:shade val="15000"/>
-            </a:schemeClr>
-          </a:lnRef>
-          <a:fillRef idx="1">
-            <a:schemeClr val="accent1"/>
-          </a:fillRef>
-          <a:effectRef idx="0">
-            <a:schemeClr val="accent1"/>
-          </a:effectRef>
-          <a:fontRef idx="minor">
-            <a:schemeClr val="lt1"/>
-          </a:fontRef>
-        </p:style>
-        <p:txBody>
-          <a:bodyPr rtlCol="0" anchor="ctr"/>
-          <a:lstStyle/>
-          <a:p>
-            <a:pPr algn="ctr"/>
-            <a:endParaRPr lang="pl-PL"/>
-          </a:p>
-        </p:txBody>
-      </p:sp>
-      <p:cxnSp>
-        <p:nvCxnSpPr>
-          <p:cNvPr id="12" name="Łącznik prosty ze strzałką 11">
-            <a:extLst>
-              <a:ext uri="{FF2B5EF4-FFF2-40B4-BE49-F238E27FC236}">
-                <a16:creationId xmlns:a16="http://schemas.microsoft.com/office/drawing/2014/main" id="{B34BF971-CF9D-98ED-D305-865983E7E25A}"/>
-              </a:ext>
-            </a:extLst>
-          </p:cNvPr>
-          <p:cNvCxnSpPr>
-            <a:cxnSpLocks/>
-          </p:cNvCxnSpPr>
-          <p:nvPr/>
-        </p:nvCxnSpPr>
-        <p:spPr>
-          <a:xfrm>
-            <a:off x="8365908" y="4314872"/>
-            <a:ext cx="846246" cy="653535"/>
-          </a:xfrm>
-          <a:prstGeom prst="straightConnector1">
-            <a:avLst/>
-          </a:prstGeom>
-          <a:ln w="34925">
-            <a:solidFill>
-              <a:schemeClr val="tx1">
-                <a:lumMod val="50000"/>
-                <a:lumOff val="50000"/>
-              </a:schemeClr>
-            </a:solidFill>
-            <a:tailEnd type="triangle"/>
-          </a:ln>
-        </p:spPr>
-        <p:style>
-          <a:lnRef idx="1">
-            <a:schemeClr val="accent1"/>
-          </a:lnRef>
-          <a:fillRef idx="0">
-            <a:schemeClr val="accent1"/>
-          </a:fillRef>
-          <a:effectRef idx="0">
-            <a:schemeClr val="accent1"/>
-          </a:effectRef>
-          <a:fontRef idx="minor">
-            <a:schemeClr val="tx1"/>
-          </a:fontRef>
-        </p:style>
-      </p:cxnSp>
-    </p:spTree>
-    <p:extLst>
-      <p:ext uri="{BB962C8B-B14F-4D97-AF65-F5344CB8AC3E}">
-        <p14:creationId xmlns:p14="http://schemas.microsoft.com/office/powerpoint/2010/main" val="4291390448"/>
-      </p:ext>
-    </p:extLst>
-  </p:cSld>
-  <p:clrMapOvr>
-    <a:masterClrMapping/>
-  </p:clrMapOvr>
-</p:sld>
-</file>
-
-<file path=ppt/slides/slide9.xml><?xml version="1.0" encoding="utf-8"?>
-<p:sld xmlns:a="http://schemas.openxmlformats.org/drawingml/2006/main" xmlns:r="http://schemas.openxmlformats.org/officeDocument/2006/relationships" xmlns:p="http://schemas.openxmlformats.org/presentationml/2006/main">
-  <p:cSld>
-    <p:spTree>
-      <p:nvGrpSpPr>
-        <p:cNvPr id="1" name="">
-          <a:extLst>
-            <a:ext uri="{FF2B5EF4-FFF2-40B4-BE49-F238E27FC236}">
               <a16:creationId xmlns:a16="http://schemas.microsoft.com/office/drawing/2014/main" id="{16B47EBE-AC33-5F71-6BAC-B7261842ABA6}"/>
             </a:ext>
           </a:extLst>
@@ -31440,6 +28372,272 @@
     <p:extLst>
       <p:ext uri="{BB962C8B-B14F-4D97-AF65-F5344CB8AC3E}">
         <p14:creationId xmlns:p14="http://schemas.microsoft.com/office/powerpoint/2010/main" val="217087028"/>
+      </p:ext>
+    </p:extLst>
+  </p:cSld>
+  <p:clrMapOvr>
+    <a:masterClrMapping/>
+  </p:clrMapOvr>
+</p:sld>
+</file>
+
+<file path=ppt/slides/slide9.xml><?xml version="1.0" encoding="utf-8"?>
+<p:sld xmlns:a="http://schemas.openxmlformats.org/drawingml/2006/main" xmlns:r="http://schemas.openxmlformats.org/officeDocument/2006/relationships" xmlns:p="http://schemas.openxmlformats.org/presentationml/2006/main">
+  <p:cSld>
+    <p:spTree>
+      <p:nvGrpSpPr>
+        <p:cNvPr id="1" name="">
+          <a:extLst>
+            <a:ext uri="{FF2B5EF4-FFF2-40B4-BE49-F238E27FC236}">
+              <a16:creationId xmlns:a16="http://schemas.microsoft.com/office/drawing/2014/main" id="{3D8B3C93-C299-D829-837B-49C518154C80}"/>
+            </a:ext>
+          </a:extLst>
+        </p:cNvPr>
+        <p:cNvGrpSpPr/>
+        <p:nvPr/>
+      </p:nvGrpSpPr>
+      <p:grpSpPr>
+        <a:xfrm>
+          <a:off x="0" y="0"/>
+          <a:ext cx="0" cy="0"/>
+          <a:chOff x="0" y="0"/>
+          <a:chExt cx="0" cy="0"/>
+        </a:xfrm>
+      </p:grpSpPr>
+      <p:sp>
+        <p:nvSpPr>
+          <p:cNvPr id="4" name="Symbol zastępczy zawartości 3">
+            <a:extLst>
+              <a:ext uri="{FF2B5EF4-FFF2-40B4-BE49-F238E27FC236}">
+                <a16:creationId xmlns:a16="http://schemas.microsoft.com/office/drawing/2014/main" id="{220936ED-E070-5884-4676-DFE1A7EE54E2}"/>
+              </a:ext>
+            </a:extLst>
+          </p:cNvPr>
+          <p:cNvSpPr>
+            <a:spLocks noGrp="1"/>
+          </p:cNvSpPr>
+          <p:nvPr>
+            <p:ph idx="1"/>
+          </p:nvPr>
+        </p:nvSpPr>
+        <p:spPr>
+          <a:xfrm>
+            <a:off x="421061" y="1785598"/>
+            <a:ext cx="3204308" cy="3286802"/>
+          </a:xfrm>
+        </p:spPr>
+        <p:txBody>
+          <a:bodyPr>
+            <a:normAutofit/>
+          </a:bodyPr>
+          <a:lstStyle/>
+          <a:p>
+            <a:r>
+              <a:rPr lang="pl-PL"/>
+              <a:t>Graphs help maintain credibility when handing over the reins to AI</a:t>
+            </a:r>
+          </a:p>
+        </p:txBody>
+      </p:sp>
+      <p:pic>
+        <p:nvPicPr>
+          <p:cNvPr id="13" name="Obraz 12">
+            <a:extLst>
+              <a:ext uri="{FF2B5EF4-FFF2-40B4-BE49-F238E27FC236}">
+                <a16:creationId xmlns:a16="http://schemas.microsoft.com/office/drawing/2014/main" id="{809E60C4-28B2-BB94-5CF5-E4A7C98ED8CA}"/>
+              </a:ext>
+            </a:extLst>
+          </p:cNvPr>
+          <p:cNvPicPr>
+            <a:picLocks noChangeAspect="1"/>
+          </p:cNvPicPr>
+          <p:nvPr/>
+        </p:nvPicPr>
+        <p:blipFill>
+          <a:blip r:embed="rId2"/>
+          <a:stretch>
+            <a:fillRect/>
+          </a:stretch>
+        </p:blipFill>
+        <p:spPr>
+          <a:xfrm>
+            <a:off x="4327250" y="2620596"/>
+            <a:ext cx="3114949" cy="1616807"/>
+          </a:xfrm>
+          <a:prstGeom prst="rect">
+            <a:avLst/>
+          </a:prstGeom>
+        </p:spPr>
+      </p:pic>
+      <p:sp>
+        <p:nvSpPr>
+          <p:cNvPr id="19" name="pole tekstowe 18">
+            <a:extLst>
+              <a:ext uri="{FF2B5EF4-FFF2-40B4-BE49-F238E27FC236}">
+                <a16:creationId xmlns:a16="http://schemas.microsoft.com/office/drawing/2014/main" id="{4EFF8A50-4EE6-CF49-C3CF-0560D3C583DE}"/>
+              </a:ext>
+            </a:extLst>
+          </p:cNvPr>
+          <p:cNvSpPr txBox="1"/>
+          <p:nvPr/>
+        </p:nvSpPr>
+        <p:spPr>
+          <a:xfrm>
+            <a:off x="5490347" y="1250949"/>
+            <a:ext cx="829394" cy="369332"/>
+          </a:xfrm>
+          <a:prstGeom prst="rect">
+            <a:avLst/>
+          </a:prstGeom>
+          <a:noFill/>
+        </p:spPr>
+        <p:txBody>
+          <a:bodyPr wrap="none" rtlCol="0">
+            <a:spAutoFit/>
+          </a:bodyPr>
+          <a:lstStyle/>
+          <a:p>
+            <a:r>
+              <a:rPr lang="pl-PL"/>
+              <a:t>Router</a:t>
+            </a:r>
+          </a:p>
+        </p:txBody>
+      </p:sp>
+      <p:sp>
+        <p:nvSpPr>
+          <p:cNvPr id="23" name="pole tekstowe 22">
+            <a:extLst>
+              <a:ext uri="{FF2B5EF4-FFF2-40B4-BE49-F238E27FC236}">
+                <a16:creationId xmlns:a16="http://schemas.microsoft.com/office/drawing/2014/main" id="{59931EE7-AD8C-7139-90E4-7E31653D29FF}"/>
+              </a:ext>
+            </a:extLst>
+          </p:cNvPr>
+          <p:cNvSpPr txBox="1"/>
+          <p:nvPr/>
+        </p:nvSpPr>
+        <p:spPr>
+          <a:xfrm>
+            <a:off x="9135131" y="1250949"/>
+            <a:ext cx="1830437" cy="369332"/>
+          </a:xfrm>
+          <a:prstGeom prst="rect">
+            <a:avLst/>
+          </a:prstGeom>
+          <a:noFill/>
+        </p:spPr>
+        <p:txBody>
+          <a:bodyPr wrap="none" rtlCol="0">
+            <a:spAutoFit/>
+          </a:bodyPr>
+          <a:lstStyle/>
+          <a:p>
+            <a:r>
+              <a:rPr lang="pl-PL"/>
+              <a:t>Full autonomy</a:t>
+            </a:r>
+          </a:p>
+        </p:txBody>
+      </p:sp>
+      <p:sp>
+        <p:nvSpPr>
+          <p:cNvPr id="25" name="pole tekstowe 24">
+            <a:extLst>
+              <a:ext uri="{FF2B5EF4-FFF2-40B4-BE49-F238E27FC236}">
+                <a16:creationId xmlns:a16="http://schemas.microsoft.com/office/drawing/2014/main" id="{A448C087-E7FA-2175-3ED6-DE2EE99B1478}"/>
+              </a:ext>
+            </a:extLst>
+          </p:cNvPr>
+          <p:cNvSpPr txBox="1"/>
+          <p:nvPr/>
+        </p:nvSpPr>
+        <p:spPr>
+          <a:xfrm>
+            <a:off x="5051855" y="5529135"/>
+            <a:ext cx="6184450" cy="369332"/>
+          </a:xfrm>
+          <a:prstGeom prst="rect">
+            <a:avLst/>
+          </a:prstGeom>
+          <a:noFill/>
+        </p:spPr>
+        <p:txBody>
+          <a:bodyPr wrap="none" rtlCol="0">
+            <a:spAutoFit/>
+          </a:bodyPr>
+          <a:lstStyle/>
+          <a:p>
+            <a:r>
+              <a:rPr lang="pl-PL"/>
+              <a:t>The greater the autonomy of the LLM, the lower its credibility....</a:t>
+            </a:r>
+          </a:p>
+        </p:txBody>
+      </p:sp>
+      <p:pic>
+        <p:nvPicPr>
+          <p:cNvPr id="2" name="Obraz 1">
+            <a:extLst>
+              <a:ext uri="{FF2B5EF4-FFF2-40B4-BE49-F238E27FC236}">
+                <a16:creationId xmlns:a16="http://schemas.microsoft.com/office/drawing/2014/main" id="{AFE4D483-2A1F-C3E7-2AE8-F61BB89D07A0}"/>
+              </a:ext>
+            </a:extLst>
+          </p:cNvPr>
+          <p:cNvPicPr>
+            <a:picLocks noChangeAspect="1"/>
+          </p:cNvPicPr>
+          <p:nvPr/>
+        </p:nvPicPr>
+        <p:blipFill>
+          <a:blip r:embed="rId3"/>
+          <a:stretch>
+            <a:fillRect/>
+          </a:stretch>
+        </p:blipFill>
+        <p:spPr>
+          <a:xfrm>
+            <a:off x="4265638" y="2478126"/>
+            <a:ext cx="3107772" cy="1789044"/>
+          </a:xfrm>
+          <a:prstGeom prst="rect">
+            <a:avLst/>
+          </a:prstGeom>
+        </p:spPr>
+      </p:pic>
+      <p:pic>
+        <p:nvPicPr>
+          <p:cNvPr id="3" name="Obraz 2">
+            <a:extLst>
+              <a:ext uri="{FF2B5EF4-FFF2-40B4-BE49-F238E27FC236}">
+                <a16:creationId xmlns:a16="http://schemas.microsoft.com/office/drawing/2014/main" id="{FC299B55-9964-6CD6-4F27-E2F6AFCFD7A9}"/>
+              </a:ext>
+            </a:extLst>
+          </p:cNvPr>
+          <p:cNvPicPr>
+            <a:picLocks noChangeAspect="1"/>
+          </p:cNvPicPr>
+          <p:nvPr/>
+        </p:nvPicPr>
+        <p:blipFill>
+          <a:blip r:embed="rId4"/>
+          <a:stretch>
+            <a:fillRect/>
+          </a:stretch>
+        </p:blipFill>
+        <p:spPr>
+          <a:xfrm>
+            <a:off x="8211145" y="2193019"/>
+            <a:ext cx="3259083" cy="2471959"/>
+          </a:xfrm>
+          <a:prstGeom prst="rect">
+            <a:avLst/>
+          </a:prstGeom>
+        </p:spPr>
+      </p:pic>
+    </p:spTree>
+    <p:extLst>
+      <p:ext uri="{BB962C8B-B14F-4D97-AF65-F5344CB8AC3E}">
+        <p14:creationId xmlns:p14="http://schemas.microsoft.com/office/powerpoint/2010/main" val="3040709976"/>
       </p:ext>
     </p:extLst>
   </p:cSld>
